--- a/Documentacion/Proyecto/ExposicionRegularidad.pptx
+++ b/Documentacion/Proyecto/ExposicionRegularidad.pptx
@@ -207,7 +207,7 @@
             <a:fld id="{FEFD30D0-0048-42BF-B88B-21F996E0C231}" type="datetimeFigureOut">
               <a:rPr lang="en-US" smtClean="0"/>
               <a:pPr/>
-              <a:t>10/29/2012</a:t>
+              <a:t>10/30/2012</a:t>
             </a:fld>
             <a:endParaRPr lang="en-US"/>
           </a:p>
@@ -4464,7 +4464,7 @@
             <a:fld id="{46F4E5E0-CC8A-4447-8D98-8F21A5814697}" type="datetimeFigureOut">
               <a:rPr lang="en-US" smtClean="0"/>
               <a:pPr/>
-              <a:t>10/29/2012</a:t>
+              <a:t>10/30/2012</a:t>
             </a:fld>
             <a:endParaRPr lang="en-US"/>
           </a:p>
@@ -4751,7 +4751,7 @@
             <a:fld id="{46F4E5E0-CC8A-4447-8D98-8F21A5814697}" type="datetimeFigureOut">
               <a:rPr lang="en-US" smtClean="0"/>
               <a:pPr/>
-              <a:t>10/29/2012</a:t>
+              <a:t>10/30/2012</a:t>
             </a:fld>
             <a:endParaRPr lang="en-US"/>
           </a:p>
@@ -4928,7 +4928,7 @@
             <a:fld id="{46F4E5E0-CC8A-4447-8D98-8F21A5814697}" type="datetimeFigureOut">
               <a:rPr lang="en-US" smtClean="0"/>
               <a:pPr/>
-              <a:t>10/29/2012</a:t>
+              <a:t>10/30/2012</a:t>
             </a:fld>
             <a:endParaRPr lang="en-US"/>
           </a:p>
@@ -5095,7 +5095,7 @@
             <a:fld id="{46F4E5E0-CC8A-4447-8D98-8F21A5814697}" type="datetimeFigureOut">
               <a:rPr lang="en-US" smtClean="0"/>
               <a:pPr/>
-              <a:t>10/29/2012</a:t>
+              <a:t>10/30/2012</a:t>
             </a:fld>
             <a:endParaRPr lang="en-US"/>
           </a:p>
@@ -5338,7 +5338,7 @@
             <a:fld id="{46F4E5E0-CC8A-4447-8D98-8F21A5814697}" type="datetimeFigureOut">
               <a:rPr lang="en-US" smtClean="0"/>
               <a:pPr/>
-              <a:t>10/29/2012</a:t>
+              <a:t>10/30/2012</a:t>
             </a:fld>
             <a:endParaRPr lang="en-US"/>
           </a:p>
@@ -5453,7 +5453,7 @@
             <a:fld id="{46F4E5E0-CC8A-4447-8D98-8F21A5814697}" type="datetimeFigureOut">
               <a:rPr lang="en-US" smtClean="0"/>
               <a:pPr/>
-              <a:t>10/29/2012</a:t>
+              <a:t>10/30/2012</a:t>
             </a:fld>
             <a:endParaRPr lang="en-US"/>
           </a:p>
@@ -5994,7 +5994,7 @@
             <a:fld id="{46F4E5E0-CC8A-4447-8D98-8F21A5814697}" type="datetimeFigureOut">
               <a:rPr lang="en-US" smtClean="0"/>
               <a:pPr/>
-              <a:t>10/29/2012</a:t>
+              <a:t>10/30/2012</a:t>
             </a:fld>
             <a:endParaRPr lang="en-US"/>
           </a:p>
@@ -6109,7 +6109,7 @@
             <a:fld id="{46F4E5E0-CC8A-4447-8D98-8F21A5814697}" type="datetimeFigureOut">
               <a:rPr lang="en-US" smtClean="0"/>
               <a:pPr/>
-              <a:t>10/29/2012</a:t>
+              <a:t>10/30/2012</a:t>
             </a:fld>
             <a:endParaRPr lang="en-US"/>
           </a:p>
@@ -6201,7 +6201,7 @@
             <a:fld id="{46F4E5E0-CC8A-4447-8D98-8F21A5814697}" type="datetimeFigureOut">
               <a:rPr lang="en-US" smtClean="0"/>
               <a:pPr/>
-              <a:t>10/29/2012</a:t>
+              <a:t>10/30/2012</a:t>
             </a:fld>
             <a:endParaRPr lang="en-US"/>
           </a:p>
@@ -8854,7 +8854,7 @@
             <a:fld id="{46F4E5E0-CC8A-4447-8D98-8F21A5814697}" type="datetimeFigureOut">
               <a:rPr lang="en-US" smtClean="0"/>
               <a:pPr/>
-              <a:t>10/29/2012</a:t>
+              <a:t>10/30/2012</a:t>
             </a:fld>
             <a:endParaRPr lang="en-US"/>
           </a:p>
@@ -12068,7 +12068,7 @@
             <a:fld id="{46F4E5E0-CC8A-4447-8D98-8F21A5814697}" type="datetimeFigureOut">
               <a:rPr lang="en-US" smtClean="0"/>
               <a:pPr/>
-              <a:t>10/29/2012</a:t>
+              <a:t>10/30/2012</a:t>
             </a:fld>
             <a:endParaRPr lang="en-US"/>
           </a:p>
@@ -14892,7 +14892,7 @@
             <a:fld id="{46F4E5E0-CC8A-4447-8D98-8F21A5814697}" type="datetimeFigureOut">
               <a:rPr lang="en-US" smtClean="0"/>
               <a:pPr/>
-              <a:t>10/29/2012</a:t>
+              <a:t>10/30/2012</a:t>
             </a:fld>
             <a:endParaRPr lang="en-US"/>
           </a:p>
@@ -15696,7 +15696,6 @@
               <a:rPr lang="es-AR" dirty="0"/>
               <a:t>Soluciones implementadas</a:t>
             </a:r>
-            <a:endParaRPr lang="es-AR" dirty="0"/>
           </a:p>
         </p:txBody>
       </p:sp>
@@ -16761,7 +16760,6 @@
               <a:rPr lang="es-AR" dirty="0"/>
               <a:t>Soluciones implementadas</a:t>
             </a:r>
-            <a:endParaRPr lang="es-AR" dirty="0"/>
           </a:p>
         </p:txBody>
       </p:sp>
@@ -18341,7 +18339,11 @@
           <a:p>
             <a:r>
               <a:rPr lang="es-ES" sz="3600" dirty="0" smtClean="0"/>
-              <a:t>Módulo de Herramientas.</a:t>
+              <a:t>Gestión de </a:t>
+            </a:r>
+            <a:r>
+              <a:rPr lang="es-ES" sz="3600" dirty="0" smtClean="0"/>
+              <a:t>Herramientas.</a:t>
             </a:r>
           </a:p>
           <a:p>
@@ -18350,7 +18352,11 @@
           <a:p>
             <a:r>
               <a:rPr lang="es-ES" sz="3600" dirty="0" smtClean="0"/>
-              <a:t>Módulo de Materiales.</a:t>
+              <a:t>Gestión </a:t>
+            </a:r>
+            <a:r>
+              <a:rPr lang="es-ES" sz="3600" dirty="0" smtClean="0"/>
+              <a:t>de Materiales.</a:t>
             </a:r>
           </a:p>
           <a:p>
@@ -18359,8 +18365,17 @@
           <a:p>
             <a:r>
               <a:rPr lang="es-ES" sz="3600" dirty="0" smtClean="0"/>
-              <a:t>Módulo de Reportes.</a:t>
+              <a:t>Reportes</a:t>
             </a:r>
+            <a:r>
+              <a:rPr lang="es-ES" sz="3600" dirty="0"/>
+              <a:t> </a:t>
+            </a:r>
+            <a:r>
+              <a:rPr lang="es-ES" sz="3600" dirty="0" smtClean="0"/>
+              <a:t>e informes.</a:t>
+            </a:r>
+            <a:endParaRPr lang="es-ES" sz="3600" dirty="0" smtClean="0"/>
           </a:p>
           <a:p>
             <a:endParaRPr lang="es-AR" dirty="0"/>
@@ -20870,7 +20885,6 @@
               <a:rPr lang="es-AR" dirty="0" smtClean="0"/>
               <a:t>Objetivo del sistema.</a:t>
             </a:r>
-            <a:endParaRPr lang="es-AR" dirty="0" smtClean="0"/>
           </a:p>
           <a:p>
             <a:endParaRPr lang="es-AR" dirty="0" smtClean="0"/>
@@ -20880,7 +20894,6 @@
               <a:rPr lang="es-ES" dirty="0" smtClean="0"/>
               <a:t>Diagnóstico previo.</a:t>
             </a:r>
-            <a:endParaRPr lang="es-ES" dirty="0" smtClean="0"/>
           </a:p>
           <a:p>
             <a:endParaRPr lang="es-ES" dirty="0" smtClean="0"/>
@@ -20890,7 +20903,6 @@
               <a:rPr lang="es-ES" dirty="0" smtClean="0"/>
               <a:t>Soluciones implementadas.</a:t>
             </a:r>
-            <a:endParaRPr lang="es-ES" dirty="0" smtClean="0"/>
           </a:p>
           <a:p>
             <a:pPr marL="114300" indent="0">
@@ -25736,7 +25748,6 @@
               <a:rPr lang="es-AR" dirty="0"/>
               <a:t>Soluciones implementadas</a:t>
             </a:r>
-            <a:endParaRPr lang="es-AR" dirty="0"/>
           </a:p>
         </p:txBody>
       </p:sp>
@@ -26744,7 +26755,6 @@
               <a:rPr lang="es-AR" dirty="0"/>
               <a:t>Soluciones implementadas</a:t>
             </a:r>
-            <a:endParaRPr lang="es-AR" dirty="0"/>
           </a:p>
         </p:txBody>
       </p:sp>
@@ -28910,7 +28920,6 @@
               <a:rPr lang="es-AR" dirty="0"/>
               <a:t>Soluciones implementadas</a:t>
             </a:r>
-            <a:endParaRPr lang="es-AR" dirty="0"/>
           </a:p>
         </p:txBody>
       </p:sp>
@@ -29423,7 +29432,7 @@
         </p:spPr>
         <p:txBody>
           <a:bodyPr vert="horz" lIns="91440" tIns="45720" rIns="91440" bIns="45720" rtlCol="0">
-            <a:normAutofit/>
+            <a:normAutofit lnSpcReduction="10000"/>
           </a:bodyPr>
           <a:lstStyle>
             <a:lvl1pPr marL="342900" indent="-274320" algn="l" defTabSz="914400" rtl="0" eaLnBrk="1" latinLnBrk="0" hangingPunct="1">
@@ -29650,6 +29659,22 @@
                 </a:solidFill>
               </a:rPr>
               <a:t>etc</a:t>
+            </a:r>
+            <a:endParaRPr lang="es-ES" dirty="0" smtClean="0">
+              <a:solidFill>
+                <a:srgbClr val="FF0000"/>
+              </a:solidFill>
+            </a:endParaRPr>
+          </a:p>
+          <a:p>
+            <a:pPr marL="114300" indent="0"/>
+            <a:r>
+              <a:rPr lang="es-ES" dirty="0" smtClean="0">
+                <a:solidFill>
+                  <a:srgbClr val="FF0000"/>
+                </a:solidFill>
+              </a:rPr>
+              <a:t>TB MOSTRAR TODA LA PARTE MOBILE INDICANDO LA MEJORA EN EL CONTROL DE LOS TIEMPOS QUE SUPONE</a:t>
             </a:r>
             <a:endParaRPr lang="es-AR" dirty="0" smtClean="0">
               <a:solidFill>

--- a/Documentacion/Proyecto/ExposicionRegularidad.pptx
+++ b/Documentacion/Proyecto/ExposicionRegularidad.pptx
@@ -207,7 +207,7 @@
             <a:fld id="{FEFD30D0-0048-42BF-B88B-21F996E0C231}" type="datetimeFigureOut">
               <a:rPr lang="en-US" smtClean="0"/>
               <a:pPr/>
-              <a:t>10/30/2012</a:t>
+              <a:t>10/31/2012</a:t>
             </a:fld>
             <a:endParaRPr lang="en-US"/>
           </a:p>
@@ -4464,7 +4464,7 @@
             <a:fld id="{46F4E5E0-CC8A-4447-8D98-8F21A5814697}" type="datetimeFigureOut">
               <a:rPr lang="en-US" smtClean="0"/>
               <a:pPr/>
-              <a:t>10/30/2012</a:t>
+              <a:t>10/31/2012</a:t>
             </a:fld>
             <a:endParaRPr lang="en-US"/>
           </a:p>
@@ -4751,7 +4751,7 @@
             <a:fld id="{46F4E5E0-CC8A-4447-8D98-8F21A5814697}" type="datetimeFigureOut">
               <a:rPr lang="en-US" smtClean="0"/>
               <a:pPr/>
-              <a:t>10/30/2012</a:t>
+              <a:t>10/31/2012</a:t>
             </a:fld>
             <a:endParaRPr lang="en-US"/>
           </a:p>
@@ -4928,7 +4928,7 @@
             <a:fld id="{46F4E5E0-CC8A-4447-8D98-8F21A5814697}" type="datetimeFigureOut">
               <a:rPr lang="en-US" smtClean="0"/>
               <a:pPr/>
-              <a:t>10/30/2012</a:t>
+              <a:t>10/31/2012</a:t>
             </a:fld>
             <a:endParaRPr lang="en-US"/>
           </a:p>
@@ -5095,7 +5095,7 @@
             <a:fld id="{46F4E5E0-CC8A-4447-8D98-8F21A5814697}" type="datetimeFigureOut">
               <a:rPr lang="en-US" smtClean="0"/>
               <a:pPr/>
-              <a:t>10/30/2012</a:t>
+              <a:t>10/31/2012</a:t>
             </a:fld>
             <a:endParaRPr lang="en-US"/>
           </a:p>
@@ -5338,7 +5338,7 @@
             <a:fld id="{46F4E5E0-CC8A-4447-8D98-8F21A5814697}" type="datetimeFigureOut">
               <a:rPr lang="en-US" smtClean="0"/>
               <a:pPr/>
-              <a:t>10/30/2012</a:t>
+              <a:t>10/31/2012</a:t>
             </a:fld>
             <a:endParaRPr lang="en-US"/>
           </a:p>
@@ -5453,7 +5453,7 @@
             <a:fld id="{46F4E5E0-CC8A-4447-8D98-8F21A5814697}" type="datetimeFigureOut">
               <a:rPr lang="en-US" smtClean="0"/>
               <a:pPr/>
-              <a:t>10/30/2012</a:t>
+              <a:t>10/31/2012</a:t>
             </a:fld>
             <a:endParaRPr lang="en-US"/>
           </a:p>
@@ -5994,7 +5994,7 @@
             <a:fld id="{46F4E5E0-CC8A-4447-8D98-8F21A5814697}" type="datetimeFigureOut">
               <a:rPr lang="en-US" smtClean="0"/>
               <a:pPr/>
-              <a:t>10/30/2012</a:t>
+              <a:t>10/31/2012</a:t>
             </a:fld>
             <a:endParaRPr lang="en-US"/>
           </a:p>
@@ -6109,7 +6109,7 @@
             <a:fld id="{46F4E5E0-CC8A-4447-8D98-8F21A5814697}" type="datetimeFigureOut">
               <a:rPr lang="en-US" smtClean="0"/>
               <a:pPr/>
-              <a:t>10/30/2012</a:t>
+              <a:t>10/31/2012</a:t>
             </a:fld>
             <a:endParaRPr lang="en-US"/>
           </a:p>
@@ -6201,7 +6201,7 @@
             <a:fld id="{46F4E5E0-CC8A-4447-8D98-8F21A5814697}" type="datetimeFigureOut">
               <a:rPr lang="en-US" smtClean="0"/>
               <a:pPr/>
-              <a:t>10/30/2012</a:t>
+              <a:t>10/31/2012</a:t>
             </a:fld>
             <a:endParaRPr lang="en-US"/>
           </a:p>
@@ -8854,7 +8854,7 @@
             <a:fld id="{46F4E5E0-CC8A-4447-8D98-8F21A5814697}" type="datetimeFigureOut">
               <a:rPr lang="en-US" smtClean="0"/>
               <a:pPr/>
-              <a:t>10/30/2012</a:t>
+              <a:t>10/31/2012</a:t>
             </a:fld>
             <a:endParaRPr lang="en-US"/>
           </a:p>
@@ -12068,7 +12068,7 @@
             <a:fld id="{46F4E5E0-CC8A-4447-8D98-8F21A5814697}" type="datetimeFigureOut">
               <a:rPr lang="en-US" smtClean="0"/>
               <a:pPr/>
-              <a:t>10/30/2012</a:t>
+              <a:t>10/31/2012</a:t>
             </a:fld>
             <a:endParaRPr lang="en-US"/>
           </a:p>
@@ -14892,7 +14892,7 @@
             <a:fld id="{46F4E5E0-CC8A-4447-8D98-8F21A5814697}" type="datetimeFigureOut">
               <a:rPr lang="en-US" smtClean="0"/>
               <a:pPr/>
-              <a:t>10/30/2012</a:t>
+              <a:t>10/31/2012</a:t>
             </a:fld>
             <a:endParaRPr lang="en-US"/>
           </a:p>
@@ -16264,7 +16264,23 @@
                   <a:srgbClr val="FF0000"/>
                 </a:solidFill>
               </a:rPr>
-              <a:t> el funcionamiento de las notificaciones de documentos de cuadrilla por vencer, mostrando los bonitos colores, y lo propio para los permisos de los sitios, </a:t>
+              <a:t> el funcionamiento de las notificaciones de documentos de cuadrilla por vencer, mostrando los bonitos </a:t>
+            </a:r>
+            <a:r>
+              <a:rPr lang="es-ES" sz="1700" smtClean="0">
+                <a:solidFill>
+                  <a:srgbClr val="FF0000"/>
+                </a:solidFill>
+              </a:rPr>
+              <a:t>colores</a:t>
+            </a:r>
+            <a:r>
+              <a:rPr lang="es-ES" sz="1700" smtClean="0">
+                <a:solidFill>
+                  <a:srgbClr val="FF0000"/>
+                </a:solidFill>
+              </a:rPr>
+              <a:t>, </a:t>
             </a:r>
             <a:r>
               <a:rPr lang="es-ES" sz="1700" dirty="0" err="1" smtClean="0">
@@ -18339,11 +18355,7 @@
           <a:p>
             <a:r>
               <a:rPr lang="es-ES" sz="3600" dirty="0" smtClean="0"/>
-              <a:t>Gestión de </a:t>
-            </a:r>
-            <a:r>
-              <a:rPr lang="es-ES" sz="3600" dirty="0" smtClean="0"/>
-              <a:t>Herramientas.</a:t>
+              <a:t>Gestión de Herramientas.</a:t>
             </a:r>
           </a:p>
           <a:p>
@@ -18352,11 +18364,7 @@
           <a:p>
             <a:r>
               <a:rPr lang="es-ES" sz="3600" dirty="0" smtClean="0"/>
-              <a:t>Gestión </a:t>
-            </a:r>
-            <a:r>
-              <a:rPr lang="es-ES" sz="3600" dirty="0" smtClean="0"/>
-              <a:t>de Materiales.</a:t>
+              <a:t>Gestión de Materiales.</a:t>
             </a:r>
           </a:p>
           <a:p>
@@ -18375,7 +18383,6 @@
               <a:rPr lang="es-ES" sz="3600" dirty="0" smtClean="0"/>
               <a:t>e informes.</a:t>
             </a:r>
-            <a:endParaRPr lang="es-ES" sz="3600" dirty="0" smtClean="0"/>
           </a:p>
           <a:p>
             <a:endParaRPr lang="es-AR" dirty="0"/>

--- a/Documentacion/Proyecto/ExposicionRegularidad.pptx
+++ b/Documentacion/Proyecto/ExposicionRegularidad.pptx
@@ -5,7 +5,7 @@
     <p:sldMasterId id="2147484056" r:id="rId1"/>
   </p:sldMasterIdLst>
   <p:notesMasterIdLst>
-    <p:notesMasterId r:id="rId17"/>
+    <p:notesMasterId r:id="rId18"/>
   </p:notesMasterIdLst>
   <p:sldIdLst>
     <p:sldId id="256" r:id="rId2"/>
@@ -13,16 +13,17 @@
     <p:sldId id="258" r:id="rId4"/>
     <p:sldId id="259" r:id="rId5"/>
     <p:sldId id="272" r:id="rId6"/>
-    <p:sldId id="277" r:id="rId7"/>
-    <p:sldId id="278" r:id="rId8"/>
-    <p:sldId id="279" r:id="rId9"/>
-    <p:sldId id="280" r:id="rId10"/>
-    <p:sldId id="281" r:id="rId11"/>
-    <p:sldId id="282" r:id="rId12"/>
-    <p:sldId id="283" r:id="rId13"/>
-    <p:sldId id="284" r:id="rId14"/>
-    <p:sldId id="270" r:id="rId15"/>
-    <p:sldId id="275" r:id="rId16"/>
+    <p:sldId id="285" r:id="rId7"/>
+    <p:sldId id="277" r:id="rId8"/>
+    <p:sldId id="278" r:id="rId9"/>
+    <p:sldId id="279" r:id="rId10"/>
+    <p:sldId id="280" r:id="rId11"/>
+    <p:sldId id="281" r:id="rId12"/>
+    <p:sldId id="282" r:id="rId13"/>
+    <p:sldId id="283" r:id="rId14"/>
+    <p:sldId id="284" r:id="rId15"/>
+    <p:sldId id="270" r:id="rId16"/>
+    <p:sldId id="275" r:id="rId17"/>
   </p:sldIdLst>
   <p:sldSz cx="9144000" cy="6858000" type="screen4x3"/>
   <p:notesSz cx="6858000" cy="9144000"/>
@@ -1037,6 +1038,88 @@
               <a:rPr lang="en-US" smtClean="0"/>
               <a:pPr/>
               <a:t>15</a:t>
+            </a:fld>
+            <a:endParaRPr lang="en-US"/>
+          </a:p>
+        </p:txBody>
+      </p:sp>
+    </p:spTree>
+  </p:cSld>
+  <p:clrMapOvr>
+    <a:masterClrMapping/>
+  </p:clrMapOvr>
+</p:notes>
+</file>
+
+<file path=ppt/notesSlides/notesSlide16.xml><?xml version="1.0" encoding="utf-8"?>
+<p:notes xmlns:a="http://schemas.openxmlformats.org/drawingml/2006/main" xmlns:r="http://schemas.openxmlformats.org/officeDocument/2006/relationships" xmlns:p="http://schemas.openxmlformats.org/presentationml/2006/main">
+  <p:cSld>
+    <p:spTree>
+      <p:nvGrpSpPr>
+        <p:cNvPr id="1" name=""/>
+        <p:cNvGrpSpPr/>
+        <p:nvPr/>
+      </p:nvGrpSpPr>
+      <p:grpSpPr>
+        <a:xfrm>
+          <a:off x="0" y="0"/>
+          <a:ext cx="0" cy="0"/>
+          <a:chOff x="0" y="0"/>
+          <a:chExt cx="0" cy="0"/>
+        </a:xfrm>
+      </p:grpSpPr>
+      <p:sp>
+        <p:nvSpPr>
+          <p:cNvPr id="2" name="1 Marcador de imagen de diapositiva"/>
+          <p:cNvSpPr>
+            <a:spLocks noGrp="1" noRot="1" noChangeAspect="1"/>
+          </p:cNvSpPr>
+          <p:nvPr>
+            <p:ph type="sldImg"/>
+          </p:nvPr>
+        </p:nvSpPr>
+        <p:spPr/>
+      </p:sp>
+      <p:sp>
+        <p:nvSpPr>
+          <p:cNvPr id="3" name="2 Marcador de notas"/>
+          <p:cNvSpPr>
+            <a:spLocks noGrp="1"/>
+          </p:cNvSpPr>
+          <p:nvPr>
+            <p:ph type="body" idx="1"/>
+          </p:nvPr>
+        </p:nvSpPr>
+        <p:spPr/>
+        <p:txBody>
+          <a:bodyPr>
+            <a:normAutofit/>
+          </a:bodyPr>
+          <a:lstStyle/>
+          <a:p>
+            <a:endParaRPr lang="es-ES"/>
+          </a:p>
+        </p:txBody>
+      </p:sp>
+      <p:sp>
+        <p:nvSpPr>
+          <p:cNvPr id="4" name="3 Marcador de número de diapositiva"/>
+          <p:cNvSpPr>
+            <a:spLocks noGrp="1"/>
+          </p:cNvSpPr>
+          <p:nvPr>
+            <p:ph type="sldNum" sz="quarter" idx="10"/>
+          </p:nvPr>
+        </p:nvSpPr>
+        <p:spPr/>
+        <p:txBody>
+          <a:bodyPr/>
+          <a:lstStyle/>
+          <a:p>
+            <a:fld id="{673BB177-0FC6-4C22-B343-101DA27743F5}" type="slidenum">
+              <a:rPr lang="en-US" smtClean="0"/>
+              <a:pPr/>
+              <a:t>16</a:t>
             </a:fld>
             <a:endParaRPr lang="en-US"/>
           </a:p>
@@ -15682,7 +15765,7 @@
         <p:spPr>
           <a:xfrm>
             <a:off x="571472" y="428604"/>
-            <a:ext cx="8072494" cy="1344212"/>
+            <a:ext cx="8072494" cy="1416220"/>
           </a:xfrm>
         </p:spPr>
         <p:txBody>
@@ -15987,7 +16070,7 @@
       </p:sp>
       <p:sp>
         <p:nvSpPr>
-          <p:cNvPr id="8" name="Content Placeholder 2"/>
+          <p:cNvPr id="9" name="Content Placeholder 2"/>
           <p:cNvSpPr txBox="1">
             <a:spLocks/>
           </p:cNvSpPr>
@@ -15995,7 +16078,7 @@
         </p:nvSpPr>
         <p:spPr>
           <a:xfrm>
-            <a:off x="785786" y="2571744"/>
+            <a:off x="683568" y="2323652"/>
             <a:ext cx="7704856" cy="3913660"/>
           </a:xfrm>
           <a:prstGeom prst="rect">
@@ -16180,22 +16263,6 @@
             </a:lvl9pPr>
           </a:lstStyle>
           <a:p>
-            <a:pPr marL="114300" indent="0"/>
-            <a:endParaRPr lang="es-AR" dirty="0" smtClean="0"/>
-          </a:p>
-          <a:p>
-            <a:pPr marL="114300" indent="0"/>
-            <a:endParaRPr lang="es-AR" dirty="0" smtClean="0"/>
-          </a:p>
-          <a:p>
-            <a:pPr marL="114300" indent="0"/>
-            <a:endParaRPr lang="es-AR" dirty="0" smtClean="0"/>
-          </a:p>
-          <a:p>
-            <a:pPr marL="114300" indent="0"/>
-            <a:endParaRPr lang="es-AR" dirty="0" smtClean="0"/>
-          </a:p>
-          <a:p>
             <a:pPr>
               <a:spcAft>
                 <a:spcPts val="1200"/>
@@ -16207,35 +16274,213 @@
       </p:sp>
       <p:sp>
         <p:nvSpPr>
-          <p:cNvPr id="3" name="Content Placeholder 2"/>
-          <p:cNvSpPr>
-            <a:spLocks noGrp="1"/>
+          <p:cNvPr id="11" name="Content Placeholder 2"/>
+          <p:cNvSpPr txBox="1">
+            <a:spLocks/>
           </p:cNvSpPr>
-          <p:nvPr>
-            <p:ph idx="1"/>
-          </p:nvPr>
+          <p:nvPr/>
         </p:nvSpPr>
-        <p:spPr/>
+        <p:spPr>
+          <a:xfrm>
+            <a:off x="714348" y="2214554"/>
+            <a:ext cx="7704856" cy="3913660"/>
+          </a:xfrm>
+          <a:prstGeom prst="rect">
+            <a:avLst/>
+          </a:prstGeom>
+        </p:spPr>
         <p:txBody>
-          <a:bodyPr>
-            <a:normAutofit/>
+          <a:bodyPr vert="horz" lIns="91440" tIns="45720" rIns="91440" bIns="45720" rtlCol="0">
+            <a:normAutofit lnSpcReduction="10000"/>
           </a:bodyPr>
-          <a:lstStyle/>
+          <a:lstStyle>
+            <a:lvl1pPr marL="342900" indent="-274320" algn="l" defTabSz="914400" rtl="0" eaLnBrk="1" latinLnBrk="0" hangingPunct="1">
+              <a:spcBef>
+                <a:spcPct val="20000"/>
+              </a:spcBef>
+              <a:buClr>
+                <a:schemeClr val="accent1"/>
+              </a:buClr>
+              <a:buSzPct val="76000"/>
+              <a:buFont typeface="Wingdings 2" pitchFamily="18" charset="2"/>
+              <a:buChar char=""/>
+              <a:defRPr sz="2400" kern="1200">
+                <a:solidFill>
+                  <a:schemeClr val="tx2"/>
+                </a:solidFill>
+                <a:latin typeface="+mn-lt"/>
+                <a:ea typeface="+mn-ea"/>
+                <a:cs typeface="+mn-cs"/>
+              </a:defRPr>
+            </a:lvl1pPr>
+            <a:lvl2pPr marL="640080" indent="-274320" algn="l" defTabSz="914400" rtl="0" eaLnBrk="1" latinLnBrk="0" hangingPunct="1">
+              <a:spcBef>
+                <a:spcPct val="20000"/>
+              </a:spcBef>
+              <a:buClr>
+                <a:schemeClr val="accent1"/>
+              </a:buClr>
+              <a:buSzPct val="76000"/>
+              <a:buFont typeface="Wingdings 2" pitchFamily="18" charset="2"/>
+              <a:buChar char=""/>
+              <a:defRPr sz="2200" kern="1200">
+                <a:solidFill>
+                  <a:schemeClr val="tx2"/>
+                </a:solidFill>
+                <a:latin typeface="+mn-lt"/>
+                <a:ea typeface="+mn-ea"/>
+                <a:cs typeface="+mn-cs"/>
+              </a:defRPr>
+            </a:lvl2pPr>
+            <a:lvl3pPr marL="914400" indent="-228600" algn="l" defTabSz="914400" rtl="0" eaLnBrk="1" latinLnBrk="0" hangingPunct="1">
+              <a:spcBef>
+                <a:spcPct val="20000"/>
+              </a:spcBef>
+              <a:buClr>
+                <a:schemeClr val="accent1"/>
+              </a:buClr>
+              <a:buSzPct val="76000"/>
+              <a:buFont typeface="Wingdings 2" pitchFamily="18" charset="2"/>
+              <a:buChar char=""/>
+              <a:defRPr sz="2000" kern="1200">
+                <a:solidFill>
+                  <a:schemeClr val="tx2"/>
+                </a:solidFill>
+                <a:latin typeface="+mn-lt"/>
+                <a:ea typeface="+mn-ea"/>
+                <a:cs typeface="+mn-cs"/>
+              </a:defRPr>
+            </a:lvl3pPr>
+            <a:lvl4pPr marL="1124712" indent="-228600" algn="l" defTabSz="914400" rtl="0" eaLnBrk="1" latinLnBrk="0" hangingPunct="1">
+              <a:spcBef>
+                <a:spcPct val="20000"/>
+              </a:spcBef>
+              <a:buClr>
+                <a:schemeClr val="accent1"/>
+              </a:buClr>
+              <a:buSzPct val="76000"/>
+              <a:buFont typeface="Wingdings 2" pitchFamily="18" charset="2"/>
+              <a:buChar char=""/>
+              <a:defRPr sz="1800" kern="1200">
+                <a:solidFill>
+                  <a:schemeClr val="tx2"/>
+                </a:solidFill>
+                <a:latin typeface="+mn-lt"/>
+                <a:ea typeface="+mn-ea"/>
+                <a:cs typeface="+mn-cs"/>
+              </a:defRPr>
+            </a:lvl4pPr>
+            <a:lvl5pPr marL="1325880" indent="-228600" algn="l" defTabSz="914400" rtl="0" eaLnBrk="1" latinLnBrk="0" hangingPunct="1">
+              <a:spcBef>
+                <a:spcPct val="20000"/>
+              </a:spcBef>
+              <a:buClr>
+                <a:schemeClr val="accent1"/>
+              </a:buClr>
+              <a:buSzPct val="76000"/>
+              <a:buFont typeface="Wingdings 2" pitchFamily="18" charset="2"/>
+              <a:buChar char=""/>
+              <a:defRPr sz="1600" kern="1200" baseline="0">
+                <a:solidFill>
+                  <a:schemeClr val="tx2"/>
+                </a:solidFill>
+                <a:latin typeface="+mn-lt"/>
+                <a:ea typeface="+mn-ea"/>
+                <a:cs typeface="+mn-cs"/>
+              </a:defRPr>
+            </a:lvl5pPr>
+            <a:lvl6pPr marL="1517904" indent="-228600" algn="l" defTabSz="914400" rtl="0" eaLnBrk="1" latinLnBrk="0" hangingPunct="1">
+              <a:spcBef>
+                <a:spcPct val="20000"/>
+              </a:spcBef>
+              <a:buClr>
+                <a:schemeClr val="accent1"/>
+              </a:buClr>
+              <a:buSzPct val="76000"/>
+              <a:buFont typeface="Wingdings 2" pitchFamily="18" charset="2"/>
+              <a:buChar char=""/>
+              <a:defRPr sz="1400" kern="1200">
+                <a:solidFill>
+                  <a:schemeClr val="tx2"/>
+                </a:solidFill>
+                <a:latin typeface="+mn-lt"/>
+                <a:ea typeface="+mn-ea"/>
+                <a:cs typeface="+mn-cs"/>
+              </a:defRPr>
+            </a:lvl6pPr>
+            <a:lvl7pPr marL="1719072" indent="-228600" algn="l" defTabSz="914400" rtl="0" eaLnBrk="1" latinLnBrk="0" hangingPunct="1">
+              <a:spcBef>
+                <a:spcPct val="20000"/>
+              </a:spcBef>
+              <a:buClr>
+                <a:schemeClr val="accent1"/>
+              </a:buClr>
+              <a:buSzPct val="76000"/>
+              <a:buFont typeface="Wingdings 2" pitchFamily="18" charset="2"/>
+              <a:buChar char=""/>
+              <a:defRPr sz="1400" kern="1200">
+                <a:solidFill>
+                  <a:schemeClr val="tx2"/>
+                </a:solidFill>
+                <a:latin typeface="+mn-lt"/>
+                <a:ea typeface="+mn-ea"/>
+                <a:cs typeface="+mn-cs"/>
+              </a:defRPr>
+            </a:lvl7pPr>
+            <a:lvl8pPr marL="1920240" indent="-228600" algn="l" defTabSz="914400" rtl="0" eaLnBrk="1" latinLnBrk="0" hangingPunct="1">
+              <a:spcBef>
+                <a:spcPct val="20000"/>
+              </a:spcBef>
+              <a:buClr>
+                <a:schemeClr val="accent1"/>
+              </a:buClr>
+              <a:buSzPct val="76000"/>
+              <a:buFont typeface="Wingdings 2" pitchFamily="18" charset="2"/>
+              <a:buChar char=""/>
+              <a:defRPr sz="1400" kern="1200">
+                <a:solidFill>
+                  <a:schemeClr val="tx2"/>
+                </a:solidFill>
+                <a:latin typeface="+mn-lt"/>
+                <a:ea typeface="+mn-ea"/>
+                <a:cs typeface="+mn-cs"/>
+              </a:defRPr>
+            </a:lvl8pPr>
+            <a:lvl9pPr marL="2121408" indent="-228600" algn="l" defTabSz="914400" rtl="0" eaLnBrk="1" latinLnBrk="0" hangingPunct="1">
+              <a:spcBef>
+                <a:spcPct val="20000"/>
+              </a:spcBef>
+              <a:buClr>
+                <a:schemeClr val="accent1"/>
+              </a:buClr>
+              <a:buSzPct val="76000"/>
+              <a:buFont typeface="Wingdings 2" pitchFamily="18" charset="2"/>
+              <a:buChar char=""/>
+              <a:defRPr sz="1400" kern="1200">
+                <a:solidFill>
+                  <a:schemeClr val="tx2"/>
+                </a:solidFill>
+                <a:latin typeface="+mn-lt"/>
+                <a:ea typeface="+mn-ea"/>
+                <a:cs typeface="+mn-cs"/>
+              </a:defRPr>
+            </a:lvl9pPr>
+          </a:lstStyle>
           <a:p>
             <a:pPr marL="342900" lvl="1"/>
             <a:r>
-              <a:rPr lang="es-ES" sz="2800" dirty="0"/>
-              <a:t>Necesidad de avisos de vencimientos de permisos o documentos</a:t>
+              <a:rPr lang="es-AR" sz="2800" dirty="0"/>
+              <a:t>Necesidad de mayor control de las cuadrillas.</a:t>
             </a:r>
+          </a:p>
+          <a:p>
+            <a:pPr marL="114300" indent="0"/>
+            <a:endParaRPr lang="es-ES" dirty="0" smtClean="0"/>
+          </a:p>
+          <a:p>
+            <a:pPr marL="114300" indent="0"/>
             <a:r>
-              <a:rPr lang="es-ES" sz="2800" dirty="0" smtClean="0"/>
-              <a:t>.</a:t>
-            </a:r>
-          </a:p>
-          <a:p>
-            <a:pPr marL="342900" lvl="1"/>
-            <a:r>
-              <a:rPr lang="es-ES" sz="1700" dirty="0" err="1" smtClean="0">
+              <a:rPr lang="es-ES" dirty="0" err="1" smtClean="0">
                 <a:solidFill>
                   <a:srgbClr val="FF0000"/>
                 </a:solidFill>
@@ -16243,85 +16488,74 @@
               <a:t>Aca</a:t>
             </a:r>
             <a:r>
-              <a:rPr lang="es-ES" sz="1700" dirty="0" smtClean="0">
+              <a:rPr lang="es-ES" dirty="0" smtClean="0">
                 <a:solidFill>
                   <a:srgbClr val="FF0000"/>
                 </a:solidFill>
               </a:rPr>
-              <a:t> </a:t>
+              <a:t> mostrar como el sistema nos permite llevar el control de pagos y </a:t>
             </a:r>
             <a:r>
-              <a:rPr lang="es-ES" sz="1700" dirty="0" err="1" smtClean="0">
+              <a:rPr lang="es-ES" dirty="0" err="1" smtClean="0">
                 <a:solidFill>
                   <a:srgbClr val="FF0000"/>
                 </a:solidFill>
               </a:rPr>
-              <a:t>mosdtrar</a:t>
+              <a:t>viaticos</a:t>
             </a:r>
             <a:r>
-              <a:rPr lang="es-ES" sz="1700" dirty="0" smtClean="0">
+              <a:rPr lang="es-ES" dirty="0" smtClean="0">
                 <a:solidFill>
                   <a:srgbClr val="FF0000"/>
                 </a:solidFill>
               </a:rPr>
-              <a:t> el funcionamiento de las notificaciones de documentos de cuadrilla por vencer, mostrando los bonitos </a:t>
+              <a:t> otorgados a cada cuadrilla, verificar el cumplimiento de plazos, que anexen los documentos necesarios, </a:t>
             </a:r>
             <a:r>
-              <a:rPr lang="es-ES" sz="1700" smtClean="0">
+              <a:rPr lang="es-ES" dirty="0" err="1" smtClean="0">
                 <a:solidFill>
                   <a:srgbClr val="FF0000"/>
                 </a:solidFill>
               </a:rPr>
-              <a:t>colores</a:t>
+              <a:t>etc</a:t>
             </a:r>
-            <a:r>
-              <a:rPr lang="es-ES" sz="1700" smtClean="0">
-                <a:solidFill>
-                  <a:srgbClr val="FF0000"/>
-                </a:solidFill>
-              </a:rPr>
-              <a:t>, </a:t>
-            </a:r>
-            <a:r>
-              <a:rPr lang="es-ES" sz="1700" dirty="0" err="1" smtClean="0">
-                <a:solidFill>
-                  <a:srgbClr val="FF0000"/>
-                </a:solidFill>
-              </a:rPr>
-              <a:t>adermas</a:t>
-            </a:r>
-            <a:r>
-              <a:rPr lang="es-ES" sz="1700" dirty="0" smtClean="0">
-                <a:solidFill>
-                  <a:srgbClr val="FF0000"/>
-                </a:solidFill>
-              </a:rPr>
-              <a:t> de la parte donde nos muestra las solicitudes que </a:t>
-            </a:r>
-            <a:r>
-              <a:rPr lang="es-ES" sz="1700" dirty="0" err="1" smtClean="0">
-                <a:solidFill>
-                  <a:srgbClr val="FF0000"/>
-                </a:solidFill>
-              </a:rPr>
-              <a:t>estan</a:t>
-            </a:r>
-            <a:r>
-              <a:rPr lang="es-ES" sz="1700" dirty="0" smtClean="0">
-                <a:solidFill>
-                  <a:srgbClr val="FF0000"/>
-                </a:solidFill>
-              </a:rPr>
-              <a:t> para cobrar</a:t>
-            </a:r>
-            <a:endParaRPr lang="es-ES" sz="1700" dirty="0">
+            <a:endParaRPr lang="es-ES" dirty="0" smtClean="0">
               <a:solidFill>
                 <a:srgbClr val="FF0000"/>
               </a:solidFill>
             </a:endParaRPr>
           </a:p>
           <a:p>
-            <a:endParaRPr lang="es-AR" dirty="0"/>
+            <a:pPr marL="114300" indent="0"/>
+            <a:r>
+              <a:rPr lang="es-ES" dirty="0" smtClean="0">
+                <a:solidFill>
+                  <a:srgbClr val="FF0000"/>
+                </a:solidFill>
+              </a:rPr>
+              <a:t>TB MOSTRAR TODA LA PARTE MOBILE INDICANDO LA MEJORA EN EL CONTROL DE LOS TIEMPOS QUE SUPONE</a:t>
+            </a:r>
+            <a:endParaRPr lang="es-AR" dirty="0" smtClean="0">
+              <a:solidFill>
+                <a:srgbClr val="FF0000"/>
+              </a:solidFill>
+            </a:endParaRPr>
+          </a:p>
+          <a:p>
+            <a:pPr marL="114300" indent="0"/>
+            <a:endParaRPr lang="es-AR" dirty="0" smtClean="0"/>
+          </a:p>
+          <a:p>
+            <a:pPr marL="114300" indent="0"/>
+            <a:endParaRPr lang="es-AR" dirty="0" smtClean="0"/>
+          </a:p>
+          <a:p>
+            <a:pPr>
+              <a:spcAft>
+                <a:spcPts val="1200"/>
+              </a:spcAft>
+            </a:pPr>
+            <a:endParaRPr lang="en-US" dirty="0"/>
           </a:p>
         </p:txBody>
       </p:sp>
@@ -16707,6 +16941,367 @@
                       </p:childTnLst>
                     </p:cTn>
                   </p:par>
+                  <p:par>
+                    <p:cTn id="21" fill="hold">
+                      <p:stCondLst>
+                        <p:cond delay="indefinite"/>
+                      </p:stCondLst>
+                      <p:childTnLst>
+                        <p:par>
+                          <p:cTn id="22" fill="hold">
+                            <p:stCondLst>
+                              <p:cond delay="0"/>
+                            </p:stCondLst>
+                            <p:childTnLst>
+                              <p:par>
+                                <p:cTn id="23" presetID="26" presetClass="entr" presetSubtype="0" fill="hold" nodeType="clickEffect" nodePh="1">
+                                  <p:stCondLst>
+                                    <p:cond delay="0"/>
+                                  </p:stCondLst>
+                                  <p:endCondLst>
+                                    <p:cond evt="begin" delay="0">
+                                      <p:tn val="23"/>
+                                    </p:cond>
+                                  </p:endCondLst>
+                                  <p:childTnLst>
+                                    <p:set>
+                                      <p:cBhvr>
+                                        <p:cTn id="24" dur="1" fill="hold">
+                                          <p:stCondLst>
+                                            <p:cond delay="0"/>
+                                          </p:stCondLst>
+                                        </p:cTn>
+                                        <p:tgtEl>
+                                          <p:spTgt spid="9">
+                                            <p:txEl>
+                                              <p:pRg st="0" end="0"/>
+                                            </p:txEl>
+                                          </p:spTgt>
+                                        </p:tgtEl>
+                                        <p:attrNameLst>
+                                          <p:attrName>style.visibility</p:attrName>
+                                        </p:attrNameLst>
+                                      </p:cBhvr>
+                                      <p:to>
+                                        <p:strVal val="visible"/>
+                                      </p:to>
+                                    </p:set>
+                                    <p:animEffect transition="in" filter="wipe(down)">
+                                      <p:cBhvr>
+                                        <p:cTn id="25" dur="580">
+                                          <p:stCondLst>
+                                            <p:cond delay="0"/>
+                                          </p:stCondLst>
+                                        </p:cTn>
+                                        <p:tgtEl>
+                                          <p:spTgt spid="9">
+                                            <p:txEl>
+                                              <p:pRg st="0" end="0"/>
+                                            </p:txEl>
+                                          </p:spTgt>
+                                        </p:tgtEl>
+                                      </p:cBhvr>
+                                    </p:animEffect>
+                                    <p:anim calcmode="lin" valueType="num">
+                                      <p:cBhvr>
+                                        <p:cTn id="26" dur="1822" tmFilter="0,0; 0.14,0.36; 0.43,0.73; 0.71,0.91; 1.0,1.0">
+                                          <p:stCondLst>
+                                            <p:cond delay="0"/>
+                                          </p:stCondLst>
+                                        </p:cTn>
+                                        <p:tgtEl>
+                                          <p:spTgt spid="9">
+                                            <p:txEl>
+                                              <p:pRg st="0" end="0"/>
+                                            </p:txEl>
+                                          </p:spTgt>
+                                        </p:tgtEl>
+                                        <p:attrNameLst>
+                                          <p:attrName>ppt_x</p:attrName>
+                                        </p:attrNameLst>
+                                      </p:cBhvr>
+                                      <p:tavLst>
+                                        <p:tav tm="0">
+                                          <p:val>
+                                            <p:strVal val="#ppt_x-0.25"/>
+                                          </p:val>
+                                        </p:tav>
+                                        <p:tav tm="100000">
+                                          <p:val>
+                                            <p:strVal val="#ppt_x"/>
+                                          </p:val>
+                                        </p:tav>
+                                      </p:tavLst>
+                                    </p:anim>
+                                    <p:anim calcmode="lin" valueType="num">
+                                      <p:cBhvr>
+                                        <p:cTn id="27" dur="664" tmFilter="0.0,0.0; 0.25,0.07; 0.50,0.2; 0.75,0.467; 1.0,1.0">
+                                          <p:stCondLst>
+                                            <p:cond delay="0"/>
+                                          </p:stCondLst>
+                                        </p:cTn>
+                                        <p:tgtEl>
+                                          <p:spTgt spid="9">
+                                            <p:txEl>
+                                              <p:pRg st="0" end="0"/>
+                                            </p:txEl>
+                                          </p:spTgt>
+                                        </p:tgtEl>
+                                        <p:attrNameLst>
+                                          <p:attrName>ppt_y</p:attrName>
+                                        </p:attrNameLst>
+                                      </p:cBhvr>
+                                      <p:tavLst>
+                                        <p:tav tm="0" fmla="#ppt_y-sin(pi*$)/3">
+                                          <p:val>
+                                            <p:fltVal val="0.5"/>
+                                          </p:val>
+                                        </p:tav>
+                                        <p:tav tm="100000">
+                                          <p:val>
+                                            <p:fltVal val="1"/>
+                                          </p:val>
+                                        </p:tav>
+                                      </p:tavLst>
+                                    </p:anim>
+                                    <p:anim calcmode="lin" valueType="num">
+                                      <p:cBhvr>
+                                        <p:cTn id="28" dur="664" tmFilter="0, 0; 0.125,0.2665; 0.25,0.4; 0.375,0.465; 0.5,0.5;  0.625,0.535; 0.75,0.6; 0.875,0.7335; 1,1">
+                                          <p:stCondLst>
+                                            <p:cond delay="664"/>
+                                          </p:stCondLst>
+                                        </p:cTn>
+                                        <p:tgtEl>
+                                          <p:spTgt spid="9">
+                                            <p:txEl>
+                                              <p:pRg st="0" end="0"/>
+                                            </p:txEl>
+                                          </p:spTgt>
+                                        </p:tgtEl>
+                                        <p:attrNameLst>
+                                          <p:attrName>ppt_y</p:attrName>
+                                        </p:attrNameLst>
+                                      </p:cBhvr>
+                                      <p:tavLst>
+                                        <p:tav tm="0" fmla="#ppt_y-sin(pi*$)/9">
+                                          <p:val>
+                                            <p:fltVal val="0"/>
+                                          </p:val>
+                                        </p:tav>
+                                        <p:tav tm="100000">
+                                          <p:val>
+                                            <p:fltVal val="1"/>
+                                          </p:val>
+                                        </p:tav>
+                                      </p:tavLst>
+                                    </p:anim>
+                                    <p:anim calcmode="lin" valueType="num">
+                                      <p:cBhvr>
+                                        <p:cTn id="29" dur="332" tmFilter="0, 0; 0.125,0.2665; 0.25,0.4; 0.375,0.465; 0.5,0.5;  0.625,0.535; 0.75,0.6; 0.875,0.7335; 1,1">
+                                          <p:stCondLst>
+                                            <p:cond delay="1324"/>
+                                          </p:stCondLst>
+                                        </p:cTn>
+                                        <p:tgtEl>
+                                          <p:spTgt spid="9">
+                                            <p:txEl>
+                                              <p:pRg st="0" end="0"/>
+                                            </p:txEl>
+                                          </p:spTgt>
+                                        </p:tgtEl>
+                                        <p:attrNameLst>
+                                          <p:attrName>ppt_y</p:attrName>
+                                        </p:attrNameLst>
+                                      </p:cBhvr>
+                                      <p:tavLst>
+                                        <p:tav tm="0" fmla="#ppt_y-sin(pi*$)/27">
+                                          <p:val>
+                                            <p:fltVal val="0"/>
+                                          </p:val>
+                                        </p:tav>
+                                        <p:tav tm="100000">
+                                          <p:val>
+                                            <p:fltVal val="1"/>
+                                          </p:val>
+                                        </p:tav>
+                                      </p:tavLst>
+                                    </p:anim>
+                                    <p:anim calcmode="lin" valueType="num">
+                                      <p:cBhvr>
+                                        <p:cTn id="30" dur="164" tmFilter="0, 0; 0.125,0.2665; 0.25,0.4; 0.375,0.465; 0.5,0.5;  0.625,0.535; 0.75,0.6; 0.875,0.7335; 1,1">
+                                          <p:stCondLst>
+                                            <p:cond delay="1656"/>
+                                          </p:stCondLst>
+                                        </p:cTn>
+                                        <p:tgtEl>
+                                          <p:spTgt spid="9">
+                                            <p:txEl>
+                                              <p:pRg st="0" end="0"/>
+                                            </p:txEl>
+                                          </p:spTgt>
+                                        </p:tgtEl>
+                                        <p:attrNameLst>
+                                          <p:attrName>ppt_y</p:attrName>
+                                        </p:attrNameLst>
+                                      </p:cBhvr>
+                                      <p:tavLst>
+                                        <p:tav tm="0" fmla="#ppt_y-sin(pi*$)/81">
+                                          <p:val>
+                                            <p:fltVal val="0"/>
+                                          </p:val>
+                                        </p:tav>
+                                        <p:tav tm="100000">
+                                          <p:val>
+                                            <p:fltVal val="1"/>
+                                          </p:val>
+                                        </p:tav>
+                                      </p:tavLst>
+                                    </p:anim>
+                                    <p:animScale>
+                                      <p:cBhvr>
+                                        <p:cTn id="31" dur="26">
+                                          <p:stCondLst>
+                                            <p:cond delay="650"/>
+                                          </p:stCondLst>
+                                        </p:cTn>
+                                        <p:tgtEl>
+                                          <p:spTgt spid="9">
+                                            <p:txEl>
+                                              <p:pRg st="0" end="0"/>
+                                            </p:txEl>
+                                          </p:spTgt>
+                                        </p:tgtEl>
+                                      </p:cBhvr>
+                                      <p:to x="100000" y="60000"/>
+                                    </p:animScale>
+                                    <p:animScale>
+                                      <p:cBhvr>
+                                        <p:cTn id="32" dur="166" decel="50000">
+                                          <p:stCondLst>
+                                            <p:cond delay="676"/>
+                                          </p:stCondLst>
+                                        </p:cTn>
+                                        <p:tgtEl>
+                                          <p:spTgt spid="9">
+                                            <p:txEl>
+                                              <p:pRg st="0" end="0"/>
+                                            </p:txEl>
+                                          </p:spTgt>
+                                        </p:tgtEl>
+                                      </p:cBhvr>
+                                      <p:to x="100000" y="100000"/>
+                                    </p:animScale>
+                                    <p:animScale>
+                                      <p:cBhvr>
+                                        <p:cTn id="33" dur="26">
+                                          <p:stCondLst>
+                                            <p:cond delay="1312"/>
+                                          </p:stCondLst>
+                                        </p:cTn>
+                                        <p:tgtEl>
+                                          <p:spTgt spid="9">
+                                            <p:txEl>
+                                              <p:pRg st="0" end="0"/>
+                                            </p:txEl>
+                                          </p:spTgt>
+                                        </p:tgtEl>
+                                      </p:cBhvr>
+                                      <p:to x="100000" y="80000"/>
+                                    </p:animScale>
+                                    <p:animScale>
+                                      <p:cBhvr>
+                                        <p:cTn id="34" dur="166" decel="50000">
+                                          <p:stCondLst>
+                                            <p:cond delay="1338"/>
+                                          </p:stCondLst>
+                                        </p:cTn>
+                                        <p:tgtEl>
+                                          <p:spTgt spid="9">
+                                            <p:txEl>
+                                              <p:pRg st="0" end="0"/>
+                                            </p:txEl>
+                                          </p:spTgt>
+                                        </p:tgtEl>
+                                      </p:cBhvr>
+                                      <p:to x="100000" y="100000"/>
+                                    </p:animScale>
+                                    <p:animScale>
+                                      <p:cBhvr>
+                                        <p:cTn id="35" dur="26">
+                                          <p:stCondLst>
+                                            <p:cond delay="1642"/>
+                                          </p:stCondLst>
+                                        </p:cTn>
+                                        <p:tgtEl>
+                                          <p:spTgt spid="9">
+                                            <p:txEl>
+                                              <p:pRg st="0" end="0"/>
+                                            </p:txEl>
+                                          </p:spTgt>
+                                        </p:tgtEl>
+                                      </p:cBhvr>
+                                      <p:to x="100000" y="90000"/>
+                                    </p:animScale>
+                                    <p:animScale>
+                                      <p:cBhvr>
+                                        <p:cTn id="36" dur="166" decel="50000">
+                                          <p:stCondLst>
+                                            <p:cond delay="1668"/>
+                                          </p:stCondLst>
+                                        </p:cTn>
+                                        <p:tgtEl>
+                                          <p:spTgt spid="9">
+                                            <p:txEl>
+                                              <p:pRg st="0" end="0"/>
+                                            </p:txEl>
+                                          </p:spTgt>
+                                        </p:tgtEl>
+                                      </p:cBhvr>
+                                      <p:to x="100000" y="100000"/>
+                                    </p:animScale>
+                                    <p:animScale>
+                                      <p:cBhvr>
+                                        <p:cTn id="37" dur="26">
+                                          <p:stCondLst>
+                                            <p:cond delay="1808"/>
+                                          </p:stCondLst>
+                                        </p:cTn>
+                                        <p:tgtEl>
+                                          <p:spTgt spid="9">
+                                            <p:txEl>
+                                              <p:pRg st="0" end="0"/>
+                                            </p:txEl>
+                                          </p:spTgt>
+                                        </p:tgtEl>
+                                      </p:cBhvr>
+                                      <p:to x="100000" y="95000"/>
+                                    </p:animScale>
+                                    <p:animScale>
+                                      <p:cBhvr>
+                                        <p:cTn id="38" dur="166" decel="50000">
+                                          <p:stCondLst>
+                                            <p:cond delay="1834"/>
+                                          </p:stCondLst>
+                                        </p:cTn>
+                                        <p:tgtEl>
+                                          <p:spTgt spid="9">
+                                            <p:txEl>
+                                              <p:pRg st="0" end="0"/>
+                                            </p:txEl>
+                                          </p:spTgt>
+                                        </p:tgtEl>
+                                      </p:cBhvr>
+                                      <p:to x="100000" y="100000"/>
+                                    </p:animScale>
+                                  </p:childTnLst>
+                                </p:cTn>
+                              </p:par>
+                            </p:childTnLst>
+                          </p:cTn>
+                        </p:par>
+                      </p:childTnLst>
+                    </p:cTn>
+                  </p:par>
                 </p:childTnLst>
               </p:cTn>
               <p:prevCondLst>
@@ -16762,7 +17357,7 @@
         <p:spPr>
           <a:xfrm>
             <a:off x="571472" y="428604"/>
-            <a:ext cx="8072494" cy="1071570"/>
+            <a:ext cx="8072494" cy="1344212"/>
           </a:xfrm>
         </p:spPr>
         <p:txBody>
@@ -17305,7 +17900,7 @@
             <a:pPr marL="342900" lvl="1"/>
             <a:r>
               <a:rPr lang="es-ES" sz="2800" dirty="0"/>
-              <a:t>Excesivo costo de tiempo y esfuerzo para buscar información</a:t>
+              <a:t>Necesidad de avisos de vencimientos de permisos o documentos</a:t>
             </a:r>
             <a:r>
               <a:rPr lang="es-ES" sz="2800" dirty="0" smtClean="0"/>
@@ -17314,12 +17909,8 @@
           </a:p>
           <a:p>
             <a:pPr marL="342900" lvl="1"/>
-            <a:endParaRPr lang="es-ES" sz="2800" dirty="0"/>
-          </a:p>
-          <a:p>
-            <a:pPr marL="342900" lvl="1"/>
             <a:r>
-              <a:rPr lang="es-ES" sz="1500" dirty="0" err="1" smtClean="0">
+              <a:rPr lang="es-ES" sz="1700" dirty="0" err="1" smtClean="0">
                 <a:solidFill>
                   <a:srgbClr val="FF0000"/>
                 </a:solidFill>
@@ -17327,46 +17918,70 @@
               <a:t>Aca</a:t>
             </a:r>
             <a:r>
-              <a:rPr lang="es-ES" sz="1500" dirty="0" smtClean="0">
+              <a:rPr lang="es-ES" sz="1700" dirty="0" smtClean="0">
                 <a:solidFill>
                   <a:srgbClr val="FF0000"/>
                 </a:solidFill>
               </a:rPr>
-              <a:t> solo hacer referencia a las notificaciones (ya mostradas), a lo </a:t>
+              <a:t> </a:t>
             </a:r>
             <a:r>
-              <a:rPr lang="es-ES" sz="1500" dirty="0" err="1" smtClean="0">
+              <a:rPr lang="es-ES" sz="1700" dirty="0" err="1" smtClean="0">
                 <a:solidFill>
                   <a:srgbClr val="FF0000"/>
                 </a:solidFill>
               </a:rPr>
-              <a:t>facil</a:t>
+              <a:t>mosdtrar</a:t>
             </a:r>
             <a:r>
-              <a:rPr lang="es-ES" sz="1500" dirty="0" smtClean="0">
+              <a:rPr lang="es-ES" sz="1700" dirty="0" smtClean="0">
                 <a:solidFill>
                   <a:srgbClr val="FF0000"/>
                 </a:solidFill>
               </a:rPr>
-              <a:t> de buscar documentos pertinentes(ya explicado) y hacer </a:t>
+              <a:t> el funcionamiento de las notificaciones de documentos de cuadrilla por vencer, mostrando los bonitos </a:t>
             </a:r>
             <a:r>
-              <a:rPr lang="es-ES" sz="1500" dirty="0" err="1" smtClean="0">
+              <a:rPr lang="es-ES" sz="1700" smtClean="0">
                 <a:solidFill>
                   <a:srgbClr val="FF0000"/>
                 </a:solidFill>
               </a:rPr>
-              <a:t>incapie</a:t>
+              <a:t>colores, </a:t>
             </a:r>
             <a:r>
-              <a:rPr lang="es-ES" sz="1500" dirty="0" smtClean="0">
+              <a:rPr lang="es-ES" sz="1700" dirty="0" err="1" smtClean="0">
                 <a:solidFill>
                   <a:srgbClr val="FF0000"/>
                 </a:solidFill>
               </a:rPr>
-              <a:t> en la parte de reportes e informes y la ventaja respecto de hacerlo de forma manual!!</a:t>
+              <a:t>adermas</a:t>
             </a:r>
-            <a:endParaRPr lang="es-ES" sz="1500" dirty="0">
+            <a:r>
+              <a:rPr lang="es-ES" sz="1700" dirty="0" smtClean="0">
+                <a:solidFill>
+                  <a:srgbClr val="FF0000"/>
+                </a:solidFill>
+              </a:rPr>
+              <a:t> de la parte donde nos muestra las solicitudes que </a:t>
+            </a:r>
+            <a:r>
+              <a:rPr lang="es-ES" sz="1700" dirty="0" err="1" smtClean="0">
+                <a:solidFill>
+                  <a:srgbClr val="FF0000"/>
+                </a:solidFill>
+              </a:rPr>
+              <a:t>estan</a:t>
+            </a:r>
+            <a:r>
+              <a:rPr lang="es-ES" sz="1700" dirty="0" smtClean="0">
+                <a:solidFill>
+                  <a:srgbClr val="FF0000"/>
+                </a:solidFill>
+              </a:rPr>
+              <a:t> para cobrar</a:t>
+            </a:r>
+            <a:endParaRPr lang="es-ES" sz="1700" dirty="0">
               <a:solidFill>
                 <a:srgbClr val="FF0000"/>
               </a:solidFill>
@@ -17814,21 +18429,20 @@
         <p:spPr>
           <a:xfrm>
             <a:off x="571472" y="428604"/>
-            <a:ext cx="8072494" cy="1632244"/>
+            <a:ext cx="8072494" cy="1071570"/>
           </a:xfrm>
         </p:spPr>
         <p:txBody>
           <a:bodyPr>
-            <a:noAutofit/>
+            <a:normAutofit/>
           </a:bodyPr>
           <a:lstStyle/>
           <a:p>
             <a:pPr algn="ctr"/>
             <a:r>
-              <a:rPr lang="es-ES" sz="4400" dirty="0" smtClean="0"/>
-              <a:t>Componentes a implementar</a:t>
+              <a:rPr lang="es-AR" dirty="0"/>
+              <a:t>Soluciones implementadas</a:t>
             </a:r>
-            <a:endParaRPr lang="es-AR" sz="4400" dirty="0"/>
           </a:p>
         </p:txBody>
       </p:sp>
@@ -18350,39 +18964,80 @@
         </p:nvSpPr>
         <p:spPr/>
         <p:txBody>
-          <a:bodyPr/>
+          <a:bodyPr>
+            <a:normAutofit/>
+          </a:bodyPr>
           <a:lstStyle/>
           <a:p>
+            <a:pPr marL="342900" lvl="1"/>
             <a:r>
-              <a:rPr lang="es-ES" sz="3600" dirty="0" smtClean="0"/>
-              <a:t>Gestión de Herramientas.</a:t>
-            </a:r>
-          </a:p>
-          <a:p>
-            <a:endParaRPr lang="es-ES" sz="3600" dirty="0" smtClean="0"/>
-          </a:p>
-          <a:p>
-            <a:r>
-              <a:rPr lang="es-ES" sz="3600" dirty="0" smtClean="0"/>
-              <a:t>Gestión de Materiales.</a:t>
-            </a:r>
-          </a:p>
-          <a:p>
-            <a:endParaRPr lang="es-ES" sz="3600" dirty="0" smtClean="0"/>
-          </a:p>
-          <a:p>
-            <a:r>
-              <a:rPr lang="es-ES" sz="3600" dirty="0" smtClean="0"/>
-              <a:t>Reportes</a:t>
+              <a:rPr lang="es-ES" sz="2800" dirty="0"/>
+              <a:t>Excesivo costo de tiempo y esfuerzo para buscar información</a:t>
             </a:r>
             <a:r>
-              <a:rPr lang="es-ES" sz="3600" dirty="0"/>
-              <a:t> </a:t>
+              <a:rPr lang="es-ES" sz="2800" dirty="0" smtClean="0"/>
+              <a:t>.</a:t>
+            </a:r>
+          </a:p>
+          <a:p>
+            <a:pPr marL="342900" lvl="1"/>
+            <a:endParaRPr lang="es-ES" sz="2800" dirty="0"/>
+          </a:p>
+          <a:p>
+            <a:pPr marL="342900" lvl="1"/>
+            <a:r>
+              <a:rPr lang="es-ES" sz="1500" dirty="0" err="1" smtClean="0">
+                <a:solidFill>
+                  <a:srgbClr val="FF0000"/>
+                </a:solidFill>
+              </a:rPr>
+              <a:t>Aca</a:t>
             </a:r>
             <a:r>
-              <a:rPr lang="es-ES" sz="3600" dirty="0" smtClean="0"/>
-              <a:t>e informes.</a:t>
+              <a:rPr lang="es-ES" sz="1500" dirty="0" smtClean="0">
+                <a:solidFill>
+                  <a:srgbClr val="FF0000"/>
+                </a:solidFill>
+              </a:rPr>
+              <a:t> solo hacer referencia a las notificaciones (ya mostradas), a lo </a:t>
             </a:r>
+            <a:r>
+              <a:rPr lang="es-ES" sz="1500" dirty="0" err="1" smtClean="0">
+                <a:solidFill>
+                  <a:srgbClr val="FF0000"/>
+                </a:solidFill>
+              </a:rPr>
+              <a:t>facil</a:t>
+            </a:r>
+            <a:r>
+              <a:rPr lang="es-ES" sz="1500" dirty="0" smtClean="0">
+                <a:solidFill>
+                  <a:srgbClr val="FF0000"/>
+                </a:solidFill>
+              </a:rPr>
+              <a:t> de buscar documentos pertinentes(ya explicado) y hacer </a:t>
+            </a:r>
+            <a:r>
+              <a:rPr lang="es-ES" sz="1500" dirty="0" err="1" smtClean="0">
+                <a:solidFill>
+                  <a:srgbClr val="FF0000"/>
+                </a:solidFill>
+              </a:rPr>
+              <a:t>incapie</a:t>
+            </a:r>
+            <a:r>
+              <a:rPr lang="es-ES" sz="1500" dirty="0" smtClean="0">
+                <a:solidFill>
+                  <a:srgbClr val="FF0000"/>
+                </a:solidFill>
+              </a:rPr>
+              <a:t> en la parte de reportes e informes y la ventaja respecto de hacerlo de forma manual!!</a:t>
+            </a:r>
+            <a:endParaRPr lang="es-ES" sz="1500" dirty="0">
+              <a:solidFill>
+                <a:srgbClr val="FF0000"/>
+              </a:solidFill>
+            </a:endParaRPr>
           </a:p>
           <a:p>
             <a:endParaRPr lang="es-AR" dirty="0"/>
@@ -18826,21 +19481,21 @@
         <p:spPr>
           <a:xfrm>
             <a:off x="571472" y="428604"/>
-            <a:ext cx="8072494" cy="1071570"/>
+            <a:ext cx="8072494" cy="1632244"/>
           </a:xfrm>
         </p:spPr>
         <p:txBody>
           <a:bodyPr>
-            <a:normAutofit/>
+            <a:noAutofit/>
           </a:bodyPr>
           <a:lstStyle/>
           <a:p>
             <a:pPr algn="ctr"/>
             <a:r>
-              <a:rPr lang="es-AR" dirty="0" smtClean="0"/>
-              <a:t>Plan de Despliegue</a:t>
+              <a:rPr lang="es-ES" sz="4400" dirty="0" smtClean="0"/>
+              <a:t>Componentes a implementar</a:t>
             </a:r>
-            <a:endParaRPr lang="es-AR" dirty="0"/>
+            <a:endParaRPr lang="es-AR" sz="4400" dirty="0"/>
           </a:p>
         </p:txBody>
       </p:sp>
@@ -19352,7 +20007,7 @@
       </p:sp>
       <p:sp>
         <p:nvSpPr>
-          <p:cNvPr id="10" name="Content Placeholder 2"/>
+          <p:cNvPr id="3" name="Content Placeholder 2"/>
           <p:cNvSpPr>
             <a:spLocks noGrp="1"/>
           </p:cNvSpPr>
@@ -19360,89 +20015,43 @@
             <p:ph idx="1"/>
           </p:nvPr>
         </p:nvSpPr>
-        <p:spPr>
-          <a:xfrm>
-            <a:off x="785786" y="1556792"/>
-            <a:ext cx="7286676" cy="943514"/>
-          </a:xfrm>
-        </p:spPr>
+        <p:spPr/>
         <p:txBody>
-          <a:bodyPr>
-            <a:normAutofit fontScale="25000" lnSpcReduction="20000"/>
-          </a:bodyPr>
+          <a:bodyPr/>
           <a:lstStyle/>
           <a:p>
-            <a:pPr marL="114300" indent="0">
-              <a:buNone/>
-            </a:pPr>
             <a:r>
-              <a:rPr lang="es-ES" sz="11200" dirty="0" smtClean="0"/>
-              <a:t>Necesidades a cubrir por el cliente:</a:t>
+              <a:rPr lang="es-ES" sz="3600" dirty="0" smtClean="0"/>
+              <a:t>Gestión de Herramientas.</a:t>
             </a:r>
           </a:p>
           <a:p>
-            <a:pPr marL="114300" indent="0">
-              <a:buNone/>
-            </a:pPr>
-            <a:endParaRPr lang="es-AR" sz="9600" dirty="0" smtClean="0"/>
-          </a:p>
-          <a:p>
-            <a:pPr marL="114300" indent="0"/>
+            <a:endParaRPr lang="es-ES" sz="3600" dirty="0" smtClean="0"/>
+          </a:p>
+          <a:p>
             <a:r>
-              <a:rPr lang="es-AR" sz="9600" dirty="0" smtClean="0"/>
-              <a:t>Notificación con 30 días de antelación para asegurar la adquisición de </a:t>
+              <a:rPr lang="es-ES" sz="3600" dirty="0" smtClean="0"/>
+              <a:t>Gestión de Materiales.</a:t>
+            </a:r>
+          </a:p>
+          <a:p>
+            <a:endParaRPr lang="es-ES" sz="3600" dirty="0" smtClean="0"/>
+          </a:p>
+          <a:p>
+            <a:r>
+              <a:rPr lang="es-ES" sz="3600" dirty="0" smtClean="0"/>
+              <a:t>Reportes</a:t>
             </a:r>
             <a:r>
-              <a:rPr lang="es-AR" sz="9600" dirty="0" err="1" smtClean="0"/>
-              <a:t>ip</a:t>
+              <a:rPr lang="es-ES" sz="3600" dirty="0"/>
+              <a:t> </a:t>
             </a:r>
             <a:r>
-              <a:rPr lang="es-AR" sz="9600" dirty="0" smtClean="0"/>
-              <a:t> fija.</a:t>
+              <a:rPr lang="es-ES" sz="3600" dirty="0" smtClean="0"/>
+              <a:t>e informes.</a:t>
             </a:r>
           </a:p>
           <a:p>
-            <a:pPr marL="114300" indent="0"/>
-            <a:endParaRPr lang="es-AR" sz="9600" dirty="0" smtClean="0"/>
-          </a:p>
-          <a:p>
-            <a:pPr marL="114300" indent="0"/>
-            <a:r>
-              <a:rPr lang="es-ES" sz="9600" dirty="0" smtClean="0"/>
-              <a:t>Adquisición del servidor por parte de la empresa.</a:t>
-            </a:r>
-          </a:p>
-          <a:p>
-            <a:pPr marL="114300" indent="0"/>
-            <a:endParaRPr lang="es-ES" sz="9600" dirty="0" smtClean="0"/>
-          </a:p>
-          <a:p>
-            <a:pPr marL="114300" indent="0"/>
-            <a:r>
-              <a:rPr lang="es-ES" sz="9600" dirty="0" smtClean="0"/>
-              <a:t>Disponibilidad de horas del personal para su capacitación.</a:t>
-            </a:r>
-          </a:p>
-          <a:p>
-            <a:pPr marL="114300" indent="0"/>
-            <a:endParaRPr lang="es-ES" sz="9600" dirty="0" smtClean="0"/>
-          </a:p>
-          <a:p>
-            <a:pPr marL="114300" indent="0"/>
-            <a:r>
-              <a:rPr lang="es-ES" sz="9600" dirty="0" smtClean="0"/>
-              <a:t>Disponibilidad de las estaciones de trabajo para la instalación y configuración del sistema. (se podría realizar en los fines de semana).</a:t>
-            </a:r>
-            <a:endParaRPr lang="es-AR" sz="9600" dirty="0" smtClean="0"/>
-          </a:p>
-          <a:p>
-            <a:pPr marL="114300" indent="0"/>
-            <a:endParaRPr lang="es-AR" dirty="0" smtClean="0"/>
-          </a:p>
-          <a:p>
-            <a:pPr marL="114300" indent="0">
-              <a:buNone/>
-            </a:pPr>
             <a:endParaRPr lang="es-AR" dirty="0"/>
           </a:p>
         </p:txBody>
@@ -19881,6 +20490,1064 @@
             <p:ph type="title"/>
           </p:nvPr>
         </p:nvSpPr>
+        <p:spPr>
+          <a:xfrm>
+            <a:off x="571472" y="428604"/>
+            <a:ext cx="8072494" cy="1071570"/>
+          </a:xfrm>
+        </p:spPr>
+        <p:txBody>
+          <a:bodyPr>
+            <a:normAutofit/>
+          </a:bodyPr>
+          <a:lstStyle/>
+          <a:p>
+            <a:pPr algn="ctr"/>
+            <a:r>
+              <a:rPr lang="es-AR" dirty="0" smtClean="0"/>
+              <a:t>Plan de Despliegue</a:t>
+            </a:r>
+            <a:endParaRPr lang="es-AR" dirty="0"/>
+          </a:p>
+        </p:txBody>
+      </p:sp>
+      <p:pic>
+        <p:nvPicPr>
+          <p:cNvPr id="4" name="Picture 3" descr="1208185285896971921coredump_Glassy_WiFi_symbol.svg.hi-300x300"/>
+          <p:cNvPicPr>
+            <a:picLocks noChangeAspect="1" noChangeArrowheads="1"/>
+          </p:cNvPicPr>
+          <p:nvPr/>
+        </p:nvPicPr>
+        <p:blipFill>
+          <a:blip r:embed="rId3" cstate="print">
+            <a:extLst>
+              <a:ext uri="{28A0092B-C50C-407E-A947-70E740481C1C}">
+                <a14:useLocalDpi xmlns:a14="http://schemas.microsoft.com/office/drawing/2010/main" val="0"/>
+              </a:ext>
+            </a:extLst>
+          </a:blip>
+          <a:srcRect/>
+          <a:stretch>
+            <a:fillRect/>
+          </a:stretch>
+        </p:blipFill>
+        <p:spPr bwMode="auto">
+          <a:xfrm>
+            <a:off x="6982701" y="5689"/>
+            <a:ext cx="553244" cy="553244"/>
+          </a:xfrm>
+          <a:prstGeom prst="rect">
+            <a:avLst/>
+          </a:prstGeom>
+          <a:noFill/>
+          <a:extLst>
+            <a:ext uri="{909E8E84-426E-40DD-AFC4-6F175D3DCCD1}">
+              <a14:hiddenFill xmlns:a14="http://schemas.microsoft.com/office/drawing/2010/main">
+                <a:solidFill>
+                  <a:srgbClr val="FFFFFF"/>
+                </a:solidFill>
+              </a14:hiddenFill>
+            </a:ext>
+          </a:extLst>
+        </p:spPr>
+      </p:pic>
+      <p:pic>
+        <p:nvPicPr>
+          <p:cNvPr id="6" name="Picture 4" descr="http://www3.frrq.utn.edu.ar:8008/sysacadweb/utn.gif"/>
+          <p:cNvPicPr>
+            <a:picLocks noChangeAspect="1" noChangeArrowheads="1"/>
+          </p:cNvPicPr>
+          <p:nvPr/>
+        </p:nvPicPr>
+        <p:blipFill>
+          <a:blip r:embed="rId4" cstate="print">
+            <a:extLst>
+              <a:ext uri="{28A0092B-C50C-407E-A947-70E740481C1C}">
+                <a14:useLocalDpi xmlns:a14="http://schemas.microsoft.com/office/drawing/2010/main" val="0"/>
+              </a:ext>
+            </a:extLst>
+          </a:blip>
+          <a:srcRect/>
+          <a:stretch>
+            <a:fillRect/>
+          </a:stretch>
+        </p:blipFill>
+        <p:spPr bwMode="auto">
+          <a:xfrm>
+            <a:off x="5292080" y="39902"/>
+            <a:ext cx="435550" cy="519031"/>
+          </a:xfrm>
+          <a:prstGeom prst="rect">
+            <a:avLst/>
+          </a:prstGeom>
+          <a:noFill/>
+          <a:extLst>
+            <a:ext uri="{909E8E84-426E-40DD-AFC4-6F175D3DCCD1}">
+              <a14:hiddenFill xmlns:a14="http://schemas.microsoft.com/office/drawing/2010/main">
+                <a:solidFill>
+                  <a:srgbClr val="FFFFFF"/>
+                </a:solidFill>
+              </a14:hiddenFill>
+            </a:ext>
+          </a:extLst>
+        </p:spPr>
+      </p:pic>
+      <p:sp>
+        <p:nvSpPr>
+          <p:cNvPr id="7" name="Content Placeholder 2"/>
+          <p:cNvSpPr txBox="1">
+            <a:spLocks/>
+          </p:cNvSpPr>
+          <p:nvPr/>
+        </p:nvSpPr>
+        <p:spPr>
+          <a:xfrm>
+            <a:off x="683568" y="2323652"/>
+            <a:ext cx="7704856" cy="3913660"/>
+          </a:xfrm>
+          <a:prstGeom prst="rect">
+            <a:avLst/>
+          </a:prstGeom>
+        </p:spPr>
+        <p:txBody>
+          <a:bodyPr vert="horz" lIns="91440" tIns="45720" rIns="91440" bIns="45720" rtlCol="0">
+            <a:normAutofit/>
+          </a:bodyPr>
+          <a:lstStyle>
+            <a:lvl1pPr marL="342900" indent="-274320" algn="l" defTabSz="914400" rtl="0" eaLnBrk="1" latinLnBrk="0" hangingPunct="1">
+              <a:spcBef>
+                <a:spcPct val="20000"/>
+              </a:spcBef>
+              <a:buClr>
+                <a:schemeClr val="accent1"/>
+              </a:buClr>
+              <a:buSzPct val="76000"/>
+              <a:buFont typeface="Wingdings 2" pitchFamily="18" charset="2"/>
+              <a:buChar char=""/>
+              <a:defRPr sz="2400" kern="1200">
+                <a:solidFill>
+                  <a:schemeClr val="tx2"/>
+                </a:solidFill>
+                <a:latin typeface="+mn-lt"/>
+                <a:ea typeface="+mn-ea"/>
+                <a:cs typeface="+mn-cs"/>
+              </a:defRPr>
+            </a:lvl1pPr>
+            <a:lvl2pPr marL="640080" indent="-274320" algn="l" defTabSz="914400" rtl="0" eaLnBrk="1" latinLnBrk="0" hangingPunct="1">
+              <a:spcBef>
+                <a:spcPct val="20000"/>
+              </a:spcBef>
+              <a:buClr>
+                <a:schemeClr val="accent1"/>
+              </a:buClr>
+              <a:buSzPct val="76000"/>
+              <a:buFont typeface="Wingdings 2" pitchFamily="18" charset="2"/>
+              <a:buChar char=""/>
+              <a:defRPr sz="2200" kern="1200">
+                <a:solidFill>
+                  <a:schemeClr val="tx2"/>
+                </a:solidFill>
+                <a:latin typeface="+mn-lt"/>
+                <a:ea typeface="+mn-ea"/>
+                <a:cs typeface="+mn-cs"/>
+              </a:defRPr>
+            </a:lvl2pPr>
+            <a:lvl3pPr marL="914400" indent="-228600" algn="l" defTabSz="914400" rtl="0" eaLnBrk="1" latinLnBrk="0" hangingPunct="1">
+              <a:spcBef>
+                <a:spcPct val="20000"/>
+              </a:spcBef>
+              <a:buClr>
+                <a:schemeClr val="accent1"/>
+              </a:buClr>
+              <a:buSzPct val="76000"/>
+              <a:buFont typeface="Wingdings 2" pitchFamily="18" charset="2"/>
+              <a:buChar char=""/>
+              <a:defRPr sz="2000" kern="1200">
+                <a:solidFill>
+                  <a:schemeClr val="tx2"/>
+                </a:solidFill>
+                <a:latin typeface="+mn-lt"/>
+                <a:ea typeface="+mn-ea"/>
+                <a:cs typeface="+mn-cs"/>
+              </a:defRPr>
+            </a:lvl3pPr>
+            <a:lvl4pPr marL="1124712" indent="-228600" algn="l" defTabSz="914400" rtl="0" eaLnBrk="1" latinLnBrk="0" hangingPunct="1">
+              <a:spcBef>
+                <a:spcPct val="20000"/>
+              </a:spcBef>
+              <a:buClr>
+                <a:schemeClr val="accent1"/>
+              </a:buClr>
+              <a:buSzPct val="76000"/>
+              <a:buFont typeface="Wingdings 2" pitchFamily="18" charset="2"/>
+              <a:buChar char=""/>
+              <a:defRPr sz="1800" kern="1200">
+                <a:solidFill>
+                  <a:schemeClr val="tx2"/>
+                </a:solidFill>
+                <a:latin typeface="+mn-lt"/>
+                <a:ea typeface="+mn-ea"/>
+                <a:cs typeface="+mn-cs"/>
+              </a:defRPr>
+            </a:lvl4pPr>
+            <a:lvl5pPr marL="1325880" indent="-228600" algn="l" defTabSz="914400" rtl="0" eaLnBrk="1" latinLnBrk="0" hangingPunct="1">
+              <a:spcBef>
+                <a:spcPct val="20000"/>
+              </a:spcBef>
+              <a:buClr>
+                <a:schemeClr val="accent1"/>
+              </a:buClr>
+              <a:buSzPct val="76000"/>
+              <a:buFont typeface="Wingdings 2" pitchFamily="18" charset="2"/>
+              <a:buChar char=""/>
+              <a:defRPr sz="1600" kern="1200" baseline="0">
+                <a:solidFill>
+                  <a:schemeClr val="tx2"/>
+                </a:solidFill>
+                <a:latin typeface="+mn-lt"/>
+                <a:ea typeface="+mn-ea"/>
+                <a:cs typeface="+mn-cs"/>
+              </a:defRPr>
+            </a:lvl5pPr>
+            <a:lvl6pPr marL="1517904" indent="-228600" algn="l" defTabSz="914400" rtl="0" eaLnBrk="1" latinLnBrk="0" hangingPunct="1">
+              <a:spcBef>
+                <a:spcPct val="20000"/>
+              </a:spcBef>
+              <a:buClr>
+                <a:schemeClr val="accent1"/>
+              </a:buClr>
+              <a:buSzPct val="76000"/>
+              <a:buFont typeface="Wingdings 2" pitchFamily="18" charset="2"/>
+              <a:buChar char=""/>
+              <a:defRPr sz="1400" kern="1200">
+                <a:solidFill>
+                  <a:schemeClr val="tx2"/>
+                </a:solidFill>
+                <a:latin typeface="+mn-lt"/>
+                <a:ea typeface="+mn-ea"/>
+                <a:cs typeface="+mn-cs"/>
+              </a:defRPr>
+            </a:lvl6pPr>
+            <a:lvl7pPr marL="1719072" indent="-228600" algn="l" defTabSz="914400" rtl="0" eaLnBrk="1" latinLnBrk="0" hangingPunct="1">
+              <a:spcBef>
+                <a:spcPct val="20000"/>
+              </a:spcBef>
+              <a:buClr>
+                <a:schemeClr val="accent1"/>
+              </a:buClr>
+              <a:buSzPct val="76000"/>
+              <a:buFont typeface="Wingdings 2" pitchFamily="18" charset="2"/>
+              <a:buChar char=""/>
+              <a:defRPr sz="1400" kern="1200">
+                <a:solidFill>
+                  <a:schemeClr val="tx2"/>
+                </a:solidFill>
+                <a:latin typeface="+mn-lt"/>
+                <a:ea typeface="+mn-ea"/>
+                <a:cs typeface="+mn-cs"/>
+              </a:defRPr>
+            </a:lvl7pPr>
+            <a:lvl8pPr marL="1920240" indent="-228600" algn="l" defTabSz="914400" rtl="0" eaLnBrk="1" latinLnBrk="0" hangingPunct="1">
+              <a:spcBef>
+                <a:spcPct val="20000"/>
+              </a:spcBef>
+              <a:buClr>
+                <a:schemeClr val="accent1"/>
+              </a:buClr>
+              <a:buSzPct val="76000"/>
+              <a:buFont typeface="Wingdings 2" pitchFamily="18" charset="2"/>
+              <a:buChar char=""/>
+              <a:defRPr sz="1400" kern="1200">
+                <a:solidFill>
+                  <a:schemeClr val="tx2"/>
+                </a:solidFill>
+                <a:latin typeface="+mn-lt"/>
+                <a:ea typeface="+mn-ea"/>
+                <a:cs typeface="+mn-cs"/>
+              </a:defRPr>
+            </a:lvl8pPr>
+            <a:lvl9pPr marL="2121408" indent="-228600" algn="l" defTabSz="914400" rtl="0" eaLnBrk="1" latinLnBrk="0" hangingPunct="1">
+              <a:spcBef>
+                <a:spcPct val="20000"/>
+              </a:spcBef>
+              <a:buClr>
+                <a:schemeClr val="accent1"/>
+              </a:buClr>
+              <a:buSzPct val="76000"/>
+              <a:buFont typeface="Wingdings 2" pitchFamily="18" charset="2"/>
+              <a:buChar char=""/>
+              <a:defRPr sz="1400" kern="1200">
+                <a:solidFill>
+                  <a:schemeClr val="tx2"/>
+                </a:solidFill>
+                <a:latin typeface="+mn-lt"/>
+                <a:ea typeface="+mn-ea"/>
+                <a:cs typeface="+mn-cs"/>
+              </a:defRPr>
+            </a:lvl9pPr>
+          </a:lstStyle>
+          <a:p>
+            <a:pPr>
+              <a:spcAft>
+                <a:spcPts val="1200"/>
+              </a:spcAft>
+            </a:pPr>
+            <a:endParaRPr lang="en-US" dirty="0"/>
+          </a:p>
+        </p:txBody>
+      </p:sp>
+      <p:sp>
+        <p:nvSpPr>
+          <p:cNvPr id="8" name="Content Placeholder 2"/>
+          <p:cNvSpPr txBox="1">
+            <a:spLocks/>
+          </p:cNvSpPr>
+          <p:nvPr/>
+        </p:nvSpPr>
+        <p:spPr>
+          <a:xfrm>
+            <a:off x="785786" y="2571744"/>
+            <a:ext cx="7704856" cy="3913660"/>
+          </a:xfrm>
+          <a:prstGeom prst="rect">
+            <a:avLst/>
+          </a:prstGeom>
+        </p:spPr>
+        <p:txBody>
+          <a:bodyPr vert="horz" lIns="91440" tIns="45720" rIns="91440" bIns="45720" rtlCol="0">
+            <a:normAutofit/>
+          </a:bodyPr>
+          <a:lstStyle>
+            <a:lvl1pPr marL="342900" indent="-274320" algn="l" defTabSz="914400" rtl="0" eaLnBrk="1" latinLnBrk="0" hangingPunct="1">
+              <a:spcBef>
+                <a:spcPct val="20000"/>
+              </a:spcBef>
+              <a:buClr>
+                <a:schemeClr val="accent1"/>
+              </a:buClr>
+              <a:buSzPct val="76000"/>
+              <a:buFont typeface="Wingdings 2" pitchFamily="18" charset="2"/>
+              <a:buChar char=""/>
+              <a:defRPr sz="2400" kern="1200">
+                <a:solidFill>
+                  <a:schemeClr val="tx2"/>
+                </a:solidFill>
+                <a:latin typeface="+mn-lt"/>
+                <a:ea typeface="+mn-ea"/>
+                <a:cs typeface="+mn-cs"/>
+              </a:defRPr>
+            </a:lvl1pPr>
+            <a:lvl2pPr marL="640080" indent="-274320" algn="l" defTabSz="914400" rtl="0" eaLnBrk="1" latinLnBrk="0" hangingPunct="1">
+              <a:spcBef>
+                <a:spcPct val="20000"/>
+              </a:spcBef>
+              <a:buClr>
+                <a:schemeClr val="accent1"/>
+              </a:buClr>
+              <a:buSzPct val="76000"/>
+              <a:buFont typeface="Wingdings 2" pitchFamily="18" charset="2"/>
+              <a:buChar char=""/>
+              <a:defRPr sz="2200" kern="1200">
+                <a:solidFill>
+                  <a:schemeClr val="tx2"/>
+                </a:solidFill>
+                <a:latin typeface="+mn-lt"/>
+                <a:ea typeface="+mn-ea"/>
+                <a:cs typeface="+mn-cs"/>
+              </a:defRPr>
+            </a:lvl2pPr>
+            <a:lvl3pPr marL="914400" indent="-228600" algn="l" defTabSz="914400" rtl="0" eaLnBrk="1" latinLnBrk="0" hangingPunct="1">
+              <a:spcBef>
+                <a:spcPct val="20000"/>
+              </a:spcBef>
+              <a:buClr>
+                <a:schemeClr val="accent1"/>
+              </a:buClr>
+              <a:buSzPct val="76000"/>
+              <a:buFont typeface="Wingdings 2" pitchFamily="18" charset="2"/>
+              <a:buChar char=""/>
+              <a:defRPr sz="2000" kern="1200">
+                <a:solidFill>
+                  <a:schemeClr val="tx2"/>
+                </a:solidFill>
+                <a:latin typeface="+mn-lt"/>
+                <a:ea typeface="+mn-ea"/>
+                <a:cs typeface="+mn-cs"/>
+              </a:defRPr>
+            </a:lvl3pPr>
+            <a:lvl4pPr marL="1124712" indent="-228600" algn="l" defTabSz="914400" rtl="0" eaLnBrk="1" latinLnBrk="0" hangingPunct="1">
+              <a:spcBef>
+                <a:spcPct val="20000"/>
+              </a:spcBef>
+              <a:buClr>
+                <a:schemeClr val="accent1"/>
+              </a:buClr>
+              <a:buSzPct val="76000"/>
+              <a:buFont typeface="Wingdings 2" pitchFamily="18" charset="2"/>
+              <a:buChar char=""/>
+              <a:defRPr sz="1800" kern="1200">
+                <a:solidFill>
+                  <a:schemeClr val="tx2"/>
+                </a:solidFill>
+                <a:latin typeface="+mn-lt"/>
+                <a:ea typeface="+mn-ea"/>
+                <a:cs typeface="+mn-cs"/>
+              </a:defRPr>
+            </a:lvl4pPr>
+            <a:lvl5pPr marL="1325880" indent="-228600" algn="l" defTabSz="914400" rtl="0" eaLnBrk="1" latinLnBrk="0" hangingPunct="1">
+              <a:spcBef>
+                <a:spcPct val="20000"/>
+              </a:spcBef>
+              <a:buClr>
+                <a:schemeClr val="accent1"/>
+              </a:buClr>
+              <a:buSzPct val="76000"/>
+              <a:buFont typeface="Wingdings 2" pitchFamily="18" charset="2"/>
+              <a:buChar char=""/>
+              <a:defRPr sz="1600" kern="1200" baseline="0">
+                <a:solidFill>
+                  <a:schemeClr val="tx2"/>
+                </a:solidFill>
+                <a:latin typeface="+mn-lt"/>
+                <a:ea typeface="+mn-ea"/>
+                <a:cs typeface="+mn-cs"/>
+              </a:defRPr>
+            </a:lvl5pPr>
+            <a:lvl6pPr marL="1517904" indent="-228600" algn="l" defTabSz="914400" rtl="0" eaLnBrk="1" latinLnBrk="0" hangingPunct="1">
+              <a:spcBef>
+                <a:spcPct val="20000"/>
+              </a:spcBef>
+              <a:buClr>
+                <a:schemeClr val="accent1"/>
+              </a:buClr>
+              <a:buSzPct val="76000"/>
+              <a:buFont typeface="Wingdings 2" pitchFamily="18" charset="2"/>
+              <a:buChar char=""/>
+              <a:defRPr sz="1400" kern="1200">
+                <a:solidFill>
+                  <a:schemeClr val="tx2"/>
+                </a:solidFill>
+                <a:latin typeface="+mn-lt"/>
+                <a:ea typeface="+mn-ea"/>
+                <a:cs typeface="+mn-cs"/>
+              </a:defRPr>
+            </a:lvl6pPr>
+            <a:lvl7pPr marL="1719072" indent="-228600" algn="l" defTabSz="914400" rtl="0" eaLnBrk="1" latinLnBrk="0" hangingPunct="1">
+              <a:spcBef>
+                <a:spcPct val="20000"/>
+              </a:spcBef>
+              <a:buClr>
+                <a:schemeClr val="accent1"/>
+              </a:buClr>
+              <a:buSzPct val="76000"/>
+              <a:buFont typeface="Wingdings 2" pitchFamily="18" charset="2"/>
+              <a:buChar char=""/>
+              <a:defRPr sz="1400" kern="1200">
+                <a:solidFill>
+                  <a:schemeClr val="tx2"/>
+                </a:solidFill>
+                <a:latin typeface="+mn-lt"/>
+                <a:ea typeface="+mn-ea"/>
+                <a:cs typeface="+mn-cs"/>
+              </a:defRPr>
+            </a:lvl7pPr>
+            <a:lvl8pPr marL="1920240" indent="-228600" algn="l" defTabSz="914400" rtl="0" eaLnBrk="1" latinLnBrk="0" hangingPunct="1">
+              <a:spcBef>
+                <a:spcPct val="20000"/>
+              </a:spcBef>
+              <a:buClr>
+                <a:schemeClr val="accent1"/>
+              </a:buClr>
+              <a:buSzPct val="76000"/>
+              <a:buFont typeface="Wingdings 2" pitchFamily="18" charset="2"/>
+              <a:buChar char=""/>
+              <a:defRPr sz="1400" kern="1200">
+                <a:solidFill>
+                  <a:schemeClr val="tx2"/>
+                </a:solidFill>
+                <a:latin typeface="+mn-lt"/>
+                <a:ea typeface="+mn-ea"/>
+                <a:cs typeface="+mn-cs"/>
+              </a:defRPr>
+            </a:lvl8pPr>
+            <a:lvl9pPr marL="2121408" indent="-228600" algn="l" defTabSz="914400" rtl="0" eaLnBrk="1" latinLnBrk="0" hangingPunct="1">
+              <a:spcBef>
+                <a:spcPct val="20000"/>
+              </a:spcBef>
+              <a:buClr>
+                <a:schemeClr val="accent1"/>
+              </a:buClr>
+              <a:buSzPct val="76000"/>
+              <a:buFont typeface="Wingdings 2" pitchFamily="18" charset="2"/>
+              <a:buChar char=""/>
+              <a:defRPr sz="1400" kern="1200">
+                <a:solidFill>
+                  <a:schemeClr val="tx2"/>
+                </a:solidFill>
+                <a:latin typeface="+mn-lt"/>
+                <a:ea typeface="+mn-ea"/>
+                <a:cs typeface="+mn-cs"/>
+              </a:defRPr>
+            </a:lvl9pPr>
+          </a:lstStyle>
+          <a:p>
+            <a:pPr marL="114300" indent="0"/>
+            <a:endParaRPr lang="es-AR" dirty="0" smtClean="0"/>
+          </a:p>
+          <a:p>
+            <a:pPr marL="114300" indent="0"/>
+            <a:endParaRPr lang="es-AR" dirty="0" smtClean="0"/>
+          </a:p>
+          <a:p>
+            <a:pPr marL="114300" indent="0"/>
+            <a:endParaRPr lang="es-AR" dirty="0" smtClean="0"/>
+          </a:p>
+          <a:p>
+            <a:pPr marL="114300" indent="0"/>
+            <a:endParaRPr lang="es-AR" dirty="0" smtClean="0"/>
+          </a:p>
+          <a:p>
+            <a:pPr>
+              <a:spcAft>
+                <a:spcPts val="1200"/>
+              </a:spcAft>
+            </a:pPr>
+            <a:endParaRPr lang="en-US" dirty="0"/>
+          </a:p>
+        </p:txBody>
+      </p:sp>
+      <p:sp>
+        <p:nvSpPr>
+          <p:cNvPr id="10" name="Content Placeholder 2"/>
+          <p:cNvSpPr>
+            <a:spLocks noGrp="1"/>
+          </p:cNvSpPr>
+          <p:nvPr>
+            <p:ph idx="1"/>
+          </p:nvPr>
+        </p:nvSpPr>
+        <p:spPr>
+          <a:xfrm>
+            <a:off x="785786" y="1556792"/>
+            <a:ext cx="7286676" cy="943514"/>
+          </a:xfrm>
+        </p:spPr>
+        <p:txBody>
+          <a:bodyPr>
+            <a:normAutofit fontScale="25000" lnSpcReduction="20000"/>
+          </a:bodyPr>
+          <a:lstStyle/>
+          <a:p>
+            <a:pPr marL="114300" indent="0">
+              <a:buNone/>
+            </a:pPr>
+            <a:r>
+              <a:rPr lang="es-ES" sz="11200" dirty="0" smtClean="0"/>
+              <a:t>Necesidades a cubrir por el cliente:</a:t>
+            </a:r>
+          </a:p>
+          <a:p>
+            <a:pPr marL="114300" indent="0">
+              <a:buNone/>
+            </a:pPr>
+            <a:endParaRPr lang="es-AR" sz="9600" dirty="0" smtClean="0"/>
+          </a:p>
+          <a:p>
+            <a:pPr marL="114300" indent="0"/>
+            <a:r>
+              <a:rPr lang="es-AR" sz="9600" dirty="0" smtClean="0"/>
+              <a:t>Notificación con 30 días de antelación para asegurar la adquisición de </a:t>
+            </a:r>
+            <a:r>
+              <a:rPr lang="es-AR" sz="9600" dirty="0" err="1" smtClean="0"/>
+              <a:t>ip</a:t>
+            </a:r>
+            <a:r>
+              <a:rPr lang="es-AR" sz="9600" dirty="0" smtClean="0"/>
+              <a:t> fija.</a:t>
+            </a:r>
+          </a:p>
+          <a:p>
+            <a:pPr marL="114300" indent="0"/>
+            <a:endParaRPr lang="es-AR" sz="9600" dirty="0" smtClean="0"/>
+          </a:p>
+          <a:p>
+            <a:pPr marL="114300" indent="0"/>
+            <a:r>
+              <a:rPr lang="es-ES" sz="9600" dirty="0" smtClean="0"/>
+              <a:t>Adquisición del servidor por parte de la empresa.</a:t>
+            </a:r>
+          </a:p>
+          <a:p>
+            <a:pPr marL="114300" indent="0"/>
+            <a:endParaRPr lang="es-ES" sz="9600" dirty="0" smtClean="0"/>
+          </a:p>
+          <a:p>
+            <a:pPr marL="114300" indent="0"/>
+            <a:r>
+              <a:rPr lang="es-ES" sz="9600" dirty="0" smtClean="0"/>
+              <a:t>Disponibilidad de horas del personal para su capacitación.</a:t>
+            </a:r>
+          </a:p>
+          <a:p>
+            <a:pPr marL="114300" indent="0"/>
+            <a:endParaRPr lang="es-ES" sz="9600" dirty="0" smtClean="0"/>
+          </a:p>
+          <a:p>
+            <a:pPr marL="114300" indent="0"/>
+            <a:r>
+              <a:rPr lang="es-ES" sz="9600" dirty="0" smtClean="0"/>
+              <a:t>Disponibilidad de las estaciones de trabajo para la instalación y configuración del sistema. (se podría realizar en los fines de semana).</a:t>
+            </a:r>
+            <a:endParaRPr lang="es-AR" sz="9600" dirty="0" smtClean="0"/>
+          </a:p>
+          <a:p>
+            <a:pPr marL="114300" indent="0"/>
+            <a:endParaRPr lang="es-AR" dirty="0" smtClean="0"/>
+          </a:p>
+          <a:p>
+            <a:pPr marL="114300" indent="0">
+              <a:buNone/>
+            </a:pPr>
+            <a:endParaRPr lang="es-AR" dirty="0"/>
+          </a:p>
+        </p:txBody>
+      </p:sp>
+    </p:spTree>
+    <p:extLst>
+      <p:ext uri="{BB962C8B-B14F-4D97-AF65-F5344CB8AC3E}">
+        <p14:creationId xmlns:p14="http://schemas.microsoft.com/office/powerpoint/2010/main" val="3693362975"/>
+      </p:ext>
+    </p:extLst>
+  </p:cSld>
+  <p:clrMapOvr>
+    <a:masterClrMapping/>
+  </p:clrMapOvr>
+  <p:transition spd="slow">
+    <p:cover/>
+  </p:transition>
+  <p:timing>
+    <p:tnLst>
+      <p:par>
+        <p:cTn id="1" dur="indefinite" restart="never" nodeType="tmRoot">
+          <p:childTnLst>
+            <p:seq concurrent="1" nextAc="seek">
+              <p:cTn id="2" dur="indefinite" nodeType="mainSeq">
+                <p:childTnLst>
+                  <p:par>
+                    <p:cTn id="3" fill="hold">
+                      <p:stCondLst>
+                        <p:cond delay="indefinite"/>
+                      </p:stCondLst>
+                      <p:childTnLst>
+                        <p:par>
+                          <p:cTn id="4" fill="hold">
+                            <p:stCondLst>
+                              <p:cond delay="0"/>
+                            </p:stCondLst>
+                            <p:childTnLst>
+                              <p:par>
+                                <p:cTn id="5" presetID="26" presetClass="entr" presetSubtype="0" fill="hold" nodeType="clickEffect" nodePh="1">
+                                  <p:stCondLst>
+                                    <p:cond delay="0"/>
+                                  </p:stCondLst>
+                                  <p:endCondLst>
+                                    <p:cond evt="begin" delay="0">
+                                      <p:tn val="5"/>
+                                    </p:cond>
+                                  </p:endCondLst>
+                                  <p:childTnLst>
+                                    <p:set>
+                                      <p:cBhvr>
+                                        <p:cTn id="6" dur="1" fill="hold">
+                                          <p:stCondLst>
+                                            <p:cond delay="0"/>
+                                          </p:stCondLst>
+                                        </p:cTn>
+                                        <p:tgtEl>
+                                          <p:spTgt spid="7">
+                                            <p:txEl>
+                                              <p:pRg st="0" end="0"/>
+                                            </p:txEl>
+                                          </p:spTgt>
+                                        </p:tgtEl>
+                                        <p:attrNameLst>
+                                          <p:attrName>style.visibility</p:attrName>
+                                        </p:attrNameLst>
+                                      </p:cBhvr>
+                                      <p:to>
+                                        <p:strVal val="visible"/>
+                                      </p:to>
+                                    </p:set>
+                                    <p:animEffect transition="in" filter="wipe(down)">
+                                      <p:cBhvr>
+                                        <p:cTn id="7" dur="580">
+                                          <p:stCondLst>
+                                            <p:cond delay="0"/>
+                                          </p:stCondLst>
+                                        </p:cTn>
+                                        <p:tgtEl>
+                                          <p:spTgt spid="7">
+                                            <p:txEl>
+                                              <p:pRg st="0" end="0"/>
+                                            </p:txEl>
+                                          </p:spTgt>
+                                        </p:tgtEl>
+                                      </p:cBhvr>
+                                    </p:animEffect>
+                                    <p:anim calcmode="lin" valueType="num">
+                                      <p:cBhvr>
+                                        <p:cTn id="8" dur="1822" tmFilter="0,0; 0.14,0.36; 0.43,0.73; 0.71,0.91; 1.0,1.0">
+                                          <p:stCondLst>
+                                            <p:cond delay="0"/>
+                                          </p:stCondLst>
+                                        </p:cTn>
+                                        <p:tgtEl>
+                                          <p:spTgt spid="7">
+                                            <p:txEl>
+                                              <p:pRg st="0" end="0"/>
+                                            </p:txEl>
+                                          </p:spTgt>
+                                        </p:tgtEl>
+                                        <p:attrNameLst>
+                                          <p:attrName>ppt_x</p:attrName>
+                                        </p:attrNameLst>
+                                      </p:cBhvr>
+                                      <p:tavLst>
+                                        <p:tav tm="0">
+                                          <p:val>
+                                            <p:strVal val="#ppt_x-0.25"/>
+                                          </p:val>
+                                        </p:tav>
+                                        <p:tav tm="100000">
+                                          <p:val>
+                                            <p:strVal val="#ppt_x"/>
+                                          </p:val>
+                                        </p:tav>
+                                      </p:tavLst>
+                                    </p:anim>
+                                    <p:anim calcmode="lin" valueType="num">
+                                      <p:cBhvr>
+                                        <p:cTn id="9" dur="664" tmFilter="0.0,0.0; 0.25,0.07; 0.50,0.2; 0.75,0.467; 1.0,1.0">
+                                          <p:stCondLst>
+                                            <p:cond delay="0"/>
+                                          </p:stCondLst>
+                                        </p:cTn>
+                                        <p:tgtEl>
+                                          <p:spTgt spid="7">
+                                            <p:txEl>
+                                              <p:pRg st="0" end="0"/>
+                                            </p:txEl>
+                                          </p:spTgt>
+                                        </p:tgtEl>
+                                        <p:attrNameLst>
+                                          <p:attrName>ppt_y</p:attrName>
+                                        </p:attrNameLst>
+                                      </p:cBhvr>
+                                      <p:tavLst>
+                                        <p:tav tm="0" fmla="#ppt_y-sin(pi*$)/3">
+                                          <p:val>
+                                            <p:fltVal val="0.5"/>
+                                          </p:val>
+                                        </p:tav>
+                                        <p:tav tm="100000">
+                                          <p:val>
+                                            <p:fltVal val="1"/>
+                                          </p:val>
+                                        </p:tav>
+                                      </p:tavLst>
+                                    </p:anim>
+                                    <p:anim calcmode="lin" valueType="num">
+                                      <p:cBhvr>
+                                        <p:cTn id="10" dur="664" tmFilter="0, 0; 0.125,0.2665; 0.25,0.4; 0.375,0.465; 0.5,0.5;  0.625,0.535; 0.75,0.6; 0.875,0.7335; 1,1">
+                                          <p:stCondLst>
+                                            <p:cond delay="664"/>
+                                          </p:stCondLst>
+                                        </p:cTn>
+                                        <p:tgtEl>
+                                          <p:spTgt spid="7">
+                                            <p:txEl>
+                                              <p:pRg st="0" end="0"/>
+                                            </p:txEl>
+                                          </p:spTgt>
+                                        </p:tgtEl>
+                                        <p:attrNameLst>
+                                          <p:attrName>ppt_y</p:attrName>
+                                        </p:attrNameLst>
+                                      </p:cBhvr>
+                                      <p:tavLst>
+                                        <p:tav tm="0" fmla="#ppt_y-sin(pi*$)/9">
+                                          <p:val>
+                                            <p:fltVal val="0"/>
+                                          </p:val>
+                                        </p:tav>
+                                        <p:tav tm="100000">
+                                          <p:val>
+                                            <p:fltVal val="1"/>
+                                          </p:val>
+                                        </p:tav>
+                                      </p:tavLst>
+                                    </p:anim>
+                                    <p:anim calcmode="lin" valueType="num">
+                                      <p:cBhvr>
+                                        <p:cTn id="11" dur="332" tmFilter="0, 0; 0.125,0.2665; 0.25,0.4; 0.375,0.465; 0.5,0.5;  0.625,0.535; 0.75,0.6; 0.875,0.7335; 1,1">
+                                          <p:stCondLst>
+                                            <p:cond delay="1324"/>
+                                          </p:stCondLst>
+                                        </p:cTn>
+                                        <p:tgtEl>
+                                          <p:spTgt spid="7">
+                                            <p:txEl>
+                                              <p:pRg st="0" end="0"/>
+                                            </p:txEl>
+                                          </p:spTgt>
+                                        </p:tgtEl>
+                                        <p:attrNameLst>
+                                          <p:attrName>ppt_y</p:attrName>
+                                        </p:attrNameLst>
+                                      </p:cBhvr>
+                                      <p:tavLst>
+                                        <p:tav tm="0" fmla="#ppt_y-sin(pi*$)/27">
+                                          <p:val>
+                                            <p:fltVal val="0"/>
+                                          </p:val>
+                                        </p:tav>
+                                        <p:tav tm="100000">
+                                          <p:val>
+                                            <p:fltVal val="1"/>
+                                          </p:val>
+                                        </p:tav>
+                                      </p:tavLst>
+                                    </p:anim>
+                                    <p:anim calcmode="lin" valueType="num">
+                                      <p:cBhvr>
+                                        <p:cTn id="12" dur="164" tmFilter="0, 0; 0.125,0.2665; 0.25,0.4; 0.375,0.465; 0.5,0.5;  0.625,0.535; 0.75,0.6; 0.875,0.7335; 1,1">
+                                          <p:stCondLst>
+                                            <p:cond delay="1656"/>
+                                          </p:stCondLst>
+                                        </p:cTn>
+                                        <p:tgtEl>
+                                          <p:spTgt spid="7">
+                                            <p:txEl>
+                                              <p:pRg st="0" end="0"/>
+                                            </p:txEl>
+                                          </p:spTgt>
+                                        </p:tgtEl>
+                                        <p:attrNameLst>
+                                          <p:attrName>ppt_y</p:attrName>
+                                        </p:attrNameLst>
+                                      </p:cBhvr>
+                                      <p:tavLst>
+                                        <p:tav tm="0" fmla="#ppt_y-sin(pi*$)/81">
+                                          <p:val>
+                                            <p:fltVal val="0"/>
+                                          </p:val>
+                                        </p:tav>
+                                        <p:tav tm="100000">
+                                          <p:val>
+                                            <p:fltVal val="1"/>
+                                          </p:val>
+                                        </p:tav>
+                                      </p:tavLst>
+                                    </p:anim>
+                                    <p:animScale>
+                                      <p:cBhvr>
+                                        <p:cTn id="13" dur="26">
+                                          <p:stCondLst>
+                                            <p:cond delay="650"/>
+                                          </p:stCondLst>
+                                        </p:cTn>
+                                        <p:tgtEl>
+                                          <p:spTgt spid="7">
+                                            <p:txEl>
+                                              <p:pRg st="0" end="0"/>
+                                            </p:txEl>
+                                          </p:spTgt>
+                                        </p:tgtEl>
+                                      </p:cBhvr>
+                                      <p:to x="100000" y="60000"/>
+                                    </p:animScale>
+                                    <p:animScale>
+                                      <p:cBhvr>
+                                        <p:cTn id="14" dur="166" decel="50000">
+                                          <p:stCondLst>
+                                            <p:cond delay="676"/>
+                                          </p:stCondLst>
+                                        </p:cTn>
+                                        <p:tgtEl>
+                                          <p:spTgt spid="7">
+                                            <p:txEl>
+                                              <p:pRg st="0" end="0"/>
+                                            </p:txEl>
+                                          </p:spTgt>
+                                        </p:tgtEl>
+                                      </p:cBhvr>
+                                      <p:to x="100000" y="100000"/>
+                                    </p:animScale>
+                                    <p:animScale>
+                                      <p:cBhvr>
+                                        <p:cTn id="15" dur="26">
+                                          <p:stCondLst>
+                                            <p:cond delay="1312"/>
+                                          </p:stCondLst>
+                                        </p:cTn>
+                                        <p:tgtEl>
+                                          <p:spTgt spid="7">
+                                            <p:txEl>
+                                              <p:pRg st="0" end="0"/>
+                                            </p:txEl>
+                                          </p:spTgt>
+                                        </p:tgtEl>
+                                      </p:cBhvr>
+                                      <p:to x="100000" y="80000"/>
+                                    </p:animScale>
+                                    <p:animScale>
+                                      <p:cBhvr>
+                                        <p:cTn id="16" dur="166" decel="50000">
+                                          <p:stCondLst>
+                                            <p:cond delay="1338"/>
+                                          </p:stCondLst>
+                                        </p:cTn>
+                                        <p:tgtEl>
+                                          <p:spTgt spid="7">
+                                            <p:txEl>
+                                              <p:pRg st="0" end="0"/>
+                                            </p:txEl>
+                                          </p:spTgt>
+                                        </p:tgtEl>
+                                      </p:cBhvr>
+                                      <p:to x="100000" y="100000"/>
+                                    </p:animScale>
+                                    <p:animScale>
+                                      <p:cBhvr>
+                                        <p:cTn id="17" dur="26">
+                                          <p:stCondLst>
+                                            <p:cond delay="1642"/>
+                                          </p:stCondLst>
+                                        </p:cTn>
+                                        <p:tgtEl>
+                                          <p:spTgt spid="7">
+                                            <p:txEl>
+                                              <p:pRg st="0" end="0"/>
+                                            </p:txEl>
+                                          </p:spTgt>
+                                        </p:tgtEl>
+                                      </p:cBhvr>
+                                      <p:to x="100000" y="90000"/>
+                                    </p:animScale>
+                                    <p:animScale>
+                                      <p:cBhvr>
+                                        <p:cTn id="18" dur="166" decel="50000">
+                                          <p:stCondLst>
+                                            <p:cond delay="1668"/>
+                                          </p:stCondLst>
+                                        </p:cTn>
+                                        <p:tgtEl>
+                                          <p:spTgt spid="7">
+                                            <p:txEl>
+                                              <p:pRg st="0" end="0"/>
+                                            </p:txEl>
+                                          </p:spTgt>
+                                        </p:tgtEl>
+                                      </p:cBhvr>
+                                      <p:to x="100000" y="100000"/>
+                                    </p:animScale>
+                                    <p:animScale>
+                                      <p:cBhvr>
+                                        <p:cTn id="19" dur="26">
+                                          <p:stCondLst>
+                                            <p:cond delay="1808"/>
+                                          </p:stCondLst>
+                                        </p:cTn>
+                                        <p:tgtEl>
+                                          <p:spTgt spid="7">
+                                            <p:txEl>
+                                              <p:pRg st="0" end="0"/>
+                                            </p:txEl>
+                                          </p:spTgt>
+                                        </p:tgtEl>
+                                      </p:cBhvr>
+                                      <p:to x="100000" y="95000"/>
+                                    </p:animScale>
+                                    <p:animScale>
+                                      <p:cBhvr>
+                                        <p:cTn id="20" dur="166" decel="50000">
+                                          <p:stCondLst>
+                                            <p:cond delay="1834"/>
+                                          </p:stCondLst>
+                                        </p:cTn>
+                                        <p:tgtEl>
+                                          <p:spTgt spid="7">
+                                            <p:txEl>
+                                              <p:pRg st="0" end="0"/>
+                                            </p:txEl>
+                                          </p:spTgt>
+                                        </p:tgtEl>
+                                      </p:cBhvr>
+                                      <p:to x="100000" y="100000"/>
+                                    </p:animScale>
+                                  </p:childTnLst>
+                                </p:cTn>
+                              </p:par>
+                            </p:childTnLst>
+                          </p:cTn>
+                        </p:par>
+                      </p:childTnLst>
+                    </p:cTn>
+                  </p:par>
+                </p:childTnLst>
+              </p:cTn>
+              <p:prevCondLst>
+                <p:cond evt="onPrev" delay="0">
+                  <p:tgtEl>
+                    <p:sldTgt/>
+                  </p:tgtEl>
+                </p:cond>
+              </p:prevCondLst>
+              <p:nextCondLst>
+                <p:cond evt="onNext" delay="0">
+                  <p:tgtEl>
+                    <p:sldTgt/>
+                  </p:tgtEl>
+                </p:cond>
+              </p:nextCondLst>
+            </p:seq>
+          </p:childTnLst>
+        </p:cTn>
+      </p:par>
+    </p:tnLst>
+  </p:timing>
+</p:sld>
+</file>
+
+<file path=ppt/slides/slide15.xml><?xml version="1.0" encoding="utf-8"?>
+<p:sld xmlns:a="http://schemas.openxmlformats.org/drawingml/2006/main" xmlns:r="http://schemas.openxmlformats.org/officeDocument/2006/relationships" xmlns:p="http://schemas.openxmlformats.org/presentationml/2006/main">
+  <p:cSld>
+    <p:spTree>
+      <p:nvGrpSpPr>
+        <p:cNvPr id="1" name=""/>
+        <p:cNvGrpSpPr/>
+        <p:nvPr/>
+      </p:nvGrpSpPr>
+      <p:grpSpPr>
+        <a:xfrm>
+          <a:off x="0" y="0"/>
+          <a:ext cx="0" cy="0"/>
+          <a:chOff x="0" y="0"/>
+          <a:chExt cx="0" cy="0"/>
+        </a:xfrm>
+      </p:grpSpPr>
+      <p:sp>
+        <p:nvSpPr>
+          <p:cNvPr id="2" name="Title 1"/>
+          <p:cNvSpPr>
+            <a:spLocks noGrp="1"/>
+          </p:cNvSpPr>
+          <p:nvPr>
+            <p:ph type="title"/>
+          </p:nvPr>
+        </p:nvSpPr>
         <p:spPr/>
         <p:txBody>
           <a:bodyPr/>
@@ -20064,7 +21731,7 @@
 </p:sld>
 </file>
 
-<file path=ppt/slides/slide15.xml><?xml version="1.0" encoding="utf-8"?>
+<file path=ppt/slides/slide16.xml><?xml version="1.0" encoding="utf-8"?>
 <p:sld xmlns:a="http://schemas.openxmlformats.org/drawingml/2006/main" xmlns:r="http://schemas.openxmlformats.org/officeDocument/2006/relationships" xmlns:p="http://schemas.openxmlformats.org/presentationml/2006/main">
   <p:cSld>
     <p:spTree>
@@ -20884,7 +22551,7 @@
         </p:spPr>
         <p:txBody>
           <a:bodyPr>
-            <a:normAutofit/>
+            <a:normAutofit fontScale="92500" lnSpcReduction="10000"/>
           </a:bodyPr>
           <a:lstStyle/>
           <a:p>
@@ -20899,8 +22566,22 @@
           <a:p>
             <a:r>
               <a:rPr lang="es-ES" dirty="0" smtClean="0"/>
-              <a:t>Diagnóstico previo.</a:t>
+              <a:t>Diagnóstico previo</a:t>
             </a:r>
+            <a:r>
+              <a:rPr lang="es-ES" dirty="0" smtClean="0"/>
+              <a:t>.</a:t>
+            </a:r>
+          </a:p>
+          <a:p>
+            <a:endParaRPr lang="es-ES" dirty="0"/>
+          </a:p>
+          <a:p>
+            <a:r>
+              <a:rPr lang="es-ES" dirty="0" smtClean="0"/>
+              <a:t>Introducción a la implementación.</a:t>
+            </a:r>
+            <a:endParaRPr lang="es-ES" dirty="0" smtClean="0"/>
           </a:p>
           <a:p>
             <a:endParaRPr lang="es-ES" dirty="0" smtClean="0"/>
@@ -21072,7 +22753,7 @@
                                         <p:tgtEl>
                                           <p:spTgt spid="3">
                                             <p:txEl>
-                                              <p:pRg st="6" end="6"/>
+                                              <p:pRg st="8" end="8"/>
                                             </p:txEl>
                                           </p:spTgt>
                                         </p:tgtEl>
@@ -21090,7 +22771,7 @@
                                         <p:tgtEl>
                                           <p:spTgt spid="3">
                                             <p:txEl>
-                                              <p:pRg st="6" end="6"/>
+                                              <p:pRg st="8" end="8"/>
                                             </p:txEl>
                                           </p:spTgt>
                                         </p:tgtEl>
@@ -21133,7 +22814,7 @@
                                         <p:tgtEl>
                                           <p:spTgt spid="3">
                                             <p:txEl>
-                                              <p:pRg st="8" end="8"/>
+                                              <p:pRg st="10" end="10"/>
                                             </p:txEl>
                                           </p:spTgt>
                                         </p:tgtEl>
@@ -21151,7 +22832,7 @@
                                         <p:tgtEl>
                                           <p:spTgt spid="3">
                                             <p:txEl>
-                                              <p:pRg st="8" end="8"/>
+                                              <p:pRg st="10" end="10"/>
                                             </p:txEl>
                                           </p:spTgt>
                                         </p:tgtEl>
@@ -21335,6 +23016,67 @@
                                           <p:spTgt spid="3">
                                             <p:txEl>
                                               <p:pRg st="4" end="4"/>
+                                            </p:txEl>
+                                          </p:spTgt>
+                                        </p:tgtEl>
+                                      </p:cBhvr>
+                                    </p:animEffect>
+                                  </p:childTnLst>
+                                </p:cTn>
+                              </p:par>
+                            </p:childTnLst>
+                          </p:cTn>
+                        </p:par>
+                      </p:childTnLst>
+                    </p:cTn>
+                  </p:par>
+                  <p:par>
+                    <p:cTn id="28" fill="hold">
+                      <p:stCondLst>
+                        <p:cond delay="indefinite"/>
+                      </p:stCondLst>
+                      <p:childTnLst>
+                        <p:par>
+                          <p:cTn id="29" fill="hold">
+                            <p:stCondLst>
+                              <p:cond delay="0"/>
+                            </p:stCondLst>
+                            <p:childTnLst>
+                              <p:par>
+                                <p:cTn id="30" presetID="14" presetClass="entr" presetSubtype="10" fill="hold" nodeType="clickEffect">
+                                  <p:stCondLst>
+                                    <p:cond delay="0"/>
+                                  </p:stCondLst>
+                                  <p:childTnLst>
+                                    <p:set>
+                                      <p:cBhvr>
+                                        <p:cTn id="31" dur="1" fill="hold">
+                                          <p:stCondLst>
+                                            <p:cond delay="0"/>
+                                          </p:stCondLst>
+                                        </p:cTn>
+                                        <p:tgtEl>
+                                          <p:spTgt spid="3">
+                                            <p:txEl>
+                                              <p:pRg st="6" end="6"/>
+                                            </p:txEl>
+                                          </p:spTgt>
+                                        </p:tgtEl>
+                                        <p:attrNameLst>
+                                          <p:attrName>style.visibility</p:attrName>
+                                        </p:attrNameLst>
+                                      </p:cBhvr>
+                                      <p:to>
+                                        <p:strVal val="visible"/>
+                                      </p:to>
+                                    </p:set>
+                                    <p:animEffect transition="in" filter="randombar(horizontal)">
+                                      <p:cBhvr>
+                                        <p:cTn id="32" dur="500"/>
+                                        <p:tgtEl>
+                                          <p:spTgt spid="3">
+                                            <p:txEl>
+                                              <p:pRg st="6" end="6"/>
                                             </p:txEl>
                                           </p:spTgt>
                                         </p:tgtEl>
@@ -24752,22 +26494,25 @@
         </p:nvSpPr>
         <p:spPr>
           <a:xfrm>
-            <a:off x="539552" y="836712"/>
-            <a:ext cx="7848872" cy="757888"/>
+            <a:off x="1043608" y="836712"/>
+            <a:ext cx="7344816" cy="2592288"/>
           </a:xfrm>
         </p:spPr>
         <p:txBody>
           <a:bodyPr>
-            <a:noAutofit/>
+            <a:normAutofit fontScale="90000"/>
           </a:bodyPr>
           <a:lstStyle/>
           <a:p>
             <a:pPr algn="ctr"/>
             <a:r>
-              <a:rPr lang="es-AR" dirty="0" smtClean="0"/>
-              <a:t>Soluciones implementadas</a:t>
+              <a:rPr lang="es-ES" sz="6000" dirty="0"/>
+              <a:t>Introducción a la implementación.</a:t>
             </a:r>
-            <a:endParaRPr lang="es-AR" dirty="0"/>
+            <a:br>
+              <a:rPr lang="es-ES" sz="6000" dirty="0"/>
+            </a:br>
+            <a:endParaRPr lang="es-AR" sz="6000" dirty="0"/>
           </a:p>
         </p:txBody>
       </p:sp>
@@ -24863,8 +26608,8 @@
         </p:nvSpPr>
         <p:spPr>
           <a:xfrm>
-            <a:off x="683568" y="2323652"/>
-            <a:ext cx="7704856" cy="3913660"/>
+            <a:off x="683568" y="3212976"/>
+            <a:ext cx="7704856" cy="3024336"/>
           </a:xfrm>
           <a:prstGeom prst="rect">
             <a:avLst/>
@@ -25048,6 +26793,60 @@
             </a:lvl9pPr>
           </a:lstStyle>
           <a:p>
+            <a:pPr marL="342900" lvl="1"/>
+            <a:r>
+              <a:rPr lang="es-ES" dirty="0" err="1" smtClean="0"/>
+              <a:t>Loguin</a:t>
+            </a:r>
+            <a:r>
+              <a:rPr lang="es-ES" dirty="0" smtClean="0"/>
+              <a:t>.</a:t>
+            </a:r>
+          </a:p>
+          <a:p>
+            <a:pPr marL="342900" lvl="1"/>
+            <a:endParaRPr lang="es-ES" dirty="0"/>
+          </a:p>
+          <a:p>
+            <a:pPr marL="342900" lvl="1"/>
+            <a:r>
+              <a:rPr lang="es-ES" dirty="0" smtClean="0"/>
+              <a:t>Botones.</a:t>
+            </a:r>
+          </a:p>
+          <a:p>
+            <a:pPr marL="342900" lvl="1"/>
+            <a:endParaRPr lang="es-ES" dirty="0"/>
+          </a:p>
+          <a:p>
+            <a:pPr marL="342900" lvl="1"/>
+            <a:r>
+              <a:rPr lang="es-ES" dirty="0" smtClean="0"/>
+              <a:t>Menú principal.</a:t>
+            </a:r>
+            <a:endParaRPr lang="es-AR" dirty="0"/>
+          </a:p>
+          <a:p>
+            <a:pPr marL="342900" lvl="1"/>
+            <a:endParaRPr lang="es-AR" dirty="0"/>
+          </a:p>
+          <a:p>
+            <a:pPr marL="342900" lvl="1"/>
+            <a:endParaRPr lang="es-AR" dirty="0"/>
+          </a:p>
+          <a:p>
+            <a:pPr marL="342900" lvl="1"/>
+            <a:endParaRPr lang="es-AR" dirty="0" smtClean="0"/>
+          </a:p>
+          <a:p>
+            <a:pPr lvl="1"/>
+            <a:endParaRPr lang="es-AR" dirty="0"/>
+          </a:p>
+          <a:p>
+            <a:pPr lvl="1"/>
+            <a:endParaRPr lang="es-AR" dirty="0"/>
+          </a:p>
+          <a:p>
             <a:pPr>
               <a:spcAft>
                 <a:spcPts val="1200"/>
@@ -25057,257 +26856,10 @@
           </a:p>
         </p:txBody>
       </p:sp>
-      <p:sp>
-        <p:nvSpPr>
-          <p:cNvPr id="8" name="Content Placeholder 2"/>
-          <p:cNvSpPr txBox="1">
-            <a:spLocks/>
-          </p:cNvSpPr>
-          <p:nvPr/>
-        </p:nvSpPr>
-        <p:spPr>
-          <a:xfrm>
-            <a:off x="785786" y="1785926"/>
-            <a:ext cx="7704856" cy="3913660"/>
-          </a:xfrm>
-          <a:prstGeom prst="rect">
-            <a:avLst/>
-          </a:prstGeom>
-        </p:spPr>
-        <p:txBody>
-          <a:bodyPr vert="horz" lIns="91440" tIns="45720" rIns="91440" bIns="45720" rtlCol="0">
-            <a:normAutofit/>
-          </a:bodyPr>
-          <a:lstStyle>
-            <a:lvl1pPr marL="342900" indent="-274320" algn="l" defTabSz="914400" rtl="0" eaLnBrk="1" latinLnBrk="0" hangingPunct="1">
-              <a:spcBef>
-                <a:spcPct val="20000"/>
-              </a:spcBef>
-              <a:buClr>
-                <a:schemeClr val="accent1"/>
-              </a:buClr>
-              <a:buSzPct val="76000"/>
-              <a:buFont typeface="Wingdings 2" pitchFamily="18" charset="2"/>
-              <a:buChar char=""/>
-              <a:defRPr sz="2400" kern="1200">
-                <a:solidFill>
-                  <a:schemeClr val="tx2"/>
-                </a:solidFill>
-                <a:latin typeface="+mn-lt"/>
-                <a:ea typeface="+mn-ea"/>
-                <a:cs typeface="+mn-cs"/>
-              </a:defRPr>
-            </a:lvl1pPr>
-            <a:lvl2pPr marL="640080" indent="-274320" algn="l" defTabSz="914400" rtl="0" eaLnBrk="1" latinLnBrk="0" hangingPunct="1">
-              <a:spcBef>
-                <a:spcPct val="20000"/>
-              </a:spcBef>
-              <a:buClr>
-                <a:schemeClr val="accent1"/>
-              </a:buClr>
-              <a:buSzPct val="76000"/>
-              <a:buFont typeface="Wingdings 2" pitchFamily="18" charset="2"/>
-              <a:buChar char=""/>
-              <a:defRPr sz="2200" kern="1200">
-                <a:solidFill>
-                  <a:schemeClr val="tx2"/>
-                </a:solidFill>
-                <a:latin typeface="+mn-lt"/>
-                <a:ea typeface="+mn-ea"/>
-                <a:cs typeface="+mn-cs"/>
-              </a:defRPr>
-            </a:lvl2pPr>
-            <a:lvl3pPr marL="914400" indent="-228600" algn="l" defTabSz="914400" rtl="0" eaLnBrk="1" latinLnBrk="0" hangingPunct="1">
-              <a:spcBef>
-                <a:spcPct val="20000"/>
-              </a:spcBef>
-              <a:buClr>
-                <a:schemeClr val="accent1"/>
-              </a:buClr>
-              <a:buSzPct val="76000"/>
-              <a:buFont typeface="Wingdings 2" pitchFamily="18" charset="2"/>
-              <a:buChar char=""/>
-              <a:defRPr sz="2000" kern="1200">
-                <a:solidFill>
-                  <a:schemeClr val="tx2"/>
-                </a:solidFill>
-                <a:latin typeface="+mn-lt"/>
-                <a:ea typeface="+mn-ea"/>
-                <a:cs typeface="+mn-cs"/>
-              </a:defRPr>
-            </a:lvl3pPr>
-            <a:lvl4pPr marL="1124712" indent="-228600" algn="l" defTabSz="914400" rtl="0" eaLnBrk="1" latinLnBrk="0" hangingPunct="1">
-              <a:spcBef>
-                <a:spcPct val="20000"/>
-              </a:spcBef>
-              <a:buClr>
-                <a:schemeClr val="accent1"/>
-              </a:buClr>
-              <a:buSzPct val="76000"/>
-              <a:buFont typeface="Wingdings 2" pitchFamily="18" charset="2"/>
-              <a:buChar char=""/>
-              <a:defRPr sz="1800" kern="1200">
-                <a:solidFill>
-                  <a:schemeClr val="tx2"/>
-                </a:solidFill>
-                <a:latin typeface="+mn-lt"/>
-                <a:ea typeface="+mn-ea"/>
-                <a:cs typeface="+mn-cs"/>
-              </a:defRPr>
-            </a:lvl4pPr>
-            <a:lvl5pPr marL="1325880" indent="-228600" algn="l" defTabSz="914400" rtl="0" eaLnBrk="1" latinLnBrk="0" hangingPunct="1">
-              <a:spcBef>
-                <a:spcPct val="20000"/>
-              </a:spcBef>
-              <a:buClr>
-                <a:schemeClr val="accent1"/>
-              </a:buClr>
-              <a:buSzPct val="76000"/>
-              <a:buFont typeface="Wingdings 2" pitchFamily="18" charset="2"/>
-              <a:buChar char=""/>
-              <a:defRPr sz="1600" kern="1200" baseline="0">
-                <a:solidFill>
-                  <a:schemeClr val="tx2"/>
-                </a:solidFill>
-                <a:latin typeface="+mn-lt"/>
-                <a:ea typeface="+mn-ea"/>
-                <a:cs typeface="+mn-cs"/>
-              </a:defRPr>
-            </a:lvl5pPr>
-            <a:lvl6pPr marL="1517904" indent="-228600" algn="l" defTabSz="914400" rtl="0" eaLnBrk="1" latinLnBrk="0" hangingPunct="1">
-              <a:spcBef>
-                <a:spcPct val="20000"/>
-              </a:spcBef>
-              <a:buClr>
-                <a:schemeClr val="accent1"/>
-              </a:buClr>
-              <a:buSzPct val="76000"/>
-              <a:buFont typeface="Wingdings 2" pitchFamily="18" charset="2"/>
-              <a:buChar char=""/>
-              <a:defRPr sz="1400" kern="1200">
-                <a:solidFill>
-                  <a:schemeClr val="tx2"/>
-                </a:solidFill>
-                <a:latin typeface="+mn-lt"/>
-                <a:ea typeface="+mn-ea"/>
-                <a:cs typeface="+mn-cs"/>
-              </a:defRPr>
-            </a:lvl6pPr>
-            <a:lvl7pPr marL="1719072" indent="-228600" algn="l" defTabSz="914400" rtl="0" eaLnBrk="1" latinLnBrk="0" hangingPunct="1">
-              <a:spcBef>
-                <a:spcPct val="20000"/>
-              </a:spcBef>
-              <a:buClr>
-                <a:schemeClr val="accent1"/>
-              </a:buClr>
-              <a:buSzPct val="76000"/>
-              <a:buFont typeface="Wingdings 2" pitchFamily="18" charset="2"/>
-              <a:buChar char=""/>
-              <a:defRPr sz="1400" kern="1200">
-                <a:solidFill>
-                  <a:schemeClr val="tx2"/>
-                </a:solidFill>
-                <a:latin typeface="+mn-lt"/>
-                <a:ea typeface="+mn-ea"/>
-                <a:cs typeface="+mn-cs"/>
-              </a:defRPr>
-            </a:lvl7pPr>
-            <a:lvl8pPr marL="1920240" indent="-228600" algn="l" defTabSz="914400" rtl="0" eaLnBrk="1" latinLnBrk="0" hangingPunct="1">
-              <a:spcBef>
-                <a:spcPct val="20000"/>
-              </a:spcBef>
-              <a:buClr>
-                <a:schemeClr val="accent1"/>
-              </a:buClr>
-              <a:buSzPct val="76000"/>
-              <a:buFont typeface="Wingdings 2" pitchFamily="18" charset="2"/>
-              <a:buChar char=""/>
-              <a:defRPr sz="1400" kern="1200">
-                <a:solidFill>
-                  <a:schemeClr val="tx2"/>
-                </a:solidFill>
-                <a:latin typeface="+mn-lt"/>
-                <a:ea typeface="+mn-ea"/>
-                <a:cs typeface="+mn-cs"/>
-              </a:defRPr>
-            </a:lvl8pPr>
-            <a:lvl9pPr marL="2121408" indent="-228600" algn="l" defTabSz="914400" rtl="0" eaLnBrk="1" latinLnBrk="0" hangingPunct="1">
-              <a:spcBef>
-                <a:spcPct val="20000"/>
-              </a:spcBef>
-              <a:buClr>
-                <a:schemeClr val="accent1"/>
-              </a:buClr>
-              <a:buSzPct val="76000"/>
-              <a:buFont typeface="Wingdings 2" pitchFamily="18" charset="2"/>
-              <a:buChar char=""/>
-              <a:defRPr sz="1400" kern="1200">
-                <a:solidFill>
-                  <a:schemeClr val="tx2"/>
-                </a:solidFill>
-                <a:latin typeface="+mn-lt"/>
-                <a:ea typeface="+mn-ea"/>
-                <a:cs typeface="+mn-cs"/>
-              </a:defRPr>
-            </a:lvl9pPr>
-          </a:lstStyle>
-          <a:p>
-            <a:pPr marL="342900" lvl="1"/>
-            <a:r>
-              <a:rPr lang="es-AR" sz="2800" dirty="0"/>
-              <a:t>Alta dispersión de la Información para cada proyecto.</a:t>
-            </a:r>
-          </a:p>
-          <a:p>
-            <a:pPr marL="114300" lvl="1" indent="0">
-              <a:buNone/>
-            </a:pPr>
-            <a:endParaRPr lang="es-AR" sz="2800" dirty="0"/>
-          </a:p>
-          <a:p>
-            <a:pPr marL="114300" indent="0">
-              <a:buNone/>
-            </a:pPr>
-            <a:r>
-              <a:rPr lang="es-ES" dirty="0"/>
-              <a:t>Información unificada en un único servidor, accesible según permisos previamente otorgados desde las distintas estaciones de trabajo, e incluso desde </a:t>
-            </a:r>
-            <a:r>
-              <a:rPr lang="es-ES" dirty="0" err="1"/>
-              <a:t>smartphones</a:t>
-            </a:r>
-            <a:r>
-              <a:rPr lang="es-ES" dirty="0" smtClean="0"/>
-              <a:t>.</a:t>
-            </a:r>
-            <a:endParaRPr lang="es-AR" dirty="0"/>
-          </a:p>
-          <a:p>
-            <a:pPr marL="114300" indent="0"/>
-            <a:endParaRPr lang="es-AR" dirty="0" smtClean="0"/>
-          </a:p>
-          <a:p>
-            <a:pPr marL="114300" indent="0"/>
-            <a:endParaRPr lang="es-AR" dirty="0" smtClean="0"/>
-          </a:p>
-          <a:p>
-            <a:pPr marL="114300" indent="0"/>
-            <a:endParaRPr lang="es-AR" dirty="0" smtClean="0"/>
-          </a:p>
-          <a:p>
-            <a:pPr>
-              <a:spcAft>
-                <a:spcPts val="1200"/>
-              </a:spcAft>
-            </a:pPr>
-            <a:endParaRPr lang="en-US" dirty="0"/>
-          </a:p>
-        </p:txBody>
-      </p:sp>
     </p:spTree>
     <p:extLst>
       <p:ext uri="{BB962C8B-B14F-4D97-AF65-F5344CB8AC3E}">
-        <p14:creationId xmlns:p14="http://schemas.microsoft.com/office/powerpoint/2010/main" val="3693362975"/>
+        <p14:creationId xmlns:p14="http://schemas.microsoft.com/office/powerpoint/2010/main" val="3711411273"/>
       </p:ext>
     </p:extLst>
   </p:cSld>
@@ -25320,391 +26872,7 @@
   <p:timing>
     <p:tnLst>
       <p:par>
-        <p:cTn id="1" dur="indefinite" restart="never" nodeType="tmRoot">
-          <p:childTnLst>
-            <p:seq concurrent="1" nextAc="seek">
-              <p:cTn id="2" dur="indefinite" nodeType="mainSeq">
-                <p:childTnLst>
-                  <p:par>
-                    <p:cTn id="3" fill="hold">
-                      <p:stCondLst>
-                        <p:cond delay="indefinite"/>
-                      </p:stCondLst>
-                      <p:childTnLst>
-                        <p:par>
-                          <p:cTn id="4" fill="hold">
-                            <p:stCondLst>
-                              <p:cond delay="0"/>
-                            </p:stCondLst>
-                            <p:childTnLst>
-                              <p:par>
-                                <p:cTn id="5" presetID="26" presetClass="entr" presetSubtype="0" fill="hold" nodeType="clickEffect" nodePh="1">
-                                  <p:stCondLst>
-                                    <p:cond delay="0"/>
-                                  </p:stCondLst>
-                                  <p:endCondLst>
-                                    <p:cond evt="begin" delay="0">
-                                      <p:tn val="5"/>
-                                    </p:cond>
-                                  </p:endCondLst>
-                                  <p:childTnLst>
-                                    <p:set>
-                                      <p:cBhvr>
-                                        <p:cTn id="6" dur="1" fill="hold">
-                                          <p:stCondLst>
-                                            <p:cond delay="0"/>
-                                          </p:stCondLst>
-                                        </p:cTn>
-                                        <p:tgtEl>
-                                          <p:spTgt spid="7">
-                                            <p:txEl>
-                                              <p:pRg st="0" end="0"/>
-                                            </p:txEl>
-                                          </p:spTgt>
-                                        </p:tgtEl>
-                                        <p:attrNameLst>
-                                          <p:attrName>style.visibility</p:attrName>
-                                        </p:attrNameLst>
-                                      </p:cBhvr>
-                                      <p:to>
-                                        <p:strVal val="visible"/>
-                                      </p:to>
-                                    </p:set>
-                                    <p:animEffect transition="in" filter="wipe(down)">
-                                      <p:cBhvr>
-                                        <p:cTn id="7" dur="580">
-                                          <p:stCondLst>
-                                            <p:cond delay="0"/>
-                                          </p:stCondLst>
-                                        </p:cTn>
-                                        <p:tgtEl>
-                                          <p:spTgt spid="7">
-                                            <p:txEl>
-                                              <p:pRg st="0" end="0"/>
-                                            </p:txEl>
-                                          </p:spTgt>
-                                        </p:tgtEl>
-                                      </p:cBhvr>
-                                    </p:animEffect>
-                                    <p:anim calcmode="lin" valueType="num">
-                                      <p:cBhvr>
-                                        <p:cTn id="8" dur="1822" tmFilter="0,0; 0.14,0.36; 0.43,0.73; 0.71,0.91; 1.0,1.0">
-                                          <p:stCondLst>
-                                            <p:cond delay="0"/>
-                                          </p:stCondLst>
-                                        </p:cTn>
-                                        <p:tgtEl>
-                                          <p:spTgt spid="7">
-                                            <p:txEl>
-                                              <p:pRg st="0" end="0"/>
-                                            </p:txEl>
-                                          </p:spTgt>
-                                        </p:tgtEl>
-                                        <p:attrNameLst>
-                                          <p:attrName>ppt_x</p:attrName>
-                                        </p:attrNameLst>
-                                      </p:cBhvr>
-                                      <p:tavLst>
-                                        <p:tav tm="0">
-                                          <p:val>
-                                            <p:strVal val="#ppt_x-0.25"/>
-                                          </p:val>
-                                        </p:tav>
-                                        <p:tav tm="100000">
-                                          <p:val>
-                                            <p:strVal val="#ppt_x"/>
-                                          </p:val>
-                                        </p:tav>
-                                      </p:tavLst>
-                                    </p:anim>
-                                    <p:anim calcmode="lin" valueType="num">
-                                      <p:cBhvr>
-                                        <p:cTn id="9" dur="664" tmFilter="0.0,0.0; 0.25,0.07; 0.50,0.2; 0.75,0.467; 1.0,1.0">
-                                          <p:stCondLst>
-                                            <p:cond delay="0"/>
-                                          </p:stCondLst>
-                                        </p:cTn>
-                                        <p:tgtEl>
-                                          <p:spTgt spid="7">
-                                            <p:txEl>
-                                              <p:pRg st="0" end="0"/>
-                                            </p:txEl>
-                                          </p:spTgt>
-                                        </p:tgtEl>
-                                        <p:attrNameLst>
-                                          <p:attrName>ppt_y</p:attrName>
-                                        </p:attrNameLst>
-                                      </p:cBhvr>
-                                      <p:tavLst>
-                                        <p:tav tm="0" fmla="#ppt_y-sin(pi*$)/3">
-                                          <p:val>
-                                            <p:fltVal val="0.5"/>
-                                          </p:val>
-                                        </p:tav>
-                                        <p:tav tm="100000">
-                                          <p:val>
-                                            <p:fltVal val="1"/>
-                                          </p:val>
-                                        </p:tav>
-                                      </p:tavLst>
-                                    </p:anim>
-                                    <p:anim calcmode="lin" valueType="num">
-                                      <p:cBhvr>
-                                        <p:cTn id="10" dur="664" tmFilter="0, 0; 0.125,0.2665; 0.25,0.4; 0.375,0.465; 0.5,0.5;  0.625,0.535; 0.75,0.6; 0.875,0.7335; 1,1">
-                                          <p:stCondLst>
-                                            <p:cond delay="664"/>
-                                          </p:stCondLst>
-                                        </p:cTn>
-                                        <p:tgtEl>
-                                          <p:spTgt spid="7">
-                                            <p:txEl>
-                                              <p:pRg st="0" end="0"/>
-                                            </p:txEl>
-                                          </p:spTgt>
-                                        </p:tgtEl>
-                                        <p:attrNameLst>
-                                          <p:attrName>ppt_y</p:attrName>
-                                        </p:attrNameLst>
-                                      </p:cBhvr>
-                                      <p:tavLst>
-                                        <p:tav tm="0" fmla="#ppt_y-sin(pi*$)/9">
-                                          <p:val>
-                                            <p:fltVal val="0"/>
-                                          </p:val>
-                                        </p:tav>
-                                        <p:tav tm="100000">
-                                          <p:val>
-                                            <p:fltVal val="1"/>
-                                          </p:val>
-                                        </p:tav>
-                                      </p:tavLst>
-                                    </p:anim>
-                                    <p:anim calcmode="lin" valueType="num">
-                                      <p:cBhvr>
-                                        <p:cTn id="11" dur="332" tmFilter="0, 0; 0.125,0.2665; 0.25,0.4; 0.375,0.465; 0.5,0.5;  0.625,0.535; 0.75,0.6; 0.875,0.7335; 1,1">
-                                          <p:stCondLst>
-                                            <p:cond delay="1324"/>
-                                          </p:stCondLst>
-                                        </p:cTn>
-                                        <p:tgtEl>
-                                          <p:spTgt spid="7">
-                                            <p:txEl>
-                                              <p:pRg st="0" end="0"/>
-                                            </p:txEl>
-                                          </p:spTgt>
-                                        </p:tgtEl>
-                                        <p:attrNameLst>
-                                          <p:attrName>ppt_y</p:attrName>
-                                        </p:attrNameLst>
-                                      </p:cBhvr>
-                                      <p:tavLst>
-                                        <p:tav tm="0" fmla="#ppt_y-sin(pi*$)/27">
-                                          <p:val>
-                                            <p:fltVal val="0"/>
-                                          </p:val>
-                                        </p:tav>
-                                        <p:tav tm="100000">
-                                          <p:val>
-                                            <p:fltVal val="1"/>
-                                          </p:val>
-                                        </p:tav>
-                                      </p:tavLst>
-                                    </p:anim>
-                                    <p:anim calcmode="lin" valueType="num">
-                                      <p:cBhvr>
-                                        <p:cTn id="12" dur="164" tmFilter="0, 0; 0.125,0.2665; 0.25,0.4; 0.375,0.465; 0.5,0.5;  0.625,0.535; 0.75,0.6; 0.875,0.7335; 1,1">
-                                          <p:stCondLst>
-                                            <p:cond delay="1656"/>
-                                          </p:stCondLst>
-                                        </p:cTn>
-                                        <p:tgtEl>
-                                          <p:spTgt spid="7">
-                                            <p:txEl>
-                                              <p:pRg st="0" end="0"/>
-                                            </p:txEl>
-                                          </p:spTgt>
-                                        </p:tgtEl>
-                                        <p:attrNameLst>
-                                          <p:attrName>ppt_y</p:attrName>
-                                        </p:attrNameLst>
-                                      </p:cBhvr>
-                                      <p:tavLst>
-                                        <p:tav tm="0" fmla="#ppt_y-sin(pi*$)/81">
-                                          <p:val>
-                                            <p:fltVal val="0"/>
-                                          </p:val>
-                                        </p:tav>
-                                        <p:tav tm="100000">
-                                          <p:val>
-                                            <p:fltVal val="1"/>
-                                          </p:val>
-                                        </p:tav>
-                                      </p:tavLst>
-                                    </p:anim>
-                                    <p:animScale>
-                                      <p:cBhvr>
-                                        <p:cTn id="13" dur="26">
-                                          <p:stCondLst>
-                                            <p:cond delay="650"/>
-                                          </p:stCondLst>
-                                        </p:cTn>
-                                        <p:tgtEl>
-                                          <p:spTgt spid="7">
-                                            <p:txEl>
-                                              <p:pRg st="0" end="0"/>
-                                            </p:txEl>
-                                          </p:spTgt>
-                                        </p:tgtEl>
-                                      </p:cBhvr>
-                                      <p:to x="100000" y="60000"/>
-                                    </p:animScale>
-                                    <p:animScale>
-                                      <p:cBhvr>
-                                        <p:cTn id="14" dur="166" decel="50000">
-                                          <p:stCondLst>
-                                            <p:cond delay="676"/>
-                                          </p:stCondLst>
-                                        </p:cTn>
-                                        <p:tgtEl>
-                                          <p:spTgt spid="7">
-                                            <p:txEl>
-                                              <p:pRg st="0" end="0"/>
-                                            </p:txEl>
-                                          </p:spTgt>
-                                        </p:tgtEl>
-                                      </p:cBhvr>
-                                      <p:to x="100000" y="100000"/>
-                                    </p:animScale>
-                                    <p:animScale>
-                                      <p:cBhvr>
-                                        <p:cTn id="15" dur="26">
-                                          <p:stCondLst>
-                                            <p:cond delay="1312"/>
-                                          </p:stCondLst>
-                                        </p:cTn>
-                                        <p:tgtEl>
-                                          <p:spTgt spid="7">
-                                            <p:txEl>
-                                              <p:pRg st="0" end="0"/>
-                                            </p:txEl>
-                                          </p:spTgt>
-                                        </p:tgtEl>
-                                      </p:cBhvr>
-                                      <p:to x="100000" y="80000"/>
-                                    </p:animScale>
-                                    <p:animScale>
-                                      <p:cBhvr>
-                                        <p:cTn id="16" dur="166" decel="50000">
-                                          <p:stCondLst>
-                                            <p:cond delay="1338"/>
-                                          </p:stCondLst>
-                                        </p:cTn>
-                                        <p:tgtEl>
-                                          <p:spTgt spid="7">
-                                            <p:txEl>
-                                              <p:pRg st="0" end="0"/>
-                                            </p:txEl>
-                                          </p:spTgt>
-                                        </p:tgtEl>
-                                      </p:cBhvr>
-                                      <p:to x="100000" y="100000"/>
-                                    </p:animScale>
-                                    <p:animScale>
-                                      <p:cBhvr>
-                                        <p:cTn id="17" dur="26">
-                                          <p:stCondLst>
-                                            <p:cond delay="1642"/>
-                                          </p:stCondLst>
-                                        </p:cTn>
-                                        <p:tgtEl>
-                                          <p:spTgt spid="7">
-                                            <p:txEl>
-                                              <p:pRg st="0" end="0"/>
-                                            </p:txEl>
-                                          </p:spTgt>
-                                        </p:tgtEl>
-                                      </p:cBhvr>
-                                      <p:to x="100000" y="90000"/>
-                                    </p:animScale>
-                                    <p:animScale>
-                                      <p:cBhvr>
-                                        <p:cTn id="18" dur="166" decel="50000">
-                                          <p:stCondLst>
-                                            <p:cond delay="1668"/>
-                                          </p:stCondLst>
-                                        </p:cTn>
-                                        <p:tgtEl>
-                                          <p:spTgt spid="7">
-                                            <p:txEl>
-                                              <p:pRg st="0" end="0"/>
-                                            </p:txEl>
-                                          </p:spTgt>
-                                        </p:tgtEl>
-                                      </p:cBhvr>
-                                      <p:to x="100000" y="100000"/>
-                                    </p:animScale>
-                                    <p:animScale>
-                                      <p:cBhvr>
-                                        <p:cTn id="19" dur="26">
-                                          <p:stCondLst>
-                                            <p:cond delay="1808"/>
-                                          </p:stCondLst>
-                                        </p:cTn>
-                                        <p:tgtEl>
-                                          <p:spTgt spid="7">
-                                            <p:txEl>
-                                              <p:pRg st="0" end="0"/>
-                                            </p:txEl>
-                                          </p:spTgt>
-                                        </p:tgtEl>
-                                      </p:cBhvr>
-                                      <p:to x="100000" y="95000"/>
-                                    </p:animScale>
-                                    <p:animScale>
-                                      <p:cBhvr>
-                                        <p:cTn id="20" dur="166" decel="50000">
-                                          <p:stCondLst>
-                                            <p:cond delay="1834"/>
-                                          </p:stCondLst>
-                                        </p:cTn>
-                                        <p:tgtEl>
-                                          <p:spTgt spid="7">
-                                            <p:txEl>
-                                              <p:pRg st="0" end="0"/>
-                                            </p:txEl>
-                                          </p:spTgt>
-                                        </p:tgtEl>
-                                      </p:cBhvr>
-                                      <p:to x="100000" y="100000"/>
-                                    </p:animScale>
-                                  </p:childTnLst>
-                                </p:cTn>
-                              </p:par>
-                            </p:childTnLst>
-                          </p:cTn>
-                        </p:par>
-                      </p:childTnLst>
-                    </p:cTn>
-                  </p:par>
-                </p:childTnLst>
-              </p:cTn>
-              <p:prevCondLst>
-                <p:cond evt="onPrev" delay="0">
-                  <p:tgtEl>
-                    <p:sldTgt/>
-                  </p:tgtEl>
-                </p:cond>
-              </p:prevCondLst>
-              <p:nextCondLst>
-                <p:cond evt="onNext" delay="0">
-                  <p:tgtEl>
-                    <p:sldTgt/>
-                  </p:tgtEl>
-                </p:cond>
-              </p:nextCondLst>
-            </p:seq>
-          </p:childTnLst>
-        </p:cTn>
+        <p:cTn id="1" dur="indefinite" restart="never" nodeType="tmRoot"/>
       </p:par>
     </p:tnLst>
   </p:timing>
@@ -25740,21 +26908,22 @@
         </p:nvSpPr>
         <p:spPr>
           <a:xfrm>
-            <a:off x="530529" y="404664"/>
-            <a:ext cx="8072494" cy="1344212"/>
+            <a:off x="539552" y="836712"/>
+            <a:ext cx="7848872" cy="757888"/>
           </a:xfrm>
         </p:spPr>
         <p:txBody>
           <a:bodyPr>
-            <a:normAutofit/>
+            <a:noAutofit/>
           </a:bodyPr>
           <a:lstStyle/>
           <a:p>
             <a:pPr algn="ctr"/>
             <a:r>
-              <a:rPr lang="es-AR" dirty="0"/>
+              <a:rPr lang="es-AR" dirty="0" smtClean="0"/>
               <a:t>Soluciones implementadas</a:t>
             </a:r>
+            <a:endParaRPr lang="es-AR" dirty="0"/>
           </a:p>
         </p:txBody>
       </p:sp>
@@ -26054,7 +27223,7 @@
         </p:nvSpPr>
         <p:spPr>
           <a:xfrm>
-            <a:off x="714348" y="2214554"/>
+            <a:off x="785786" y="1785926"/>
             <a:ext cx="7704856" cy="3913660"/>
           </a:xfrm>
           <a:prstGeom prst="rect">
@@ -26242,56 +27411,36 @@
             <a:pPr marL="342900" lvl="1"/>
             <a:r>
               <a:rPr lang="es-AR" sz="2800" dirty="0"/>
-              <a:t>Baja rastreabilidad de documentación.</a:t>
+              <a:t>Alta dispersión de la Información para cada proyecto.</a:t>
             </a:r>
+          </a:p>
+          <a:p>
+            <a:pPr marL="114300" lvl="1" indent="0">
+              <a:buNone/>
+            </a:pPr>
+            <a:endParaRPr lang="es-AR" sz="2800" dirty="0"/>
+          </a:p>
+          <a:p>
+            <a:pPr marL="114300" indent="0">
+              <a:buNone/>
+            </a:pPr>
+            <a:r>
+              <a:rPr lang="es-ES" dirty="0"/>
+              <a:t>Información unificada en un único servidor, accesible según permisos previamente otorgados desde las distintas estaciones de trabajo, e incluso desde </a:t>
+            </a:r>
+            <a:r>
+              <a:rPr lang="es-ES" dirty="0" err="1"/>
+              <a:t>smartphones</a:t>
+            </a:r>
+            <a:r>
+              <a:rPr lang="es-ES" dirty="0" smtClean="0"/>
+              <a:t>.</a:t>
+            </a:r>
+            <a:endParaRPr lang="es-AR" dirty="0"/>
           </a:p>
           <a:p>
             <a:pPr marL="114300" indent="0"/>
             <a:endParaRPr lang="es-AR" dirty="0" smtClean="0"/>
-          </a:p>
-          <a:p>
-            <a:pPr marL="114300" indent="0"/>
-            <a:endParaRPr lang="es-AR" dirty="0" smtClean="0"/>
-          </a:p>
-          <a:p>
-            <a:pPr marL="114300" indent="0"/>
-            <a:r>
-              <a:rPr lang="es-ES" dirty="0" err="1" smtClean="0">
-                <a:solidFill>
-                  <a:srgbClr val="FF0000"/>
-                </a:solidFill>
-              </a:rPr>
-              <a:t>Aca</a:t>
-            </a:r>
-            <a:r>
-              <a:rPr lang="es-ES" dirty="0" smtClean="0">
-                <a:solidFill>
-                  <a:srgbClr val="FF0000"/>
-                </a:solidFill>
-              </a:rPr>
-              <a:t> mostrar como el sistema permite subir y descargar archivos para cada proyecto y solicitud, indicando que </a:t>
-            </a:r>
-            <a:r>
-              <a:rPr lang="es-ES" dirty="0" err="1" smtClean="0">
-                <a:solidFill>
-                  <a:srgbClr val="FF0000"/>
-                </a:solidFill>
-              </a:rPr>
-              <a:t>facil</a:t>
-            </a:r>
-            <a:r>
-              <a:rPr lang="es-ES" dirty="0" smtClean="0">
-                <a:solidFill>
-                  <a:srgbClr val="FF0000"/>
-                </a:solidFill>
-              </a:rPr>
-              <a:t> es buscar algo y que esta disponible de manera inmediata!</a:t>
-            </a:r>
-            <a:endParaRPr lang="es-AR" dirty="0" smtClean="0">
-              <a:solidFill>
-                <a:srgbClr val="FF0000"/>
-              </a:solidFill>
-            </a:endParaRPr>
           </a:p>
           <a:p>
             <a:pPr marL="114300" indent="0"/>
@@ -26719,6 +27868,1013 @@
 </file>
 
 <file path=ppt/slides/slide8.xml><?xml version="1.0" encoding="utf-8"?>
+<p:sld xmlns:a="http://schemas.openxmlformats.org/drawingml/2006/main" xmlns:r="http://schemas.openxmlformats.org/officeDocument/2006/relationships" xmlns:p="http://schemas.openxmlformats.org/presentationml/2006/main">
+  <p:cSld>
+    <p:spTree>
+      <p:nvGrpSpPr>
+        <p:cNvPr id="1" name=""/>
+        <p:cNvGrpSpPr/>
+        <p:nvPr/>
+      </p:nvGrpSpPr>
+      <p:grpSpPr>
+        <a:xfrm>
+          <a:off x="0" y="0"/>
+          <a:ext cx="0" cy="0"/>
+          <a:chOff x="0" y="0"/>
+          <a:chExt cx="0" cy="0"/>
+        </a:xfrm>
+      </p:grpSpPr>
+      <p:sp>
+        <p:nvSpPr>
+          <p:cNvPr id="2" name="Title 1"/>
+          <p:cNvSpPr>
+            <a:spLocks noGrp="1"/>
+          </p:cNvSpPr>
+          <p:nvPr>
+            <p:ph type="title"/>
+          </p:nvPr>
+        </p:nvSpPr>
+        <p:spPr>
+          <a:xfrm>
+            <a:off x="530529" y="404664"/>
+            <a:ext cx="8072494" cy="1344212"/>
+          </a:xfrm>
+        </p:spPr>
+        <p:txBody>
+          <a:bodyPr>
+            <a:normAutofit/>
+          </a:bodyPr>
+          <a:lstStyle/>
+          <a:p>
+            <a:pPr algn="ctr"/>
+            <a:r>
+              <a:rPr lang="es-AR" dirty="0"/>
+              <a:t>Soluciones implementadas</a:t>
+            </a:r>
+          </a:p>
+        </p:txBody>
+      </p:sp>
+      <p:pic>
+        <p:nvPicPr>
+          <p:cNvPr id="4" name="Picture 3" descr="1208185285896971921coredump_Glassy_WiFi_symbol.svg.hi-300x300"/>
+          <p:cNvPicPr>
+            <a:picLocks noChangeAspect="1" noChangeArrowheads="1"/>
+          </p:cNvPicPr>
+          <p:nvPr/>
+        </p:nvPicPr>
+        <p:blipFill>
+          <a:blip r:embed="rId3" cstate="print">
+            <a:extLst>
+              <a:ext uri="{28A0092B-C50C-407E-A947-70E740481C1C}">
+                <a14:useLocalDpi xmlns:a14="http://schemas.microsoft.com/office/drawing/2010/main" val="0"/>
+              </a:ext>
+            </a:extLst>
+          </a:blip>
+          <a:srcRect/>
+          <a:stretch>
+            <a:fillRect/>
+          </a:stretch>
+        </p:blipFill>
+        <p:spPr bwMode="auto">
+          <a:xfrm>
+            <a:off x="6982701" y="5689"/>
+            <a:ext cx="553244" cy="553244"/>
+          </a:xfrm>
+          <a:prstGeom prst="rect">
+            <a:avLst/>
+          </a:prstGeom>
+          <a:noFill/>
+          <a:extLst>
+            <a:ext uri="{909E8E84-426E-40DD-AFC4-6F175D3DCCD1}">
+              <a14:hiddenFill xmlns:a14="http://schemas.microsoft.com/office/drawing/2010/main">
+                <a:solidFill>
+                  <a:srgbClr val="FFFFFF"/>
+                </a:solidFill>
+              </a14:hiddenFill>
+            </a:ext>
+          </a:extLst>
+        </p:spPr>
+      </p:pic>
+      <p:pic>
+        <p:nvPicPr>
+          <p:cNvPr id="6" name="Picture 4" descr="http://www3.frrq.utn.edu.ar:8008/sysacadweb/utn.gif"/>
+          <p:cNvPicPr>
+            <a:picLocks noChangeAspect="1" noChangeArrowheads="1"/>
+          </p:cNvPicPr>
+          <p:nvPr/>
+        </p:nvPicPr>
+        <p:blipFill>
+          <a:blip r:embed="rId4" cstate="print">
+            <a:extLst>
+              <a:ext uri="{28A0092B-C50C-407E-A947-70E740481C1C}">
+                <a14:useLocalDpi xmlns:a14="http://schemas.microsoft.com/office/drawing/2010/main" val="0"/>
+              </a:ext>
+            </a:extLst>
+          </a:blip>
+          <a:srcRect/>
+          <a:stretch>
+            <a:fillRect/>
+          </a:stretch>
+        </p:blipFill>
+        <p:spPr bwMode="auto">
+          <a:xfrm>
+            <a:off x="5292080" y="39902"/>
+            <a:ext cx="435550" cy="519031"/>
+          </a:xfrm>
+          <a:prstGeom prst="rect">
+            <a:avLst/>
+          </a:prstGeom>
+          <a:noFill/>
+          <a:extLst>
+            <a:ext uri="{909E8E84-426E-40DD-AFC4-6F175D3DCCD1}">
+              <a14:hiddenFill xmlns:a14="http://schemas.microsoft.com/office/drawing/2010/main">
+                <a:solidFill>
+                  <a:srgbClr val="FFFFFF"/>
+                </a:solidFill>
+              </a14:hiddenFill>
+            </a:ext>
+          </a:extLst>
+        </p:spPr>
+      </p:pic>
+      <p:sp>
+        <p:nvSpPr>
+          <p:cNvPr id="7" name="Content Placeholder 2"/>
+          <p:cNvSpPr txBox="1">
+            <a:spLocks/>
+          </p:cNvSpPr>
+          <p:nvPr/>
+        </p:nvSpPr>
+        <p:spPr>
+          <a:xfrm>
+            <a:off x="683568" y="2323652"/>
+            <a:ext cx="7704856" cy="3913660"/>
+          </a:xfrm>
+          <a:prstGeom prst="rect">
+            <a:avLst/>
+          </a:prstGeom>
+        </p:spPr>
+        <p:txBody>
+          <a:bodyPr vert="horz" lIns="91440" tIns="45720" rIns="91440" bIns="45720" rtlCol="0">
+            <a:normAutofit/>
+          </a:bodyPr>
+          <a:lstStyle>
+            <a:lvl1pPr marL="342900" indent="-274320" algn="l" defTabSz="914400" rtl="0" eaLnBrk="1" latinLnBrk="0" hangingPunct="1">
+              <a:spcBef>
+                <a:spcPct val="20000"/>
+              </a:spcBef>
+              <a:buClr>
+                <a:schemeClr val="accent1"/>
+              </a:buClr>
+              <a:buSzPct val="76000"/>
+              <a:buFont typeface="Wingdings 2" pitchFamily="18" charset="2"/>
+              <a:buChar char=""/>
+              <a:defRPr sz="2400" kern="1200">
+                <a:solidFill>
+                  <a:schemeClr val="tx2"/>
+                </a:solidFill>
+                <a:latin typeface="+mn-lt"/>
+                <a:ea typeface="+mn-ea"/>
+                <a:cs typeface="+mn-cs"/>
+              </a:defRPr>
+            </a:lvl1pPr>
+            <a:lvl2pPr marL="640080" indent="-274320" algn="l" defTabSz="914400" rtl="0" eaLnBrk="1" latinLnBrk="0" hangingPunct="1">
+              <a:spcBef>
+                <a:spcPct val="20000"/>
+              </a:spcBef>
+              <a:buClr>
+                <a:schemeClr val="accent1"/>
+              </a:buClr>
+              <a:buSzPct val="76000"/>
+              <a:buFont typeface="Wingdings 2" pitchFamily="18" charset="2"/>
+              <a:buChar char=""/>
+              <a:defRPr sz="2200" kern="1200">
+                <a:solidFill>
+                  <a:schemeClr val="tx2"/>
+                </a:solidFill>
+                <a:latin typeface="+mn-lt"/>
+                <a:ea typeface="+mn-ea"/>
+                <a:cs typeface="+mn-cs"/>
+              </a:defRPr>
+            </a:lvl2pPr>
+            <a:lvl3pPr marL="914400" indent="-228600" algn="l" defTabSz="914400" rtl="0" eaLnBrk="1" latinLnBrk="0" hangingPunct="1">
+              <a:spcBef>
+                <a:spcPct val="20000"/>
+              </a:spcBef>
+              <a:buClr>
+                <a:schemeClr val="accent1"/>
+              </a:buClr>
+              <a:buSzPct val="76000"/>
+              <a:buFont typeface="Wingdings 2" pitchFamily="18" charset="2"/>
+              <a:buChar char=""/>
+              <a:defRPr sz="2000" kern="1200">
+                <a:solidFill>
+                  <a:schemeClr val="tx2"/>
+                </a:solidFill>
+                <a:latin typeface="+mn-lt"/>
+                <a:ea typeface="+mn-ea"/>
+                <a:cs typeface="+mn-cs"/>
+              </a:defRPr>
+            </a:lvl3pPr>
+            <a:lvl4pPr marL="1124712" indent="-228600" algn="l" defTabSz="914400" rtl="0" eaLnBrk="1" latinLnBrk="0" hangingPunct="1">
+              <a:spcBef>
+                <a:spcPct val="20000"/>
+              </a:spcBef>
+              <a:buClr>
+                <a:schemeClr val="accent1"/>
+              </a:buClr>
+              <a:buSzPct val="76000"/>
+              <a:buFont typeface="Wingdings 2" pitchFamily="18" charset="2"/>
+              <a:buChar char=""/>
+              <a:defRPr sz="1800" kern="1200">
+                <a:solidFill>
+                  <a:schemeClr val="tx2"/>
+                </a:solidFill>
+                <a:latin typeface="+mn-lt"/>
+                <a:ea typeface="+mn-ea"/>
+                <a:cs typeface="+mn-cs"/>
+              </a:defRPr>
+            </a:lvl4pPr>
+            <a:lvl5pPr marL="1325880" indent="-228600" algn="l" defTabSz="914400" rtl="0" eaLnBrk="1" latinLnBrk="0" hangingPunct="1">
+              <a:spcBef>
+                <a:spcPct val="20000"/>
+              </a:spcBef>
+              <a:buClr>
+                <a:schemeClr val="accent1"/>
+              </a:buClr>
+              <a:buSzPct val="76000"/>
+              <a:buFont typeface="Wingdings 2" pitchFamily="18" charset="2"/>
+              <a:buChar char=""/>
+              <a:defRPr sz="1600" kern="1200" baseline="0">
+                <a:solidFill>
+                  <a:schemeClr val="tx2"/>
+                </a:solidFill>
+                <a:latin typeface="+mn-lt"/>
+                <a:ea typeface="+mn-ea"/>
+                <a:cs typeface="+mn-cs"/>
+              </a:defRPr>
+            </a:lvl5pPr>
+            <a:lvl6pPr marL="1517904" indent="-228600" algn="l" defTabSz="914400" rtl="0" eaLnBrk="1" latinLnBrk="0" hangingPunct="1">
+              <a:spcBef>
+                <a:spcPct val="20000"/>
+              </a:spcBef>
+              <a:buClr>
+                <a:schemeClr val="accent1"/>
+              </a:buClr>
+              <a:buSzPct val="76000"/>
+              <a:buFont typeface="Wingdings 2" pitchFamily="18" charset="2"/>
+              <a:buChar char=""/>
+              <a:defRPr sz="1400" kern="1200">
+                <a:solidFill>
+                  <a:schemeClr val="tx2"/>
+                </a:solidFill>
+                <a:latin typeface="+mn-lt"/>
+                <a:ea typeface="+mn-ea"/>
+                <a:cs typeface="+mn-cs"/>
+              </a:defRPr>
+            </a:lvl6pPr>
+            <a:lvl7pPr marL="1719072" indent="-228600" algn="l" defTabSz="914400" rtl="0" eaLnBrk="1" latinLnBrk="0" hangingPunct="1">
+              <a:spcBef>
+                <a:spcPct val="20000"/>
+              </a:spcBef>
+              <a:buClr>
+                <a:schemeClr val="accent1"/>
+              </a:buClr>
+              <a:buSzPct val="76000"/>
+              <a:buFont typeface="Wingdings 2" pitchFamily="18" charset="2"/>
+              <a:buChar char=""/>
+              <a:defRPr sz="1400" kern="1200">
+                <a:solidFill>
+                  <a:schemeClr val="tx2"/>
+                </a:solidFill>
+                <a:latin typeface="+mn-lt"/>
+                <a:ea typeface="+mn-ea"/>
+                <a:cs typeface="+mn-cs"/>
+              </a:defRPr>
+            </a:lvl7pPr>
+            <a:lvl8pPr marL="1920240" indent="-228600" algn="l" defTabSz="914400" rtl="0" eaLnBrk="1" latinLnBrk="0" hangingPunct="1">
+              <a:spcBef>
+                <a:spcPct val="20000"/>
+              </a:spcBef>
+              <a:buClr>
+                <a:schemeClr val="accent1"/>
+              </a:buClr>
+              <a:buSzPct val="76000"/>
+              <a:buFont typeface="Wingdings 2" pitchFamily="18" charset="2"/>
+              <a:buChar char=""/>
+              <a:defRPr sz="1400" kern="1200">
+                <a:solidFill>
+                  <a:schemeClr val="tx2"/>
+                </a:solidFill>
+                <a:latin typeface="+mn-lt"/>
+                <a:ea typeface="+mn-ea"/>
+                <a:cs typeface="+mn-cs"/>
+              </a:defRPr>
+            </a:lvl8pPr>
+            <a:lvl9pPr marL="2121408" indent="-228600" algn="l" defTabSz="914400" rtl="0" eaLnBrk="1" latinLnBrk="0" hangingPunct="1">
+              <a:spcBef>
+                <a:spcPct val="20000"/>
+              </a:spcBef>
+              <a:buClr>
+                <a:schemeClr val="accent1"/>
+              </a:buClr>
+              <a:buSzPct val="76000"/>
+              <a:buFont typeface="Wingdings 2" pitchFamily="18" charset="2"/>
+              <a:buChar char=""/>
+              <a:defRPr sz="1400" kern="1200">
+                <a:solidFill>
+                  <a:schemeClr val="tx2"/>
+                </a:solidFill>
+                <a:latin typeface="+mn-lt"/>
+                <a:ea typeface="+mn-ea"/>
+                <a:cs typeface="+mn-cs"/>
+              </a:defRPr>
+            </a:lvl9pPr>
+          </a:lstStyle>
+          <a:p>
+            <a:pPr>
+              <a:spcAft>
+                <a:spcPts val="1200"/>
+              </a:spcAft>
+            </a:pPr>
+            <a:endParaRPr lang="en-US" dirty="0"/>
+          </a:p>
+        </p:txBody>
+      </p:sp>
+      <p:sp>
+        <p:nvSpPr>
+          <p:cNvPr id="8" name="Content Placeholder 2"/>
+          <p:cNvSpPr txBox="1">
+            <a:spLocks/>
+          </p:cNvSpPr>
+          <p:nvPr/>
+        </p:nvSpPr>
+        <p:spPr>
+          <a:xfrm>
+            <a:off x="714348" y="2214554"/>
+            <a:ext cx="7704856" cy="3913660"/>
+          </a:xfrm>
+          <a:prstGeom prst="rect">
+            <a:avLst/>
+          </a:prstGeom>
+        </p:spPr>
+        <p:txBody>
+          <a:bodyPr vert="horz" lIns="91440" tIns="45720" rIns="91440" bIns="45720" rtlCol="0">
+            <a:normAutofit/>
+          </a:bodyPr>
+          <a:lstStyle>
+            <a:lvl1pPr marL="342900" indent="-274320" algn="l" defTabSz="914400" rtl="0" eaLnBrk="1" latinLnBrk="0" hangingPunct="1">
+              <a:spcBef>
+                <a:spcPct val="20000"/>
+              </a:spcBef>
+              <a:buClr>
+                <a:schemeClr val="accent1"/>
+              </a:buClr>
+              <a:buSzPct val="76000"/>
+              <a:buFont typeface="Wingdings 2" pitchFamily="18" charset="2"/>
+              <a:buChar char=""/>
+              <a:defRPr sz="2400" kern="1200">
+                <a:solidFill>
+                  <a:schemeClr val="tx2"/>
+                </a:solidFill>
+                <a:latin typeface="+mn-lt"/>
+                <a:ea typeface="+mn-ea"/>
+                <a:cs typeface="+mn-cs"/>
+              </a:defRPr>
+            </a:lvl1pPr>
+            <a:lvl2pPr marL="640080" indent="-274320" algn="l" defTabSz="914400" rtl="0" eaLnBrk="1" latinLnBrk="0" hangingPunct="1">
+              <a:spcBef>
+                <a:spcPct val="20000"/>
+              </a:spcBef>
+              <a:buClr>
+                <a:schemeClr val="accent1"/>
+              </a:buClr>
+              <a:buSzPct val="76000"/>
+              <a:buFont typeface="Wingdings 2" pitchFamily="18" charset="2"/>
+              <a:buChar char=""/>
+              <a:defRPr sz="2200" kern="1200">
+                <a:solidFill>
+                  <a:schemeClr val="tx2"/>
+                </a:solidFill>
+                <a:latin typeface="+mn-lt"/>
+                <a:ea typeface="+mn-ea"/>
+                <a:cs typeface="+mn-cs"/>
+              </a:defRPr>
+            </a:lvl2pPr>
+            <a:lvl3pPr marL="914400" indent="-228600" algn="l" defTabSz="914400" rtl="0" eaLnBrk="1" latinLnBrk="0" hangingPunct="1">
+              <a:spcBef>
+                <a:spcPct val="20000"/>
+              </a:spcBef>
+              <a:buClr>
+                <a:schemeClr val="accent1"/>
+              </a:buClr>
+              <a:buSzPct val="76000"/>
+              <a:buFont typeface="Wingdings 2" pitchFamily="18" charset="2"/>
+              <a:buChar char=""/>
+              <a:defRPr sz="2000" kern="1200">
+                <a:solidFill>
+                  <a:schemeClr val="tx2"/>
+                </a:solidFill>
+                <a:latin typeface="+mn-lt"/>
+                <a:ea typeface="+mn-ea"/>
+                <a:cs typeface="+mn-cs"/>
+              </a:defRPr>
+            </a:lvl3pPr>
+            <a:lvl4pPr marL="1124712" indent="-228600" algn="l" defTabSz="914400" rtl="0" eaLnBrk="1" latinLnBrk="0" hangingPunct="1">
+              <a:spcBef>
+                <a:spcPct val="20000"/>
+              </a:spcBef>
+              <a:buClr>
+                <a:schemeClr val="accent1"/>
+              </a:buClr>
+              <a:buSzPct val="76000"/>
+              <a:buFont typeface="Wingdings 2" pitchFamily="18" charset="2"/>
+              <a:buChar char=""/>
+              <a:defRPr sz="1800" kern="1200">
+                <a:solidFill>
+                  <a:schemeClr val="tx2"/>
+                </a:solidFill>
+                <a:latin typeface="+mn-lt"/>
+                <a:ea typeface="+mn-ea"/>
+                <a:cs typeface="+mn-cs"/>
+              </a:defRPr>
+            </a:lvl4pPr>
+            <a:lvl5pPr marL="1325880" indent="-228600" algn="l" defTabSz="914400" rtl="0" eaLnBrk="1" latinLnBrk="0" hangingPunct="1">
+              <a:spcBef>
+                <a:spcPct val="20000"/>
+              </a:spcBef>
+              <a:buClr>
+                <a:schemeClr val="accent1"/>
+              </a:buClr>
+              <a:buSzPct val="76000"/>
+              <a:buFont typeface="Wingdings 2" pitchFamily="18" charset="2"/>
+              <a:buChar char=""/>
+              <a:defRPr sz="1600" kern="1200" baseline="0">
+                <a:solidFill>
+                  <a:schemeClr val="tx2"/>
+                </a:solidFill>
+                <a:latin typeface="+mn-lt"/>
+                <a:ea typeface="+mn-ea"/>
+                <a:cs typeface="+mn-cs"/>
+              </a:defRPr>
+            </a:lvl5pPr>
+            <a:lvl6pPr marL="1517904" indent="-228600" algn="l" defTabSz="914400" rtl="0" eaLnBrk="1" latinLnBrk="0" hangingPunct="1">
+              <a:spcBef>
+                <a:spcPct val="20000"/>
+              </a:spcBef>
+              <a:buClr>
+                <a:schemeClr val="accent1"/>
+              </a:buClr>
+              <a:buSzPct val="76000"/>
+              <a:buFont typeface="Wingdings 2" pitchFamily="18" charset="2"/>
+              <a:buChar char=""/>
+              <a:defRPr sz="1400" kern="1200">
+                <a:solidFill>
+                  <a:schemeClr val="tx2"/>
+                </a:solidFill>
+                <a:latin typeface="+mn-lt"/>
+                <a:ea typeface="+mn-ea"/>
+                <a:cs typeface="+mn-cs"/>
+              </a:defRPr>
+            </a:lvl6pPr>
+            <a:lvl7pPr marL="1719072" indent="-228600" algn="l" defTabSz="914400" rtl="0" eaLnBrk="1" latinLnBrk="0" hangingPunct="1">
+              <a:spcBef>
+                <a:spcPct val="20000"/>
+              </a:spcBef>
+              <a:buClr>
+                <a:schemeClr val="accent1"/>
+              </a:buClr>
+              <a:buSzPct val="76000"/>
+              <a:buFont typeface="Wingdings 2" pitchFamily="18" charset="2"/>
+              <a:buChar char=""/>
+              <a:defRPr sz="1400" kern="1200">
+                <a:solidFill>
+                  <a:schemeClr val="tx2"/>
+                </a:solidFill>
+                <a:latin typeface="+mn-lt"/>
+                <a:ea typeface="+mn-ea"/>
+                <a:cs typeface="+mn-cs"/>
+              </a:defRPr>
+            </a:lvl7pPr>
+            <a:lvl8pPr marL="1920240" indent="-228600" algn="l" defTabSz="914400" rtl="0" eaLnBrk="1" latinLnBrk="0" hangingPunct="1">
+              <a:spcBef>
+                <a:spcPct val="20000"/>
+              </a:spcBef>
+              <a:buClr>
+                <a:schemeClr val="accent1"/>
+              </a:buClr>
+              <a:buSzPct val="76000"/>
+              <a:buFont typeface="Wingdings 2" pitchFamily="18" charset="2"/>
+              <a:buChar char=""/>
+              <a:defRPr sz="1400" kern="1200">
+                <a:solidFill>
+                  <a:schemeClr val="tx2"/>
+                </a:solidFill>
+                <a:latin typeface="+mn-lt"/>
+                <a:ea typeface="+mn-ea"/>
+                <a:cs typeface="+mn-cs"/>
+              </a:defRPr>
+            </a:lvl8pPr>
+            <a:lvl9pPr marL="2121408" indent="-228600" algn="l" defTabSz="914400" rtl="0" eaLnBrk="1" latinLnBrk="0" hangingPunct="1">
+              <a:spcBef>
+                <a:spcPct val="20000"/>
+              </a:spcBef>
+              <a:buClr>
+                <a:schemeClr val="accent1"/>
+              </a:buClr>
+              <a:buSzPct val="76000"/>
+              <a:buFont typeface="Wingdings 2" pitchFamily="18" charset="2"/>
+              <a:buChar char=""/>
+              <a:defRPr sz="1400" kern="1200">
+                <a:solidFill>
+                  <a:schemeClr val="tx2"/>
+                </a:solidFill>
+                <a:latin typeface="+mn-lt"/>
+                <a:ea typeface="+mn-ea"/>
+                <a:cs typeface="+mn-cs"/>
+              </a:defRPr>
+            </a:lvl9pPr>
+          </a:lstStyle>
+          <a:p>
+            <a:pPr marL="342900" lvl="1"/>
+            <a:r>
+              <a:rPr lang="es-AR" sz="2800" dirty="0"/>
+              <a:t>Baja rastreabilidad de documentación.</a:t>
+            </a:r>
+          </a:p>
+          <a:p>
+            <a:pPr marL="114300" indent="0"/>
+            <a:endParaRPr lang="es-AR" dirty="0" smtClean="0"/>
+          </a:p>
+          <a:p>
+            <a:pPr marL="114300" indent="0"/>
+            <a:endParaRPr lang="es-AR" dirty="0" smtClean="0"/>
+          </a:p>
+          <a:p>
+            <a:pPr marL="114300" indent="0"/>
+            <a:r>
+              <a:rPr lang="es-ES" dirty="0" err="1" smtClean="0">
+                <a:solidFill>
+                  <a:srgbClr val="FF0000"/>
+                </a:solidFill>
+              </a:rPr>
+              <a:t>Aca</a:t>
+            </a:r>
+            <a:r>
+              <a:rPr lang="es-ES" dirty="0" smtClean="0">
+                <a:solidFill>
+                  <a:srgbClr val="FF0000"/>
+                </a:solidFill>
+              </a:rPr>
+              <a:t> mostrar como el sistema permite subir y descargar archivos para cada proyecto y solicitud, indicando que </a:t>
+            </a:r>
+            <a:r>
+              <a:rPr lang="es-ES" dirty="0" err="1" smtClean="0">
+                <a:solidFill>
+                  <a:srgbClr val="FF0000"/>
+                </a:solidFill>
+              </a:rPr>
+              <a:t>facil</a:t>
+            </a:r>
+            <a:r>
+              <a:rPr lang="es-ES" dirty="0" smtClean="0">
+                <a:solidFill>
+                  <a:srgbClr val="FF0000"/>
+                </a:solidFill>
+              </a:rPr>
+              <a:t> es buscar algo y que esta disponible de manera inmediata!</a:t>
+            </a:r>
+            <a:endParaRPr lang="es-AR" dirty="0" smtClean="0">
+              <a:solidFill>
+                <a:srgbClr val="FF0000"/>
+              </a:solidFill>
+            </a:endParaRPr>
+          </a:p>
+          <a:p>
+            <a:pPr marL="114300" indent="0"/>
+            <a:endParaRPr lang="es-AR" dirty="0" smtClean="0"/>
+          </a:p>
+          <a:p>
+            <a:pPr marL="114300" indent="0"/>
+            <a:endParaRPr lang="es-AR" dirty="0" smtClean="0"/>
+          </a:p>
+          <a:p>
+            <a:pPr>
+              <a:spcAft>
+                <a:spcPts val="1200"/>
+              </a:spcAft>
+            </a:pPr>
+            <a:endParaRPr lang="en-US" dirty="0"/>
+          </a:p>
+        </p:txBody>
+      </p:sp>
+    </p:spTree>
+    <p:extLst>
+      <p:ext uri="{BB962C8B-B14F-4D97-AF65-F5344CB8AC3E}">
+        <p14:creationId xmlns:p14="http://schemas.microsoft.com/office/powerpoint/2010/main" val="3693362975"/>
+      </p:ext>
+    </p:extLst>
+  </p:cSld>
+  <p:clrMapOvr>
+    <a:masterClrMapping/>
+  </p:clrMapOvr>
+  <p:transition spd="slow">
+    <p:cover/>
+  </p:transition>
+  <p:timing>
+    <p:tnLst>
+      <p:par>
+        <p:cTn id="1" dur="indefinite" restart="never" nodeType="tmRoot">
+          <p:childTnLst>
+            <p:seq concurrent="1" nextAc="seek">
+              <p:cTn id="2" dur="indefinite" nodeType="mainSeq">
+                <p:childTnLst>
+                  <p:par>
+                    <p:cTn id="3" fill="hold">
+                      <p:stCondLst>
+                        <p:cond delay="indefinite"/>
+                      </p:stCondLst>
+                      <p:childTnLst>
+                        <p:par>
+                          <p:cTn id="4" fill="hold">
+                            <p:stCondLst>
+                              <p:cond delay="0"/>
+                            </p:stCondLst>
+                            <p:childTnLst>
+                              <p:par>
+                                <p:cTn id="5" presetID="26" presetClass="entr" presetSubtype="0" fill="hold" nodeType="clickEffect" nodePh="1">
+                                  <p:stCondLst>
+                                    <p:cond delay="0"/>
+                                  </p:stCondLst>
+                                  <p:endCondLst>
+                                    <p:cond evt="begin" delay="0">
+                                      <p:tn val="5"/>
+                                    </p:cond>
+                                  </p:endCondLst>
+                                  <p:childTnLst>
+                                    <p:set>
+                                      <p:cBhvr>
+                                        <p:cTn id="6" dur="1" fill="hold">
+                                          <p:stCondLst>
+                                            <p:cond delay="0"/>
+                                          </p:stCondLst>
+                                        </p:cTn>
+                                        <p:tgtEl>
+                                          <p:spTgt spid="7">
+                                            <p:txEl>
+                                              <p:pRg st="0" end="0"/>
+                                            </p:txEl>
+                                          </p:spTgt>
+                                        </p:tgtEl>
+                                        <p:attrNameLst>
+                                          <p:attrName>style.visibility</p:attrName>
+                                        </p:attrNameLst>
+                                      </p:cBhvr>
+                                      <p:to>
+                                        <p:strVal val="visible"/>
+                                      </p:to>
+                                    </p:set>
+                                    <p:animEffect transition="in" filter="wipe(down)">
+                                      <p:cBhvr>
+                                        <p:cTn id="7" dur="580">
+                                          <p:stCondLst>
+                                            <p:cond delay="0"/>
+                                          </p:stCondLst>
+                                        </p:cTn>
+                                        <p:tgtEl>
+                                          <p:spTgt spid="7">
+                                            <p:txEl>
+                                              <p:pRg st="0" end="0"/>
+                                            </p:txEl>
+                                          </p:spTgt>
+                                        </p:tgtEl>
+                                      </p:cBhvr>
+                                    </p:animEffect>
+                                    <p:anim calcmode="lin" valueType="num">
+                                      <p:cBhvr>
+                                        <p:cTn id="8" dur="1822" tmFilter="0,0; 0.14,0.36; 0.43,0.73; 0.71,0.91; 1.0,1.0">
+                                          <p:stCondLst>
+                                            <p:cond delay="0"/>
+                                          </p:stCondLst>
+                                        </p:cTn>
+                                        <p:tgtEl>
+                                          <p:spTgt spid="7">
+                                            <p:txEl>
+                                              <p:pRg st="0" end="0"/>
+                                            </p:txEl>
+                                          </p:spTgt>
+                                        </p:tgtEl>
+                                        <p:attrNameLst>
+                                          <p:attrName>ppt_x</p:attrName>
+                                        </p:attrNameLst>
+                                      </p:cBhvr>
+                                      <p:tavLst>
+                                        <p:tav tm="0">
+                                          <p:val>
+                                            <p:strVal val="#ppt_x-0.25"/>
+                                          </p:val>
+                                        </p:tav>
+                                        <p:tav tm="100000">
+                                          <p:val>
+                                            <p:strVal val="#ppt_x"/>
+                                          </p:val>
+                                        </p:tav>
+                                      </p:tavLst>
+                                    </p:anim>
+                                    <p:anim calcmode="lin" valueType="num">
+                                      <p:cBhvr>
+                                        <p:cTn id="9" dur="664" tmFilter="0.0,0.0; 0.25,0.07; 0.50,0.2; 0.75,0.467; 1.0,1.0">
+                                          <p:stCondLst>
+                                            <p:cond delay="0"/>
+                                          </p:stCondLst>
+                                        </p:cTn>
+                                        <p:tgtEl>
+                                          <p:spTgt spid="7">
+                                            <p:txEl>
+                                              <p:pRg st="0" end="0"/>
+                                            </p:txEl>
+                                          </p:spTgt>
+                                        </p:tgtEl>
+                                        <p:attrNameLst>
+                                          <p:attrName>ppt_y</p:attrName>
+                                        </p:attrNameLst>
+                                      </p:cBhvr>
+                                      <p:tavLst>
+                                        <p:tav tm="0" fmla="#ppt_y-sin(pi*$)/3">
+                                          <p:val>
+                                            <p:fltVal val="0.5"/>
+                                          </p:val>
+                                        </p:tav>
+                                        <p:tav tm="100000">
+                                          <p:val>
+                                            <p:fltVal val="1"/>
+                                          </p:val>
+                                        </p:tav>
+                                      </p:tavLst>
+                                    </p:anim>
+                                    <p:anim calcmode="lin" valueType="num">
+                                      <p:cBhvr>
+                                        <p:cTn id="10" dur="664" tmFilter="0, 0; 0.125,0.2665; 0.25,0.4; 0.375,0.465; 0.5,0.5;  0.625,0.535; 0.75,0.6; 0.875,0.7335; 1,1">
+                                          <p:stCondLst>
+                                            <p:cond delay="664"/>
+                                          </p:stCondLst>
+                                        </p:cTn>
+                                        <p:tgtEl>
+                                          <p:spTgt spid="7">
+                                            <p:txEl>
+                                              <p:pRg st="0" end="0"/>
+                                            </p:txEl>
+                                          </p:spTgt>
+                                        </p:tgtEl>
+                                        <p:attrNameLst>
+                                          <p:attrName>ppt_y</p:attrName>
+                                        </p:attrNameLst>
+                                      </p:cBhvr>
+                                      <p:tavLst>
+                                        <p:tav tm="0" fmla="#ppt_y-sin(pi*$)/9">
+                                          <p:val>
+                                            <p:fltVal val="0"/>
+                                          </p:val>
+                                        </p:tav>
+                                        <p:tav tm="100000">
+                                          <p:val>
+                                            <p:fltVal val="1"/>
+                                          </p:val>
+                                        </p:tav>
+                                      </p:tavLst>
+                                    </p:anim>
+                                    <p:anim calcmode="lin" valueType="num">
+                                      <p:cBhvr>
+                                        <p:cTn id="11" dur="332" tmFilter="0, 0; 0.125,0.2665; 0.25,0.4; 0.375,0.465; 0.5,0.5;  0.625,0.535; 0.75,0.6; 0.875,0.7335; 1,1">
+                                          <p:stCondLst>
+                                            <p:cond delay="1324"/>
+                                          </p:stCondLst>
+                                        </p:cTn>
+                                        <p:tgtEl>
+                                          <p:spTgt spid="7">
+                                            <p:txEl>
+                                              <p:pRg st="0" end="0"/>
+                                            </p:txEl>
+                                          </p:spTgt>
+                                        </p:tgtEl>
+                                        <p:attrNameLst>
+                                          <p:attrName>ppt_y</p:attrName>
+                                        </p:attrNameLst>
+                                      </p:cBhvr>
+                                      <p:tavLst>
+                                        <p:tav tm="0" fmla="#ppt_y-sin(pi*$)/27">
+                                          <p:val>
+                                            <p:fltVal val="0"/>
+                                          </p:val>
+                                        </p:tav>
+                                        <p:tav tm="100000">
+                                          <p:val>
+                                            <p:fltVal val="1"/>
+                                          </p:val>
+                                        </p:tav>
+                                      </p:tavLst>
+                                    </p:anim>
+                                    <p:anim calcmode="lin" valueType="num">
+                                      <p:cBhvr>
+                                        <p:cTn id="12" dur="164" tmFilter="0, 0; 0.125,0.2665; 0.25,0.4; 0.375,0.465; 0.5,0.5;  0.625,0.535; 0.75,0.6; 0.875,0.7335; 1,1">
+                                          <p:stCondLst>
+                                            <p:cond delay="1656"/>
+                                          </p:stCondLst>
+                                        </p:cTn>
+                                        <p:tgtEl>
+                                          <p:spTgt spid="7">
+                                            <p:txEl>
+                                              <p:pRg st="0" end="0"/>
+                                            </p:txEl>
+                                          </p:spTgt>
+                                        </p:tgtEl>
+                                        <p:attrNameLst>
+                                          <p:attrName>ppt_y</p:attrName>
+                                        </p:attrNameLst>
+                                      </p:cBhvr>
+                                      <p:tavLst>
+                                        <p:tav tm="0" fmla="#ppt_y-sin(pi*$)/81">
+                                          <p:val>
+                                            <p:fltVal val="0"/>
+                                          </p:val>
+                                        </p:tav>
+                                        <p:tav tm="100000">
+                                          <p:val>
+                                            <p:fltVal val="1"/>
+                                          </p:val>
+                                        </p:tav>
+                                      </p:tavLst>
+                                    </p:anim>
+                                    <p:animScale>
+                                      <p:cBhvr>
+                                        <p:cTn id="13" dur="26">
+                                          <p:stCondLst>
+                                            <p:cond delay="650"/>
+                                          </p:stCondLst>
+                                        </p:cTn>
+                                        <p:tgtEl>
+                                          <p:spTgt spid="7">
+                                            <p:txEl>
+                                              <p:pRg st="0" end="0"/>
+                                            </p:txEl>
+                                          </p:spTgt>
+                                        </p:tgtEl>
+                                      </p:cBhvr>
+                                      <p:to x="100000" y="60000"/>
+                                    </p:animScale>
+                                    <p:animScale>
+                                      <p:cBhvr>
+                                        <p:cTn id="14" dur="166" decel="50000">
+                                          <p:stCondLst>
+                                            <p:cond delay="676"/>
+                                          </p:stCondLst>
+                                        </p:cTn>
+                                        <p:tgtEl>
+                                          <p:spTgt spid="7">
+                                            <p:txEl>
+                                              <p:pRg st="0" end="0"/>
+                                            </p:txEl>
+                                          </p:spTgt>
+                                        </p:tgtEl>
+                                      </p:cBhvr>
+                                      <p:to x="100000" y="100000"/>
+                                    </p:animScale>
+                                    <p:animScale>
+                                      <p:cBhvr>
+                                        <p:cTn id="15" dur="26">
+                                          <p:stCondLst>
+                                            <p:cond delay="1312"/>
+                                          </p:stCondLst>
+                                        </p:cTn>
+                                        <p:tgtEl>
+                                          <p:spTgt spid="7">
+                                            <p:txEl>
+                                              <p:pRg st="0" end="0"/>
+                                            </p:txEl>
+                                          </p:spTgt>
+                                        </p:tgtEl>
+                                      </p:cBhvr>
+                                      <p:to x="100000" y="80000"/>
+                                    </p:animScale>
+                                    <p:animScale>
+                                      <p:cBhvr>
+                                        <p:cTn id="16" dur="166" decel="50000">
+                                          <p:stCondLst>
+                                            <p:cond delay="1338"/>
+                                          </p:stCondLst>
+                                        </p:cTn>
+                                        <p:tgtEl>
+                                          <p:spTgt spid="7">
+                                            <p:txEl>
+                                              <p:pRg st="0" end="0"/>
+                                            </p:txEl>
+                                          </p:spTgt>
+                                        </p:tgtEl>
+                                      </p:cBhvr>
+                                      <p:to x="100000" y="100000"/>
+                                    </p:animScale>
+                                    <p:animScale>
+                                      <p:cBhvr>
+                                        <p:cTn id="17" dur="26">
+                                          <p:stCondLst>
+                                            <p:cond delay="1642"/>
+                                          </p:stCondLst>
+                                        </p:cTn>
+                                        <p:tgtEl>
+                                          <p:spTgt spid="7">
+                                            <p:txEl>
+                                              <p:pRg st="0" end="0"/>
+                                            </p:txEl>
+                                          </p:spTgt>
+                                        </p:tgtEl>
+                                      </p:cBhvr>
+                                      <p:to x="100000" y="90000"/>
+                                    </p:animScale>
+                                    <p:animScale>
+                                      <p:cBhvr>
+                                        <p:cTn id="18" dur="166" decel="50000">
+                                          <p:stCondLst>
+                                            <p:cond delay="1668"/>
+                                          </p:stCondLst>
+                                        </p:cTn>
+                                        <p:tgtEl>
+                                          <p:spTgt spid="7">
+                                            <p:txEl>
+                                              <p:pRg st="0" end="0"/>
+                                            </p:txEl>
+                                          </p:spTgt>
+                                        </p:tgtEl>
+                                      </p:cBhvr>
+                                      <p:to x="100000" y="100000"/>
+                                    </p:animScale>
+                                    <p:animScale>
+                                      <p:cBhvr>
+                                        <p:cTn id="19" dur="26">
+                                          <p:stCondLst>
+                                            <p:cond delay="1808"/>
+                                          </p:stCondLst>
+                                        </p:cTn>
+                                        <p:tgtEl>
+                                          <p:spTgt spid="7">
+                                            <p:txEl>
+                                              <p:pRg st="0" end="0"/>
+                                            </p:txEl>
+                                          </p:spTgt>
+                                        </p:tgtEl>
+                                      </p:cBhvr>
+                                      <p:to x="100000" y="95000"/>
+                                    </p:animScale>
+                                    <p:animScale>
+                                      <p:cBhvr>
+                                        <p:cTn id="20" dur="166" decel="50000">
+                                          <p:stCondLst>
+                                            <p:cond delay="1834"/>
+                                          </p:stCondLst>
+                                        </p:cTn>
+                                        <p:tgtEl>
+                                          <p:spTgt spid="7">
+                                            <p:txEl>
+                                              <p:pRg st="0" end="0"/>
+                                            </p:txEl>
+                                          </p:spTgt>
+                                        </p:tgtEl>
+                                      </p:cBhvr>
+                                      <p:to x="100000" y="100000"/>
+                                    </p:animScale>
+                                  </p:childTnLst>
+                                </p:cTn>
+                              </p:par>
+                            </p:childTnLst>
+                          </p:cTn>
+                        </p:par>
+                      </p:childTnLst>
+                    </p:cTn>
+                  </p:par>
+                </p:childTnLst>
+              </p:cTn>
+              <p:prevCondLst>
+                <p:cond evt="onPrev" delay="0">
+                  <p:tgtEl>
+                    <p:sldTgt/>
+                  </p:tgtEl>
+                </p:cond>
+              </p:prevCondLst>
+              <p:nextCondLst>
+                <p:cond evt="onNext" delay="0">
+                  <p:tgtEl>
+                    <p:sldTgt/>
+                  </p:tgtEl>
+                </p:cond>
+              </p:nextCondLst>
+            </p:seq>
+          </p:childTnLst>
+        </p:cTn>
+      </p:par>
+    </p:tnLst>
+  </p:timing>
+</p:sld>
+</file>
+
+<file path=ppt/slides/slide9.xml><?xml version="1.0" encoding="utf-8"?>
 <p:sld xmlns:a="http://schemas.openxmlformats.org/drawingml/2006/main" xmlns:r="http://schemas.openxmlformats.org/officeDocument/2006/relationships" xmlns:p="http://schemas.openxmlformats.org/presentationml/2006/main">
   <p:cSld>
     <p:spTree>
@@ -28883,1598 +31039,6 @@
 </p:sld>
 </file>
 
-<file path=ppt/slides/slide9.xml><?xml version="1.0" encoding="utf-8"?>
-<p:sld xmlns:a="http://schemas.openxmlformats.org/drawingml/2006/main" xmlns:r="http://schemas.openxmlformats.org/officeDocument/2006/relationships" xmlns:p="http://schemas.openxmlformats.org/presentationml/2006/main">
-  <p:cSld>
-    <p:spTree>
-      <p:nvGrpSpPr>
-        <p:cNvPr id="1" name=""/>
-        <p:cNvGrpSpPr/>
-        <p:nvPr/>
-      </p:nvGrpSpPr>
-      <p:grpSpPr>
-        <a:xfrm>
-          <a:off x="0" y="0"/>
-          <a:ext cx="0" cy="0"/>
-          <a:chOff x="0" y="0"/>
-          <a:chExt cx="0" cy="0"/>
-        </a:xfrm>
-      </p:grpSpPr>
-      <p:sp>
-        <p:nvSpPr>
-          <p:cNvPr id="2" name="Title 1"/>
-          <p:cNvSpPr>
-            <a:spLocks noGrp="1"/>
-          </p:cNvSpPr>
-          <p:nvPr>
-            <p:ph type="title"/>
-          </p:nvPr>
-        </p:nvSpPr>
-        <p:spPr>
-          <a:xfrm>
-            <a:off x="571472" y="428604"/>
-            <a:ext cx="8072494" cy="1416220"/>
-          </a:xfrm>
-        </p:spPr>
-        <p:txBody>
-          <a:bodyPr>
-            <a:normAutofit/>
-          </a:bodyPr>
-          <a:lstStyle/>
-          <a:p>
-            <a:pPr algn="ctr"/>
-            <a:r>
-              <a:rPr lang="es-AR" dirty="0"/>
-              <a:t>Soluciones implementadas</a:t>
-            </a:r>
-          </a:p>
-        </p:txBody>
-      </p:sp>
-      <p:pic>
-        <p:nvPicPr>
-          <p:cNvPr id="4" name="Picture 3" descr="1208185285896971921coredump_Glassy_WiFi_symbol.svg.hi-300x300"/>
-          <p:cNvPicPr>
-            <a:picLocks noChangeAspect="1" noChangeArrowheads="1"/>
-          </p:cNvPicPr>
-          <p:nvPr/>
-        </p:nvPicPr>
-        <p:blipFill>
-          <a:blip r:embed="rId3" cstate="print">
-            <a:extLst>
-              <a:ext uri="{28A0092B-C50C-407E-A947-70E740481C1C}">
-                <a14:useLocalDpi xmlns:a14="http://schemas.microsoft.com/office/drawing/2010/main" val="0"/>
-              </a:ext>
-            </a:extLst>
-          </a:blip>
-          <a:srcRect/>
-          <a:stretch>
-            <a:fillRect/>
-          </a:stretch>
-        </p:blipFill>
-        <p:spPr bwMode="auto">
-          <a:xfrm>
-            <a:off x="6982701" y="5689"/>
-            <a:ext cx="553244" cy="553244"/>
-          </a:xfrm>
-          <a:prstGeom prst="rect">
-            <a:avLst/>
-          </a:prstGeom>
-          <a:noFill/>
-          <a:extLst>
-            <a:ext uri="{909E8E84-426E-40DD-AFC4-6F175D3DCCD1}">
-              <a14:hiddenFill xmlns:a14="http://schemas.microsoft.com/office/drawing/2010/main">
-                <a:solidFill>
-                  <a:srgbClr val="FFFFFF"/>
-                </a:solidFill>
-              </a14:hiddenFill>
-            </a:ext>
-          </a:extLst>
-        </p:spPr>
-      </p:pic>
-      <p:pic>
-        <p:nvPicPr>
-          <p:cNvPr id="6" name="Picture 4" descr="http://www3.frrq.utn.edu.ar:8008/sysacadweb/utn.gif"/>
-          <p:cNvPicPr>
-            <a:picLocks noChangeAspect="1" noChangeArrowheads="1"/>
-          </p:cNvPicPr>
-          <p:nvPr/>
-        </p:nvPicPr>
-        <p:blipFill>
-          <a:blip r:embed="rId4" cstate="print">
-            <a:extLst>
-              <a:ext uri="{28A0092B-C50C-407E-A947-70E740481C1C}">
-                <a14:useLocalDpi xmlns:a14="http://schemas.microsoft.com/office/drawing/2010/main" val="0"/>
-              </a:ext>
-            </a:extLst>
-          </a:blip>
-          <a:srcRect/>
-          <a:stretch>
-            <a:fillRect/>
-          </a:stretch>
-        </p:blipFill>
-        <p:spPr bwMode="auto">
-          <a:xfrm>
-            <a:off x="5292080" y="39902"/>
-            <a:ext cx="435550" cy="519031"/>
-          </a:xfrm>
-          <a:prstGeom prst="rect">
-            <a:avLst/>
-          </a:prstGeom>
-          <a:noFill/>
-          <a:extLst>
-            <a:ext uri="{909E8E84-426E-40DD-AFC4-6F175D3DCCD1}">
-              <a14:hiddenFill xmlns:a14="http://schemas.microsoft.com/office/drawing/2010/main">
-                <a:solidFill>
-                  <a:srgbClr val="FFFFFF"/>
-                </a:solidFill>
-              </a14:hiddenFill>
-            </a:ext>
-          </a:extLst>
-        </p:spPr>
-      </p:pic>
-      <p:sp>
-        <p:nvSpPr>
-          <p:cNvPr id="7" name="Content Placeholder 2"/>
-          <p:cNvSpPr txBox="1">
-            <a:spLocks/>
-          </p:cNvSpPr>
-          <p:nvPr/>
-        </p:nvSpPr>
-        <p:spPr>
-          <a:xfrm>
-            <a:off x="683568" y="2323652"/>
-            <a:ext cx="7704856" cy="3913660"/>
-          </a:xfrm>
-          <a:prstGeom prst="rect">
-            <a:avLst/>
-          </a:prstGeom>
-        </p:spPr>
-        <p:txBody>
-          <a:bodyPr vert="horz" lIns="91440" tIns="45720" rIns="91440" bIns="45720" rtlCol="0">
-            <a:normAutofit/>
-          </a:bodyPr>
-          <a:lstStyle>
-            <a:lvl1pPr marL="342900" indent="-274320" algn="l" defTabSz="914400" rtl="0" eaLnBrk="1" latinLnBrk="0" hangingPunct="1">
-              <a:spcBef>
-                <a:spcPct val="20000"/>
-              </a:spcBef>
-              <a:buClr>
-                <a:schemeClr val="accent1"/>
-              </a:buClr>
-              <a:buSzPct val="76000"/>
-              <a:buFont typeface="Wingdings 2" pitchFamily="18" charset="2"/>
-              <a:buChar char=""/>
-              <a:defRPr sz="2400" kern="1200">
-                <a:solidFill>
-                  <a:schemeClr val="tx2"/>
-                </a:solidFill>
-                <a:latin typeface="+mn-lt"/>
-                <a:ea typeface="+mn-ea"/>
-                <a:cs typeface="+mn-cs"/>
-              </a:defRPr>
-            </a:lvl1pPr>
-            <a:lvl2pPr marL="640080" indent="-274320" algn="l" defTabSz="914400" rtl="0" eaLnBrk="1" latinLnBrk="0" hangingPunct="1">
-              <a:spcBef>
-                <a:spcPct val="20000"/>
-              </a:spcBef>
-              <a:buClr>
-                <a:schemeClr val="accent1"/>
-              </a:buClr>
-              <a:buSzPct val="76000"/>
-              <a:buFont typeface="Wingdings 2" pitchFamily="18" charset="2"/>
-              <a:buChar char=""/>
-              <a:defRPr sz="2200" kern="1200">
-                <a:solidFill>
-                  <a:schemeClr val="tx2"/>
-                </a:solidFill>
-                <a:latin typeface="+mn-lt"/>
-                <a:ea typeface="+mn-ea"/>
-                <a:cs typeface="+mn-cs"/>
-              </a:defRPr>
-            </a:lvl2pPr>
-            <a:lvl3pPr marL="914400" indent="-228600" algn="l" defTabSz="914400" rtl="0" eaLnBrk="1" latinLnBrk="0" hangingPunct="1">
-              <a:spcBef>
-                <a:spcPct val="20000"/>
-              </a:spcBef>
-              <a:buClr>
-                <a:schemeClr val="accent1"/>
-              </a:buClr>
-              <a:buSzPct val="76000"/>
-              <a:buFont typeface="Wingdings 2" pitchFamily="18" charset="2"/>
-              <a:buChar char=""/>
-              <a:defRPr sz="2000" kern="1200">
-                <a:solidFill>
-                  <a:schemeClr val="tx2"/>
-                </a:solidFill>
-                <a:latin typeface="+mn-lt"/>
-                <a:ea typeface="+mn-ea"/>
-                <a:cs typeface="+mn-cs"/>
-              </a:defRPr>
-            </a:lvl3pPr>
-            <a:lvl4pPr marL="1124712" indent="-228600" algn="l" defTabSz="914400" rtl="0" eaLnBrk="1" latinLnBrk="0" hangingPunct="1">
-              <a:spcBef>
-                <a:spcPct val="20000"/>
-              </a:spcBef>
-              <a:buClr>
-                <a:schemeClr val="accent1"/>
-              </a:buClr>
-              <a:buSzPct val="76000"/>
-              <a:buFont typeface="Wingdings 2" pitchFamily="18" charset="2"/>
-              <a:buChar char=""/>
-              <a:defRPr sz="1800" kern="1200">
-                <a:solidFill>
-                  <a:schemeClr val="tx2"/>
-                </a:solidFill>
-                <a:latin typeface="+mn-lt"/>
-                <a:ea typeface="+mn-ea"/>
-                <a:cs typeface="+mn-cs"/>
-              </a:defRPr>
-            </a:lvl4pPr>
-            <a:lvl5pPr marL="1325880" indent="-228600" algn="l" defTabSz="914400" rtl="0" eaLnBrk="1" latinLnBrk="0" hangingPunct="1">
-              <a:spcBef>
-                <a:spcPct val="20000"/>
-              </a:spcBef>
-              <a:buClr>
-                <a:schemeClr val="accent1"/>
-              </a:buClr>
-              <a:buSzPct val="76000"/>
-              <a:buFont typeface="Wingdings 2" pitchFamily="18" charset="2"/>
-              <a:buChar char=""/>
-              <a:defRPr sz="1600" kern="1200" baseline="0">
-                <a:solidFill>
-                  <a:schemeClr val="tx2"/>
-                </a:solidFill>
-                <a:latin typeface="+mn-lt"/>
-                <a:ea typeface="+mn-ea"/>
-                <a:cs typeface="+mn-cs"/>
-              </a:defRPr>
-            </a:lvl5pPr>
-            <a:lvl6pPr marL="1517904" indent="-228600" algn="l" defTabSz="914400" rtl="0" eaLnBrk="1" latinLnBrk="0" hangingPunct="1">
-              <a:spcBef>
-                <a:spcPct val="20000"/>
-              </a:spcBef>
-              <a:buClr>
-                <a:schemeClr val="accent1"/>
-              </a:buClr>
-              <a:buSzPct val="76000"/>
-              <a:buFont typeface="Wingdings 2" pitchFamily="18" charset="2"/>
-              <a:buChar char=""/>
-              <a:defRPr sz="1400" kern="1200">
-                <a:solidFill>
-                  <a:schemeClr val="tx2"/>
-                </a:solidFill>
-                <a:latin typeface="+mn-lt"/>
-                <a:ea typeface="+mn-ea"/>
-                <a:cs typeface="+mn-cs"/>
-              </a:defRPr>
-            </a:lvl6pPr>
-            <a:lvl7pPr marL="1719072" indent="-228600" algn="l" defTabSz="914400" rtl="0" eaLnBrk="1" latinLnBrk="0" hangingPunct="1">
-              <a:spcBef>
-                <a:spcPct val="20000"/>
-              </a:spcBef>
-              <a:buClr>
-                <a:schemeClr val="accent1"/>
-              </a:buClr>
-              <a:buSzPct val="76000"/>
-              <a:buFont typeface="Wingdings 2" pitchFamily="18" charset="2"/>
-              <a:buChar char=""/>
-              <a:defRPr sz="1400" kern="1200">
-                <a:solidFill>
-                  <a:schemeClr val="tx2"/>
-                </a:solidFill>
-                <a:latin typeface="+mn-lt"/>
-                <a:ea typeface="+mn-ea"/>
-                <a:cs typeface="+mn-cs"/>
-              </a:defRPr>
-            </a:lvl7pPr>
-            <a:lvl8pPr marL="1920240" indent="-228600" algn="l" defTabSz="914400" rtl="0" eaLnBrk="1" latinLnBrk="0" hangingPunct="1">
-              <a:spcBef>
-                <a:spcPct val="20000"/>
-              </a:spcBef>
-              <a:buClr>
-                <a:schemeClr val="accent1"/>
-              </a:buClr>
-              <a:buSzPct val="76000"/>
-              <a:buFont typeface="Wingdings 2" pitchFamily="18" charset="2"/>
-              <a:buChar char=""/>
-              <a:defRPr sz="1400" kern="1200">
-                <a:solidFill>
-                  <a:schemeClr val="tx2"/>
-                </a:solidFill>
-                <a:latin typeface="+mn-lt"/>
-                <a:ea typeface="+mn-ea"/>
-                <a:cs typeface="+mn-cs"/>
-              </a:defRPr>
-            </a:lvl8pPr>
-            <a:lvl9pPr marL="2121408" indent="-228600" algn="l" defTabSz="914400" rtl="0" eaLnBrk="1" latinLnBrk="0" hangingPunct="1">
-              <a:spcBef>
-                <a:spcPct val="20000"/>
-              </a:spcBef>
-              <a:buClr>
-                <a:schemeClr val="accent1"/>
-              </a:buClr>
-              <a:buSzPct val="76000"/>
-              <a:buFont typeface="Wingdings 2" pitchFamily="18" charset="2"/>
-              <a:buChar char=""/>
-              <a:defRPr sz="1400" kern="1200">
-                <a:solidFill>
-                  <a:schemeClr val="tx2"/>
-                </a:solidFill>
-                <a:latin typeface="+mn-lt"/>
-                <a:ea typeface="+mn-ea"/>
-                <a:cs typeface="+mn-cs"/>
-              </a:defRPr>
-            </a:lvl9pPr>
-          </a:lstStyle>
-          <a:p>
-            <a:pPr>
-              <a:spcAft>
-                <a:spcPts val="1200"/>
-              </a:spcAft>
-            </a:pPr>
-            <a:endParaRPr lang="en-US" dirty="0"/>
-          </a:p>
-        </p:txBody>
-      </p:sp>
-      <p:sp>
-        <p:nvSpPr>
-          <p:cNvPr id="9" name="Content Placeholder 2"/>
-          <p:cNvSpPr txBox="1">
-            <a:spLocks/>
-          </p:cNvSpPr>
-          <p:nvPr/>
-        </p:nvSpPr>
-        <p:spPr>
-          <a:xfrm>
-            <a:off x="683568" y="2323652"/>
-            <a:ext cx="7704856" cy="3913660"/>
-          </a:xfrm>
-          <a:prstGeom prst="rect">
-            <a:avLst/>
-          </a:prstGeom>
-        </p:spPr>
-        <p:txBody>
-          <a:bodyPr vert="horz" lIns="91440" tIns="45720" rIns="91440" bIns="45720" rtlCol="0">
-            <a:normAutofit/>
-          </a:bodyPr>
-          <a:lstStyle>
-            <a:lvl1pPr marL="342900" indent="-274320" algn="l" defTabSz="914400" rtl="0" eaLnBrk="1" latinLnBrk="0" hangingPunct="1">
-              <a:spcBef>
-                <a:spcPct val="20000"/>
-              </a:spcBef>
-              <a:buClr>
-                <a:schemeClr val="accent1"/>
-              </a:buClr>
-              <a:buSzPct val="76000"/>
-              <a:buFont typeface="Wingdings 2" pitchFamily="18" charset="2"/>
-              <a:buChar char=""/>
-              <a:defRPr sz="2400" kern="1200">
-                <a:solidFill>
-                  <a:schemeClr val="tx2"/>
-                </a:solidFill>
-                <a:latin typeface="+mn-lt"/>
-                <a:ea typeface="+mn-ea"/>
-                <a:cs typeface="+mn-cs"/>
-              </a:defRPr>
-            </a:lvl1pPr>
-            <a:lvl2pPr marL="640080" indent="-274320" algn="l" defTabSz="914400" rtl="0" eaLnBrk="1" latinLnBrk="0" hangingPunct="1">
-              <a:spcBef>
-                <a:spcPct val="20000"/>
-              </a:spcBef>
-              <a:buClr>
-                <a:schemeClr val="accent1"/>
-              </a:buClr>
-              <a:buSzPct val="76000"/>
-              <a:buFont typeface="Wingdings 2" pitchFamily="18" charset="2"/>
-              <a:buChar char=""/>
-              <a:defRPr sz="2200" kern="1200">
-                <a:solidFill>
-                  <a:schemeClr val="tx2"/>
-                </a:solidFill>
-                <a:latin typeface="+mn-lt"/>
-                <a:ea typeface="+mn-ea"/>
-                <a:cs typeface="+mn-cs"/>
-              </a:defRPr>
-            </a:lvl2pPr>
-            <a:lvl3pPr marL="914400" indent="-228600" algn="l" defTabSz="914400" rtl="0" eaLnBrk="1" latinLnBrk="0" hangingPunct="1">
-              <a:spcBef>
-                <a:spcPct val="20000"/>
-              </a:spcBef>
-              <a:buClr>
-                <a:schemeClr val="accent1"/>
-              </a:buClr>
-              <a:buSzPct val="76000"/>
-              <a:buFont typeface="Wingdings 2" pitchFamily="18" charset="2"/>
-              <a:buChar char=""/>
-              <a:defRPr sz="2000" kern="1200">
-                <a:solidFill>
-                  <a:schemeClr val="tx2"/>
-                </a:solidFill>
-                <a:latin typeface="+mn-lt"/>
-                <a:ea typeface="+mn-ea"/>
-                <a:cs typeface="+mn-cs"/>
-              </a:defRPr>
-            </a:lvl3pPr>
-            <a:lvl4pPr marL="1124712" indent="-228600" algn="l" defTabSz="914400" rtl="0" eaLnBrk="1" latinLnBrk="0" hangingPunct="1">
-              <a:spcBef>
-                <a:spcPct val="20000"/>
-              </a:spcBef>
-              <a:buClr>
-                <a:schemeClr val="accent1"/>
-              </a:buClr>
-              <a:buSzPct val="76000"/>
-              <a:buFont typeface="Wingdings 2" pitchFamily="18" charset="2"/>
-              <a:buChar char=""/>
-              <a:defRPr sz="1800" kern="1200">
-                <a:solidFill>
-                  <a:schemeClr val="tx2"/>
-                </a:solidFill>
-                <a:latin typeface="+mn-lt"/>
-                <a:ea typeface="+mn-ea"/>
-                <a:cs typeface="+mn-cs"/>
-              </a:defRPr>
-            </a:lvl4pPr>
-            <a:lvl5pPr marL="1325880" indent="-228600" algn="l" defTabSz="914400" rtl="0" eaLnBrk="1" latinLnBrk="0" hangingPunct="1">
-              <a:spcBef>
-                <a:spcPct val="20000"/>
-              </a:spcBef>
-              <a:buClr>
-                <a:schemeClr val="accent1"/>
-              </a:buClr>
-              <a:buSzPct val="76000"/>
-              <a:buFont typeface="Wingdings 2" pitchFamily="18" charset="2"/>
-              <a:buChar char=""/>
-              <a:defRPr sz="1600" kern="1200" baseline="0">
-                <a:solidFill>
-                  <a:schemeClr val="tx2"/>
-                </a:solidFill>
-                <a:latin typeface="+mn-lt"/>
-                <a:ea typeface="+mn-ea"/>
-                <a:cs typeface="+mn-cs"/>
-              </a:defRPr>
-            </a:lvl5pPr>
-            <a:lvl6pPr marL="1517904" indent="-228600" algn="l" defTabSz="914400" rtl="0" eaLnBrk="1" latinLnBrk="0" hangingPunct="1">
-              <a:spcBef>
-                <a:spcPct val="20000"/>
-              </a:spcBef>
-              <a:buClr>
-                <a:schemeClr val="accent1"/>
-              </a:buClr>
-              <a:buSzPct val="76000"/>
-              <a:buFont typeface="Wingdings 2" pitchFamily="18" charset="2"/>
-              <a:buChar char=""/>
-              <a:defRPr sz="1400" kern="1200">
-                <a:solidFill>
-                  <a:schemeClr val="tx2"/>
-                </a:solidFill>
-                <a:latin typeface="+mn-lt"/>
-                <a:ea typeface="+mn-ea"/>
-                <a:cs typeface="+mn-cs"/>
-              </a:defRPr>
-            </a:lvl6pPr>
-            <a:lvl7pPr marL="1719072" indent="-228600" algn="l" defTabSz="914400" rtl="0" eaLnBrk="1" latinLnBrk="0" hangingPunct="1">
-              <a:spcBef>
-                <a:spcPct val="20000"/>
-              </a:spcBef>
-              <a:buClr>
-                <a:schemeClr val="accent1"/>
-              </a:buClr>
-              <a:buSzPct val="76000"/>
-              <a:buFont typeface="Wingdings 2" pitchFamily="18" charset="2"/>
-              <a:buChar char=""/>
-              <a:defRPr sz="1400" kern="1200">
-                <a:solidFill>
-                  <a:schemeClr val="tx2"/>
-                </a:solidFill>
-                <a:latin typeface="+mn-lt"/>
-                <a:ea typeface="+mn-ea"/>
-                <a:cs typeface="+mn-cs"/>
-              </a:defRPr>
-            </a:lvl7pPr>
-            <a:lvl8pPr marL="1920240" indent="-228600" algn="l" defTabSz="914400" rtl="0" eaLnBrk="1" latinLnBrk="0" hangingPunct="1">
-              <a:spcBef>
-                <a:spcPct val="20000"/>
-              </a:spcBef>
-              <a:buClr>
-                <a:schemeClr val="accent1"/>
-              </a:buClr>
-              <a:buSzPct val="76000"/>
-              <a:buFont typeface="Wingdings 2" pitchFamily="18" charset="2"/>
-              <a:buChar char=""/>
-              <a:defRPr sz="1400" kern="1200">
-                <a:solidFill>
-                  <a:schemeClr val="tx2"/>
-                </a:solidFill>
-                <a:latin typeface="+mn-lt"/>
-                <a:ea typeface="+mn-ea"/>
-                <a:cs typeface="+mn-cs"/>
-              </a:defRPr>
-            </a:lvl8pPr>
-            <a:lvl9pPr marL="2121408" indent="-228600" algn="l" defTabSz="914400" rtl="0" eaLnBrk="1" latinLnBrk="0" hangingPunct="1">
-              <a:spcBef>
-                <a:spcPct val="20000"/>
-              </a:spcBef>
-              <a:buClr>
-                <a:schemeClr val="accent1"/>
-              </a:buClr>
-              <a:buSzPct val="76000"/>
-              <a:buFont typeface="Wingdings 2" pitchFamily="18" charset="2"/>
-              <a:buChar char=""/>
-              <a:defRPr sz="1400" kern="1200">
-                <a:solidFill>
-                  <a:schemeClr val="tx2"/>
-                </a:solidFill>
-                <a:latin typeface="+mn-lt"/>
-                <a:ea typeface="+mn-ea"/>
-                <a:cs typeface="+mn-cs"/>
-              </a:defRPr>
-            </a:lvl9pPr>
-          </a:lstStyle>
-          <a:p>
-            <a:pPr>
-              <a:spcAft>
-                <a:spcPts val="1200"/>
-              </a:spcAft>
-            </a:pPr>
-            <a:endParaRPr lang="en-US" dirty="0"/>
-          </a:p>
-        </p:txBody>
-      </p:sp>
-      <p:sp>
-        <p:nvSpPr>
-          <p:cNvPr id="11" name="Content Placeholder 2"/>
-          <p:cNvSpPr txBox="1">
-            <a:spLocks/>
-          </p:cNvSpPr>
-          <p:nvPr/>
-        </p:nvSpPr>
-        <p:spPr>
-          <a:xfrm>
-            <a:off x="714348" y="2214554"/>
-            <a:ext cx="7704856" cy="3913660"/>
-          </a:xfrm>
-          <a:prstGeom prst="rect">
-            <a:avLst/>
-          </a:prstGeom>
-        </p:spPr>
-        <p:txBody>
-          <a:bodyPr vert="horz" lIns="91440" tIns="45720" rIns="91440" bIns="45720" rtlCol="0">
-            <a:normAutofit lnSpcReduction="10000"/>
-          </a:bodyPr>
-          <a:lstStyle>
-            <a:lvl1pPr marL="342900" indent="-274320" algn="l" defTabSz="914400" rtl="0" eaLnBrk="1" latinLnBrk="0" hangingPunct="1">
-              <a:spcBef>
-                <a:spcPct val="20000"/>
-              </a:spcBef>
-              <a:buClr>
-                <a:schemeClr val="accent1"/>
-              </a:buClr>
-              <a:buSzPct val="76000"/>
-              <a:buFont typeface="Wingdings 2" pitchFamily="18" charset="2"/>
-              <a:buChar char=""/>
-              <a:defRPr sz="2400" kern="1200">
-                <a:solidFill>
-                  <a:schemeClr val="tx2"/>
-                </a:solidFill>
-                <a:latin typeface="+mn-lt"/>
-                <a:ea typeface="+mn-ea"/>
-                <a:cs typeface="+mn-cs"/>
-              </a:defRPr>
-            </a:lvl1pPr>
-            <a:lvl2pPr marL="640080" indent="-274320" algn="l" defTabSz="914400" rtl="0" eaLnBrk="1" latinLnBrk="0" hangingPunct="1">
-              <a:spcBef>
-                <a:spcPct val="20000"/>
-              </a:spcBef>
-              <a:buClr>
-                <a:schemeClr val="accent1"/>
-              </a:buClr>
-              <a:buSzPct val="76000"/>
-              <a:buFont typeface="Wingdings 2" pitchFamily="18" charset="2"/>
-              <a:buChar char=""/>
-              <a:defRPr sz="2200" kern="1200">
-                <a:solidFill>
-                  <a:schemeClr val="tx2"/>
-                </a:solidFill>
-                <a:latin typeface="+mn-lt"/>
-                <a:ea typeface="+mn-ea"/>
-                <a:cs typeface="+mn-cs"/>
-              </a:defRPr>
-            </a:lvl2pPr>
-            <a:lvl3pPr marL="914400" indent="-228600" algn="l" defTabSz="914400" rtl="0" eaLnBrk="1" latinLnBrk="0" hangingPunct="1">
-              <a:spcBef>
-                <a:spcPct val="20000"/>
-              </a:spcBef>
-              <a:buClr>
-                <a:schemeClr val="accent1"/>
-              </a:buClr>
-              <a:buSzPct val="76000"/>
-              <a:buFont typeface="Wingdings 2" pitchFamily="18" charset="2"/>
-              <a:buChar char=""/>
-              <a:defRPr sz="2000" kern="1200">
-                <a:solidFill>
-                  <a:schemeClr val="tx2"/>
-                </a:solidFill>
-                <a:latin typeface="+mn-lt"/>
-                <a:ea typeface="+mn-ea"/>
-                <a:cs typeface="+mn-cs"/>
-              </a:defRPr>
-            </a:lvl3pPr>
-            <a:lvl4pPr marL="1124712" indent="-228600" algn="l" defTabSz="914400" rtl="0" eaLnBrk="1" latinLnBrk="0" hangingPunct="1">
-              <a:spcBef>
-                <a:spcPct val="20000"/>
-              </a:spcBef>
-              <a:buClr>
-                <a:schemeClr val="accent1"/>
-              </a:buClr>
-              <a:buSzPct val="76000"/>
-              <a:buFont typeface="Wingdings 2" pitchFamily="18" charset="2"/>
-              <a:buChar char=""/>
-              <a:defRPr sz="1800" kern="1200">
-                <a:solidFill>
-                  <a:schemeClr val="tx2"/>
-                </a:solidFill>
-                <a:latin typeface="+mn-lt"/>
-                <a:ea typeface="+mn-ea"/>
-                <a:cs typeface="+mn-cs"/>
-              </a:defRPr>
-            </a:lvl4pPr>
-            <a:lvl5pPr marL="1325880" indent="-228600" algn="l" defTabSz="914400" rtl="0" eaLnBrk="1" latinLnBrk="0" hangingPunct="1">
-              <a:spcBef>
-                <a:spcPct val="20000"/>
-              </a:spcBef>
-              <a:buClr>
-                <a:schemeClr val="accent1"/>
-              </a:buClr>
-              <a:buSzPct val="76000"/>
-              <a:buFont typeface="Wingdings 2" pitchFamily="18" charset="2"/>
-              <a:buChar char=""/>
-              <a:defRPr sz="1600" kern="1200" baseline="0">
-                <a:solidFill>
-                  <a:schemeClr val="tx2"/>
-                </a:solidFill>
-                <a:latin typeface="+mn-lt"/>
-                <a:ea typeface="+mn-ea"/>
-                <a:cs typeface="+mn-cs"/>
-              </a:defRPr>
-            </a:lvl5pPr>
-            <a:lvl6pPr marL="1517904" indent="-228600" algn="l" defTabSz="914400" rtl="0" eaLnBrk="1" latinLnBrk="0" hangingPunct="1">
-              <a:spcBef>
-                <a:spcPct val="20000"/>
-              </a:spcBef>
-              <a:buClr>
-                <a:schemeClr val="accent1"/>
-              </a:buClr>
-              <a:buSzPct val="76000"/>
-              <a:buFont typeface="Wingdings 2" pitchFamily="18" charset="2"/>
-              <a:buChar char=""/>
-              <a:defRPr sz="1400" kern="1200">
-                <a:solidFill>
-                  <a:schemeClr val="tx2"/>
-                </a:solidFill>
-                <a:latin typeface="+mn-lt"/>
-                <a:ea typeface="+mn-ea"/>
-                <a:cs typeface="+mn-cs"/>
-              </a:defRPr>
-            </a:lvl6pPr>
-            <a:lvl7pPr marL="1719072" indent="-228600" algn="l" defTabSz="914400" rtl="0" eaLnBrk="1" latinLnBrk="0" hangingPunct="1">
-              <a:spcBef>
-                <a:spcPct val="20000"/>
-              </a:spcBef>
-              <a:buClr>
-                <a:schemeClr val="accent1"/>
-              </a:buClr>
-              <a:buSzPct val="76000"/>
-              <a:buFont typeface="Wingdings 2" pitchFamily="18" charset="2"/>
-              <a:buChar char=""/>
-              <a:defRPr sz="1400" kern="1200">
-                <a:solidFill>
-                  <a:schemeClr val="tx2"/>
-                </a:solidFill>
-                <a:latin typeface="+mn-lt"/>
-                <a:ea typeface="+mn-ea"/>
-                <a:cs typeface="+mn-cs"/>
-              </a:defRPr>
-            </a:lvl7pPr>
-            <a:lvl8pPr marL="1920240" indent="-228600" algn="l" defTabSz="914400" rtl="0" eaLnBrk="1" latinLnBrk="0" hangingPunct="1">
-              <a:spcBef>
-                <a:spcPct val="20000"/>
-              </a:spcBef>
-              <a:buClr>
-                <a:schemeClr val="accent1"/>
-              </a:buClr>
-              <a:buSzPct val="76000"/>
-              <a:buFont typeface="Wingdings 2" pitchFamily="18" charset="2"/>
-              <a:buChar char=""/>
-              <a:defRPr sz="1400" kern="1200">
-                <a:solidFill>
-                  <a:schemeClr val="tx2"/>
-                </a:solidFill>
-                <a:latin typeface="+mn-lt"/>
-                <a:ea typeface="+mn-ea"/>
-                <a:cs typeface="+mn-cs"/>
-              </a:defRPr>
-            </a:lvl8pPr>
-            <a:lvl9pPr marL="2121408" indent="-228600" algn="l" defTabSz="914400" rtl="0" eaLnBrk="1" latinLnBrk="0" hangingPunct="1">
-              <a:spcBef>
-                <a:spcPct val="20000"/>
-              </a:spcBef>
-              <a:buClr>
-                <a:schemeClr val="accent1"/>
-              </a:buClr>
-              <a:buSzPct val="76000"/>
-              <a:buFont typeface="Wingdings 2" pitchFamily="18" charset="2"/>
-              <a:buChar char=""/>
-              <a:defRPr sz="1400" kern="1200">
-                <a:solidFill>
-                  <a:schemeClr val="tx2"/>
-                </a:solidFill>
-                <a:latin typeface="+mn-lt"/>
-                <a:ea typeface="+mn-ea"/>
-                <a:cs typeface="+mn-cs"/>
-              </a:defRPr>
-            </a:lvl9pPr>
-          </a:lstStyle>
-          <a:p>
-            <a:pPr marL="342900" lvl="1"/>
-            <a:r>
-              <a:rPr lang="es-AR" sz="2800" dirty="0"/>
-              <a:t>Necesidad de mayor control de las cuadrillas.</a:t>
-            </a:r>
-          </a:p>
-          <a:p>
-            <a:pPr marL="114300" indent="0"/>
-            <a:endParaRPr lang="es-ES" dirty="0" smtClean="0"/>
-          </a:p>
-          <a:p>
-            <a:pPr marL="114300" indent="0"/>
-            <a:r>
-              <a:rPr lang="es-ES" dirty="0" err="1" smtClean="0">
-                <a:solidFill>
-                  <a:srgbClr val="FF0000"/>
-                </a:solidFill>
-              </a:rPr>
-              <a:t>Aca</a:t>
-            </a:r>
-            <a:r>
-              <a:rPr lang="es-ES" dirty="0" smtClean="0">
-                <a:solidFill>
-                  <a:srgbClr val="FF0000"/>
-                </a:solidFill>
-              </a:rPr>
-              <a:t> mostrar como el sistema nos permite llevar el control de pagos y </a:t>
-            </a:r>
-            <a:r>
-              <a:rPr lang="es-ES" dirty="0" err="1" smtClean="0">
-                <a:solidFill>
-                  <a:srgbClr val="FF0000"/>
-                </a:solidFill>
-              </a:rPr>
-              <a:t>viaticos</a:t>
-            </a:r>
-            <a:r>
-              <a:rPr lang="es-ES" dirty="0" smtClean="0">
-                <a:solidFill>
-                  <a:srgbClr val="FF0000"/>
-                </a:solidFill>
-              </a:rPr>
-              <a:t> otorgados a cada cuadrilla, verificar el cumplimiento de plazos, que anexen los documentos necesarios, </a:t>
-            </a:r>
-            <a:r>
-              <a:rPr lang="es-ES" dirty="0" err="1" smtClean="0">
-                <a:solidFill>
-                  <a:srgbClr val="FF0000"/>
-                </a:solidFill>
-              </a:rPr>
-              <a:t>etc</a:t>
-            </a:r>
-            <a:endParaRPr lang="es-ES" dirty="0" smtClean="0">
-              <a:solidFill>
-                <a:srgbClr val="FF0000"/>
-              </a:solidFill>
-            </a:endParaRPr>
-          </a:p>
-          <a:p>
-            <a:pPr marL="114300" indent="0"/>
-            <a:r>
-              <a:rPr lang="es-ES" dirty="0" smtClean="0">
-                <a:solidFill>
-                  <a:srgbClr val="FF0000"/>
-                </a:solidFill>
-              </a:rPr>
-              <a:t>TB MOSTRAR TODA LA PARTE MOBILE INDICANDO LA MEJORA EN EL CONTROL DE LOS TIEMPOS QUE SUPONE</a:t>
-            </a:r>
-            <a:endParaRPr lang="es-AR" dirty="0" smtClean="0">
-              <a:solidFill>
-                <a:srgbClr val="FF0000"/>
-              </a:solidFill>
-            </a:endParaRPr>
-          </a:p>
-          <a:p>
-            <a:pPr marL="114300" indent="0"/>
-            <a:endParaRPr lang="es-AR" dirty="0" smtClean="0"/>
-          </a:p>
-          <a:p>
-            <a:pPr marL="114300" indent="0"/>
-            <a:endParaRPr lang="es-AR" dirty="0" smtClean="0"/>
-          </a:p>
-          <a:p>
-            <a:pPr>
-              <a:spcAft>
-                <a:spcPts val="1200"/>
-              </a:spcAft>
-            </a:pPr>
-            <a:endParaRPr lang="en-US" dirty="0"/>
-          </a:p>
-        </p:txBody>
-      </p:sp>
-    </p:spTree>
-    <p:extLst>
-      <p:ext uri="{BB962C8B-B14F-4D97-AF65-F5344CB8AC3E}">
-        <p14:creationId xmlns:p14="http://schemas.microsoft.com/office/powerpoint/2010/main" val="3693362975"/>
-      </p:ext>
-    </p:extLst>
-  </p:cSld>
-  <p:clrMapOvr>
-    <a:masterClrMapping/>
-  </p:clrMapOvr>
-  <p:transition spd="slow">
-    <p:cover/>
-  </p:transition>
-  <p:timing>
-    <p:tnLst>
-      <p:par>
-        <p:cTn id="1" dur="indefinite" restart="never" nodeType="tmRoot">
-          <p:childTnLst>
-            <p:seq concurrent="1" nextAc="seek">
-              <p:cTn id="2" dur="indefinite" nodeType="mainSeq">
-                <p:childTnLst>
-                  <p:par>
-                    <p:cTn id="3" fill="hold">
-                      <p:stCondLst>
-                        <p:cond delay="indefinite"/>
-                      </p:stCondLst>
-                      <p:childTnLst>
-                        <p:par>
-                          <p:cTn id="4" fill="hold">
-                            <p:stCondLst>
-                              <p:cond delay="0"/>
-                            </p:stCondLst>
-                            <p:childTnLst>
-                              <p:par>
-                                <p:cTn id="5" presetID="26" presetClass="entr" presetSubtype="0" fill="hold" nodeType="clickEffect" nodePh="1">
-                                  <p:stCondLst>
-                                    <p:cond delay="0"/>
-                                  </p:stCondLst>
-                                  <p:endCondLst>
-                                    <p:cond evt="begin" delay="0">
-                                      <p:tn val="5"/>
-                                    </p:cond>
-                                  </p:endCondLst>
-                                  <p:childTnLst>
-                                    <p:set>
-                                      <p:cBhvr>
-                                        <p:cTn id="6" dur="1" fill="hold">
-                                          <p:stCondLst>
-                                            <p:cond delay="0"/>
-                                          </p:stCondLst>
-                                        </p:cTn>
-                                        <p:tgtEl>
-                                          <p:spTgt spid="7">
-                                            <p:txEl>
-                                              <p:pRg st="0" end="0"/>
-                                            </p:txEl>
-                                          </p:spTgt>
-                                        </p:tgtEl>
-                                        <p:attrNameLst>
-                                          <p:attrName>style.visibility</p:attrName>
-                                        </p:attrNameLst>
-                                      </p:cBhvr>
-                                      <p:to>
-                                        <p:strVal val="visible"/>
-                                      </p:to>
-                                    </p:set>
-                                    <p:animEffect transition="in" filter="wipe(down)">
-                                      <p:cBhvr>
-                                        <p:cTn id="7" dur="580">
-                                          <p:stCondLst>
-                                            <p:cond delay="0"/>
-                                          </p:stCondLst>
-                                        </p:cTn>
-                                        <p:tgtEl>
-                                          <p:spTgt spid="7">
-                                            <p:txEl>
-                                              <p:pRg st="0" end="0"/>
-                                            </p:txEl>
-                                          </p:spTgt>
-                                        </p:tgtEl>
-                                      </p:cBhvr>
-                                    </p:animEffect>
-                                    <p:anim calcmode="lin" valueType="num">
-                                      <p:cBhvr>
-                                        <p:cTn id="8" dur="1822" tmFilter="0,0; 0.14,0.36; 0.43,0.73; 0.71,0.91; 1.0,1.0">
-                                          <p:stCondLst>
-                                            <p:cond delay="0"/>
-                                          </p:stCondLst>
-                                        </p:cTn>
-                                        <p:tgtEl>
-                                          <p:spTgt spid="7">
-                                            <p:txEl>
-                                              <p:pRg st="0" end="0"/>
-                                            </p:txEl>
-                                          </p:spTgt>
-                                        </p:tgtEl>
-                                        <p:attrNameLst>
-                                          <p:attrName>ppt_x</p:attrName>
-                                        </p:attrNameLst>
-                                      </p:cBhvr>
-                                      <p:tavLst>
-                                        <p:tav tm="0">
-                                          <p:val>
-                                            <p:strVal val="#ppt_x-0.25"/>
-                                          </p:val>
-                                        </p:tav>
-                                        <p:tav tm="100000">
-                                          <p:val>
-                                            <p:strVal val="#ppt_x"/>
-                                          </p:val>
-                                        </p:tav>
-                                      </p:tavLst>
-                                    </p:anim>
-                                    <p:anim calcmode="lin" valueType="num">
-                                      <p:cBhvr>
-                                        <p:cTn id="9" dur="664" tmFilter="0.0,0.0; 0.25,0.07; 0.50,0.2; 0.75,0.467; 1.0,1.0">
-                                          <p:stCondLst>
-                                            <p:cond delay="0"/>
-                                          </p:stCondLst>
-                                        </p:cTn>
-                                        <p:tgtEl>
-                                          <p:spTgt spid="7">
-                                            <p:txEl>
-                                              <p:pRg st="0" end="0"/>
-                                            </p:txEl>
-                                          </p:spTgt>
-                                        </p:tgtEl>
-                                        <p:attrNameLst>
-                                          <p:attrName>ppt_y</p:attrName>
-                                        </p:attrNameLst>
-                                      </p:cBhvr>
-                                      <p:tavLst>
-                                        <p:tav tm="0" fmla="#ppt_y-sin(pi*$)/3">
-                                          <p:val>
-                                            <p:fltVal val="0.5"/>
-                                          </p:val>
-                                        </p:tav>
-                                        <p:tav tm="100000">
-                                          <p:val>
-                                            <p:fltVal val="1"/>
-                                          </p:val>
-                                        </p:tav>
-                                      </p:tavLst>
-                                    </p:anim>
-                                    <p:anim calcmode="lin" valueType="num">
-                                      <p:cBhvr>
-                                        <p:cTn id="10" dur="664" tmFilter="0, 0; 0.125,0.2665; 0.25,0.4; 0.375,0.465; 0.5,0.5;  0.625,0.535; 0.75,0.6; 0.875,0.7335; 1,1">
-                                          <p:stCondLst>
-                                            <p:cond delay="664"/>
-                                          </p:stCondLst>
-                                        </p:cTn>
-                                        <p:tgtEl>
-                                          <p:spTgt spid="7">
-                                            <p:txEl>
-                                              <p:pRg st="0" end="0"/>
-                                            </p:txEl>
-                                          </p:spTgt>
-                                        </p:tgtEl>
-                                        <p:attrNameLst>
-                                          <p:attrName>ppt_y</p:attrName>
-                                        </p:attrNameLst>
-                                      </p:cBhvr>
-                                      <p:tavLst>
-                                        <p:tav tm="0" fmla="#ppt_y-sin(pi*$)/9">
-                                          <p:val>
-                                            <p:fltVal val="0"/>
-                                          </p:val>
-                                        </p:tav>
-                                        <p:tav tm="100000">
-                                          <p:val>
-                                            <p:fltVal val="1"/>
-                                          </p:val>
-                                        </p:tav>
-                                      </p:tavLst>
-                                    </p:anim>
-                                    <p:anim calcmode="lin" valueType="num">
-                                      <p:cBhvr>
-                                        <p:cTn id="11" dur="332" tmFilter="0, 0; 0.125,0.2665; 0.25,0.4; 0.375,0.465; 0.5,0.5;  0.625,0.535; 0.75,0.6; 0.875,0.7335; 1,1">
-                                          <p:stCondLst>
-                                            <p:cond delay="1324"/>
-                                          </p:stCondLst>
-                                        </p:cTn>
-                                        <p:tgtEl>
-                                          <p:spTgt spid="7">
-                                            <p:txEl>
-                                              <p:pRg st="0" end="0"/>
-                                            </p:txEl>
-                                          </p:spTgt>
-                                        </p:tgtEl>
-                                        <p:attrNameLst>
-                                          <p:attrName>ppt_y</p:attrName>
-                                        </p:attrNameLst>
-                                      </p:cBhvr>
-                                      <p:tavLst>
-                                        <p:tav tm="0" fmla="#ppt_y-sin(pi*$)/27">
-                                          <p:val>
-                                            <p:fltVal val="0"/>
-                                          </p:val>
-                                        </p:tav>
-                                        <p:tav tm="100000">
-                                          <p:val>
-                                            <p:fltVal val="1"/>
-                                          </p:val>
-                                        </p:tav>
-                                      </p:tavLst>
-                                    </p:anim>
-                                    <p:anim calcmode="lin" valueType="num">
-                                      <p:cBhvr>
-                                        <p:cTn id="12" dur="164" tmFilter="0, 0; 0.125,0.2665; 0.25,0.4; 0.375,0.465; 0.5,0.5;  0.625,0.535; 0.75,0.6; 0.875,0.7335; 1,1">
-                                          <p:stCondLst>
-                                            <p:cond delay="1656"/>
-                                          </p:stCondLst>
-                                        </p:cTn>
-                                        <p:tgtEl>
-                                          <p:spTgt spid="7">
-                                            <p:txEl>
-                                              <p:pRg st="0" end="0"/>
-                                            </p:txEl>
-                                          </p:spTgt>
-                                        </p:tgtEl>
-                                        <p:attrNameLst>
-                                          <p:attrName>ppt_y</p:attrName>
-                                        </p:attrNameLst>
-                                      </p:cBhvr>
-                                      <p:tavLst>
-                                        <p:tav tm="0" fmla="#ppt_y-sin(pi*$)/81">
-                                          <p:val>
-                                            <p:fltVal val="0"/>
-                                          </p:val>
-                                        </p:tav>
-                                        <p:tav tm="100000">
-                                          <p:val>
-                                            <p:fltVal val="1"/>
-                                          </p:val>
-                                        </p:tav>
-                                      </p:tavLst>
-                                    </p:anim>
-                                    <p:animScale>
-                                      <p:cBhvr>
-                                        <p:cTn id="13" dur="26">
-                                          <p:stCondLst>
-                                            <p:cond delay="650"/>
-                                          </p:stCondLst>
-                                        </p:cTn>
-                                        <p:tgtEl>
-                                          <p:spTgt spid="7">
-                                            <p:txEl>
-                                              <p:pRg st="0" end="0"/>
-                                            </p:txEl>
-                                          </p:spTgt>
-                                        </p:tgtEl>
-                                      </p:cBhvr>
-                                      <p:to x="100000" y="60000"/>
-                                    </p:animScale>
-                                    <p:animScale>
-                                      <p:cBhvr>
-                                        <p:cTn id="14" dur="166" decel="50000">
-                                          <p:stCondLst>
-                                            <p:cond delay="676"/>
-                                          </p:stCondLst>
-                                        </p:cTn>
-                                        <p:tgtEl>
-                                          <p:spTgt spid="7">
-                                            <p:txEl>
-                                              <p:pRg st="0" end="0"/>
-                                            </p:txEl>
-                                          </p:spTgt>
-                                        </p:tgtEl>
-                                      </p:cBhvr>
-                                      <p:to x="100000" y="100000"/>
-                                    </p:animScale>
-                                    <p:animScale>
-                                      <p:cBhvr>
-                                        <p:cTn id="15" dur="26">
-                                          <p:stCondLst>
-                                            <p:cond delay="1312"/>
-                                          </p:stCondLst>
-                                        </p:cTn>
-                                        <p:tgtEl>
-                                          <p:spTgt spid="7">
-                                            <p:txEl>
-                                              <p:pRg st="0" end="0"/>
-                                            </p:txEl>
-                                          </p:spTgt>
-                                        </p:tgtEl>
-                                      </p:cBhvr>
-                                      <p:to x="100000" y="80000"/>
-                                    </p:animScale>
-                                    <p:animScale>
-                                      <p:cBhvr>
-                                        <p:cTn id="16" dur="166" decel="50000">
-                                          <p:stCondLst>
-                                            <p:cond delay="1338"/>
-                                          </p:stCondLst>
-                                        </p:cTn>
-                                        <p:tgtEl>
-                                          <p:spTgt spid="7">
-                                            <p:txEl>
-                                              <p:pRg st="0" end="0"/>
-                                            </p:txEl>
-                                          </p:spTgt>
-                                        </p:tgtEl>
-                                      </p:cBhvr>
-                                      <p:to x="100000" y="100000"/>
-                                    </p:animScale>
-                                    <p:animScale>
-                                      <p:cBhvr>
-                                        <p:cTn id="17" dur="26">
-                                          <p:stCondLst>
-                                            <p:cond delay="1642"/>
-                                          </p:stCondLst>
-                                        </p:cTn>
-                                        <p:tgtEl>
-                                          <p:spTgt spid="7">
-                                            <p:txEl>
-                                              <p:pRg st="0" end="0"/>
-                                            </p:txEl>
-                                          </p:spTgt>
-                                        </p:tgtEl>
-                                      </p:cBhvr>
-                                      <p:to x="100000" y="90000"/>
-                                    </p:animScale>
-                                    <p:animScale>
-                                      <p:cBhvr>
-                                        <p:cTn id="18" dur="166" decel="50000">
-                                          <p:stCondLst>
-                                            <p:cond delay="1668"/>
-                                          </p:stCondLst>
-                                        </p:cTn>
-                                        <p:tgtEl>
-                                          <p:spTgt spid="7">
-                                            <p:txEl>
-                                              <p:pRg st="0" end="0"/>
-                                            </p:txEl>
-                                          </p:spTgt>
-                                        </p:tgtEl>
-                                      </p:cBhvr>
-                                      <p:to x="100000" y="100000"/>
-                                    </p:animScale>
-                                    <p:animScale>
-                                      <p:cBhvr>
-                                        <p:cTn id="19" dur="26">
-                                          <p:stCondLst>
-                                            <p:cond delay="1808"/>
-                                          </p:stCondLst>
-                                        </p:cTn>
-                                        <p:tgtEl>
-                                          <p:spTgt spid="7">
-                                            <p:txEl>
-                                              <p:pRg st="0" end="0"/>
-                                            </p:txEl>
-                                          </p:spTgt>
-                                        </p:tgtEl>
-                                      </p:cBhvr>
-                                      <p:to x="100000" y="95000"/>
-                                    </p:animScale>
-                                    <p:animScale>
-                                      <p:cBhvr>
-                                        <p:cTn id="20" dur="166" decel="50000">
-                                          <p:stCondLst>
-                                            <p:cond delay="1834"/>
-                                          </p:stCondLst>
-                                        </p:cTn>
-                                        <p:tgtEl>
-                                          <p:spTgt spid="7">
-                                            <p:txEl>
-                                              <p:pRg st="0" end="0"/>
-                                            </p:txEl>
-                                          </p:spTgt>
-                                        </p:tgtEl>
-                                      </p:cBhvr>
-                                      <p:to x="100000" y="100000"/>
-                                    </p:animScale>
-                                  </p:childTnLst>
-                                </p:cTn>
-                              </p:par>
-                            </p:childTnLst>
-                          </p:cTn>
-                        </p:par>
-                      </p:childTnLst>
-                    </p:cTn>
-                  </p:par>
-                  <p:par>
-                    <p:cTn id="21" fill="hold">
-                      <p:stCondLst>
-                        <p:cond delay="indefinite"/>
-                      </p:stCondLst>
-                      <p:childTnLst>
-                        <p:par>
-                          <p:cTn id="22" fill="hold">
-                            <p:stCondLst>
-                              <p:cond delay="0"/>
-                            </p:stCondLst>
-                            <p:childTnLst>
-                              <p:par>
-                                <p:cTn id="23" presetID="26" presetClass="entr" presetSubtype="0" fill="hold" nodeType="clickEffect" nodePh="1">
-                                  <p:stCondLst>
-                                    <p:cond delay="0"/>
-                                  </p:stCondLst>
-                                  <p:endCondLst>
-                                    <p:cond evt="begin" delay="0">
-                                      <p:tn val="23"/>
-                                    </p:cond>
-                                  </p:endCondLst>
-                                  <p:childTnLst>
-                                    <p:set>
-                                      <p:cBhvr>
-                                        <p:cTn id="24" dur="1" fill="hold">
-                                          <p:stCondLst>
-                                            <p:cond delay="0"/>
-                                          </p:stCondLst>
-                                        </p:cTn>
-                                        <p:tgtEl>
-                                          <p:spTgt spid="9">
-                                            <p:txEl>
-                                              <p:pRg st="0" end="0"/>
-                                            </p:txEl>
-                                          </p:spTgt>
-                                        </p:tgtEl>
-                                        <p:attrNameLst>
-                                          <p:attrName>style.visibility</p:attrName>
-                                        </p:attrNameLst>
-                                      </p:cBhvr>
-                                      <p:to>
-                                        <p:strVal val="visible"/>
-                                      </p:to>
-                                    </p:set>
-                                    <p:animEffect transition="in" filter="wipe(down)">
-                                      <p:cBhvr>
-                                        <p:cTn id="25" dur="580">
-                                          <p:stCondLst>
-                                            <p:cond delay="0"/>
-                                          </p:stCondLst>
-                                        </p:cTn>
-                                        <p:tgtEl>
-                                          <p:spTgt spid="9">
-                                            <p:txEl>
-                                              <p:pRg st="0" end="0"/>
-                                            </p:txEl>
-                                          </p:spTgt>
-                                        </p:tgtEl>
-                                      </p:cBhvr>
-                                    </p:animEffect>
-                                    <p:anim calcmode="lin" valueType="num">
-                                      <p:cBhvr>
-                                        <p:cTn id="26" dur="1822" tmFilter="0,0; 0.14,0.36; 0.43,0.73; 0.71,0.91; 1.0,1.0">
-                                          <p:stCondLst>
-                                            <p:cond delay="0"/>
-                                          </p:stCondLst>
-                                        </p:cTn>
-                                        <p:tgtEl>
-                                          <p:spTgt spid="9">
-                                            <p:txEl>
-                                              <p:pRg st="0" end="0"/>
-                                            </p:txEl>
-                                          </p:spTgt>
-                                        </p:tgtEl>
-                                        <p:attrNameLst>
-                                          <p:attrName>ppt_x</p:attrName>
-                                        </p:attrNameLst>
-                                      </p:cBhvr>
-                                      <p:tavLst>
-                                        <p:tav tm="0">
-                                          <p:val>
-                                            <p:strVal val="#ppt_x-0.25"/>
-                                          </p:val>
-                                        </p:tav>
-                                        <p:tav tm="100000">
-                                          <p:val>
-                                            <p:strVal val="#ppt_x"/>
-                                          </p:val>
-                                        </p:tav>
-                                      </p:tavLst>
-                                    </p:anim>
-                                    <p:anim calcmode="lin" valueType="num">
-                                      <p:cBhvr>
-                                        <p:cTn id="27" dur="664" tmFilter="0.0,0.0; 0.25,0.07; 0.50,0.2; 0.75,0.467; 1.0,1.0">
-                                          <p:stCondLst>
-                                            <p:cond delay="0"/>
-                                          </p:stCondLst>
-                                        </p:cTn>
-                                        <p:tgtEl>
-                                          <p:spTgt spid="9">
-                                            <p:txEl>
-                                              <p:pRg st="0" end="0"/>
-                                            </p:txEl>
-                                          </p:spTgt>
-                                        </p:tgtEl>
-                                        <p:attrNameLst>
-                                          <p:attrName>ppt_y</p:attrName>
-                                        </p:attrNameLst>
-                                      </p:cBhvr>
-                                      <p:tavLst>
-                                        <p:tav tm="0" fmla="#ppt_y-sin(pi*$)/3">
-                                          <p:val>
-                                            <p:fltVal val="0.5"/>
-                                          </p:val>
-                                        </p:tav>
-                                        <p:tav tm="100000">
-                                          <p:val>
-                                            <p:fltVal val="1"/>
-                                          </p:val>
-                                        </p:tav>
-                                      </p:tavLst>
-                                    </p:anim>
-                                    <p:anim calcmode="lin" valueType="num">
-                                      <p:cBhvr>
-                                        <p:cTn id="28" dur="664" tmFilter="0, 0; 0.125,0.2665; 0.25,0.4; 0.375,0.465; 0.5,0.5;  0.625,0.535; 0.75,0.6; 0.875,0.7335; 1,1">
-                                          <p:stCondLst>
-                                            <p:cond delay="664"/>
-                                          </p:stCondLst>
-                                        </p:cTn>
-                                        <p:tgtEl>
-                                          <p:spTgt spid="9">
-                                            <p:txEl>
-                                              <p:pRg st="0" end="0"/>
-                                            </p:txEl>
-                                          </p:spTgt>
-                                        </p:tgtEl>
-                                        <p:attrNameLst>
-                                          <p:attrName>ppt_y</p:attrName>
-                                        </p:attrNameLst>
-                                      </p:cBhvr>
-                                      <p:tavLst>
-                                        <p:tav tm="0" fmla="#ppt_y-sin(pi*$)/9">
-                                          <p:val>
-                                            <p:fltVal val="0"/>
-                                          </p:val>
-                                        </p:tav>
-                                        <p:tav tm="100000">
-                                          <p:val>
-                                            <p:fltVal val="1"/>
-                                          </p:val>
-                                        </p:tav>
-                                      </p:tavLst>
-                                    </p:anim>
-                                    <p:anim calcmode="lin" valueType="num">
-                                      <p:cBhvr>
-                                        <p:cTn id="29" dur="332" tmFilter="0, 0; 0.125,0.2665; 0.25,0.4; 0.375,0.465; 0.5,0.5;  0.625,0.535; 0.75,0.6; 0.875,0.7335; 1,1">
-                                          <p:stCondLst>
-                                            <p:cond delay="1324"/>
-                                          </p:stCondLst>
-                                        </p:cTn>
-                                        <p:tgtEl>
-                                          <p:spTgt spid="9">
-                                            <p:txEl>
-                                              <p:pRg st="0" end="0"/>
-                                            </p:txEl>
-                                          </p:spTgt>
-                                        </p:tgtEl>
-                                        <p:attrNameLst>
-                                          <p:attrName>ppt_y</p:attrName>
-                                        </p:attrNameLst>
-                                      </p:cBhvr>
-                                      <p:tavLst>
-                                        <p:tav tm="0" fmla="#ppt_y-sin(pi*$)/27">
-                                          <p:val>
-                                            <p:fltVal val="0"/>
-                                          </p:val>
-                                        </p:tav>
-                                        <p:tav tm="100000">
-                                          <p:val>
-                                            <p:fltVal val="1"/>
-                                          </p:val>
-                                        </p:tav>
-                                      </p:tavLst>
-                                    </p:anim>
-                                    <p:anim calcmode="lin" valueType="num">
-                                      <p:cBhvr>
-                                        <p:cTn id="30" dur="164" tmFilter="0, 0; 0.125,0.2665; 0.25,0.4; 0.375,0.465; 0.5,0.5;  0.625,0.535; 0.75,0.6; 0.875,0.7335; 1,1">
-                                          <p:stCondLst>
-                                            <p:cond delay="1656"/>
-                                          </p:stCondLst>
-                                        </p:cTn>
-                                        <p:tgtEl>
-                                          <p:spTgt spid="9">
-                                            <p:txEl>
-                                              <p:pRg st="0" end="0"/>
-                                            </p:txEl>
-                                          </p:spTgt>
-                                        </p:tgtEl>
-                                        <p:attrNameLst>
-                                          <p:attrName>ppt_y</p:attrName>
-                                        </p:attrNameLst>
-                                      </p:cBhvr>
-                                      <p:tavLst>
-                                        <p:tav tm="0" fmla="#ppt_y-sin(pi*$)/81">
-                                          <p:val>
-                                            <p:fltVal val="0"/>
-                                          </p:val>
-                                        </p:tav>
-                                        <p:tav tm="100000">
-                                          <p:val>
-                                            <p:fltVal val="1"/>
-                                          </p:val>
-                                        </p:tav>
-                                      </p:tavLst>
-                                    </p:anim>
-                                    <p:animScale>
-                                      <p:cBhvr>
-                                        <p:cTn id="31" dur="26">
-                                          <p:stCondLst>
-                                            <p:cond delay="650"/>
-                                          </p:stCondLst>
-                                        </p:cTn>
-                                        <p:tgtEl>
-                                          <p:spTgt spid="9">
-                                            <p:txEl>
-                                              <p:pRg st="0" end="0"/>
-                                            </p:txEl>
-                                          </p:spTgt>
-                                        </p:tgtEl>
-                                      </p:cBhvr>
-                                      <p:to x="100000" y="60000"/>
-                                    </p:animScale>
-                                    <p:animScale>
-                                      <p:cBhvr>
-                                        <p:cTn id="32" dur="166" decel="50000">
-                                          <p:stCondLst>
-                                            <p:cond delay="676"/>
-                                          </p:stCondLst>
-                                        </p:cTn>
-                                        <p:tgtEl>
-                                          <p:spTgt spid="9">
-                                            <p:txEl>
-                                              <p:pRg st="0" end="0"/>
-                                            </p:txEl>
-                                          </p:spTgt>
-                                        </p:tgtEl>
-                                      </p:cBhvr>
-                                      <p:to x="100000" y="100000"/>
-                                    </p:animScale>
-                                    <p:animScale>
-                                      <p:cBhvr>
-                                        <p:cTn id="33" dur="26">
-                                          <p:stCondLst>
-                                            <p:cond delay="1312"/>
-                                          </p:stCondLst>
-                                        </p:cTn>
-                                        <p:tgtEl>
-                                          <p:spTgt spid="9">
-                                            <p:txEl>
-                                              <p:pRg st="0" end="0"/>
-                                            </p:txEl>
-                                          </p:spTgt>
-                                        </p:tgtEl>
-                                      </p:cBhvr>
-                                      <p:to x="100000" y="80000"/>
-                                    </p:animScale>
-                                    <p:animScale>
-                                      <p:cBhvr>
-                                        <p:cTn id="34" dur="166" decel="50000">
-                                          <p:stCondLst>
-                                            <p:cond delay="1338"/>
-                                          </p:stCondLst>
-                                        </p:cTn>
-                                        <p:tgtEl>
-                                          <p:spTgt spid="9">
-                                            <p:txEl>
-                                              <p:pRg st="0" end="0"/>
-                                            </p:txEl>
-                                          </p:spTgt>
-                                        </p:tgtEl>
-                                      </p:cBhvr>
-                                      <p:to x="100000" y="100000"/>
-                                    </p:animScale>
-                                    <p:animScale>
-                                      <p:cBhvr>
-                                        <p:cTn id="35" dur="26">
-                                          <p:stCondLst>
-                                            <p:cond delay="1642"/>
-                                          </p:stCondLst>
-                                        </p:cTn>
-                                        <p:tgtEl>
-                                          <p:spTgt spid="9">
-                                            <p:txEl>
-                                              <p:pRg st="0" end="0"/>
-                                            </p:txEl>
-                                          </p:spTgt>
-                                        </p:tgtEl>
-                                      </p:cBhvr>
-                                      <p:to x="100000" y="90000"/>
-                                    </p:animScale>
-                                    <p:animScale>
-                                      <p:cBhvr>
-                                        <p:cTn id="36" dur="166" decel="50000">
-                                          <p:stCondLst>
-                                            <p:cond delay="1668"/>
-                                          </p:stCondLst>
-                                        </p:cTn>
-                                        <p:tgtEl>
-                                          <p:spTgt spid="9">
-                                            <p:txEl>
-                                              <p:pRg st="0" end="0"/>
-                                            </p:txEl>
-                                          </p:spTgt>
-                                        </p:tgtEl>
-                                      </p:cBhvr>
-                                      <p:to x="100000" y="100000"/>
-                                    </p:animScale>
-                                    <p:animScale>
-                                      <p:cBhvr>
-                                        <p:cTn id="37" dur="26">
-                                          <p:stCondLst>
-                                            <p:cond delay="1808"/>
-                                          </p:stCondLst>
-                                        </p:cTn>
-                                        <p:tgtEl>
-                                          <p:spTgt spid="9">
-                                            <p:txEl>
-                                              <p:pRg st="0" end="0"/>
-                                            </p:txEl>
-                                          </p:spTgt>
-                                        </p:tgtEl>
-                                      </p:cBhvr>
-                                      <p:to x="100000" y="95000"/>
-                                    </p:animScale>
-                                    <p:animScale>
-                                      <p:cBhvr>
-                                        <p:cTn id="38" dur="166" decel="50000">
-                                          <p:stCondLst>
-                                            <p:cond delay="1834"/>
-                                          </p:stCondLst>
-                                        </p:cTn>
-                                        <p:tgtEl>
-                                          <p:spTgt spid="9">
-                                            <p:txEl>
-                                              <p:pRg st="0" end="0"/>
-                                            </p:txEl>
-                                          </p:spTgt>
-                                        </p:tgtEl>
-                                      </p:cBhvr>
-                                      <p:to x="100000" y="100000"/>
-                                    </p:animScale>
-                                  </p:childTnLst>
-                                </p:cTn>
-                              </p:par>
-                            </p:childTnLst>
-                          </p:cTn>
-                        </p:par>
-                      </p:childTnLst>
-                    </p:cTn>
-                  </p:par>
-                </p:childTnLst>
-              </p:cTn>
-              <p:prevCondLst>
-                <p:cond evt="onPrev" delay="0">
-                  <p:tgtEl>
-                    <p:sldTgt/>
-                  </p:tgtEl>
-                </p:cond>
-              </p:prevCondLst>
-              <p:nextCondLst>
-                <p:cond evt="onNext" delay="0">
-                  <p:tgtEl>
-                    <p:sldTgt/>
-                  </p:tgtEl>
-                </p:cond>
-              </p:nextCondLst>
-            </p:seq>
-          </p:childTnLst>
-        </p:cTn>
-      </p:par>
-    </p:tnLst>
-  </p:timing>
-</p:sld>
-</file>
-
 <file path=ppt/theme/theme1.xml><?xml version="1.0" encoding="utf-8"?>
 <a:theme xmlns:a="http://schemas.openxmlformats.org/drawingml/2006/main" name="Austin">
   <a:themeElements>

--- a/Documentacion/Proyecto/ExposicionRegularidad.pptx
+++ b/Documentacion/Proyecto/ExposicionRegularidad.pptx
@@ -368,7 +368,7 @@
             <a:fld id="{673BB177-0FC6-4C22-B343-101DA27743F5}" type="slidenum">
               <a:rPr lang="en-US" smtClean="0"/>
               <a:pPr/>
-              <a:t>‹#›</a:t>
+              <a:t>‹Nº›</a:t>
             </a:fld>
             <a:endParaRPr lang="en-US"/>
           </a:p>
@@ -4664,7 +4664,7 @@
             <a:fld id="{DCCC8732-F178-4423-B0C1-D52A699E8877}" type="slidenum">
               <a:rPr lang="en-US" smtClean="0"/>
               <a:pPr/>
-              <a:t>‹#›</a:t>
+              <a:t>‹Nº›</a:t>
             </a:fld>
             <a:endParaRPr lang="en-US"/>
           </a:p>
@@ -4877,7 +4877,7 @@
             <a:fld id="{DCCC8732-F178-4423-B0C1-D52A699E8877}" type="slidenum">
               <a:rPr lang="en-US" smtClean="0"/>
               <a:pPr/>
-              <a:t>‹#›</a:t>
+              <a:t>‹Nº›</a:t>
             </a:fld>
             <a:endParaRPr lang="en-US"/>
           </a:p>
@@ -5054,7 +5054,7 @@
             <a:fld id="{DCCC8732-F178-4423-B0C1-D52A699E8877}" type="slidenum">
               <a:rPr lang="en-US" smtClean="0"/>
               <a:pPr/>
-              <a:t>‹#›</a:t>
+              <a:t>‹Nº›</a:t>
             </a:fld>
             <a:endParaRPr lang="en-US"/>
           </a:p>
@@ -5221,7 +5221,7 @@
             <a:fld id="{DCCC8732-F178-4423-B0C1-D52A699E8877}" type="slidenum">
               <a:rPr lang="en-US" smtClean="0"/>
               <a:pPr/>
-              <a:t>‹#›</a:t>
+              <a:t>‹Nº›</a:t>
             </a:fld>
             <a:endParaRPr lang="en-US"/>
           </a:p>
@@ -5464,7 +5464,7 @@
             <a:fld id="{DCCC8732-F178-4423-B0C1-D52A699E8877}" type="slidenum">
               <a:rPr lang="en-US" smtClean="0"/>
               <a:pPr/>
-              <a:t>‹#›</a:t>
+              <a:t>‹Nº›</a:t>
             </a:fld>
             <a:endParaRPr lang="en-US"/>
           </a:p>
@@ -5579,7 +5579,7 @@
             <a:fld id="{DCCC8732-F178-4423-B0C1-D52A699E8877}" type="slidenum">
               <a:rPr lang="en-US" smtClean="0"/>
               <a:pPr/>
-              <a:t>‹#›</a:t>
+              <a:t>‹Nº›</a:t>
             </a:fld>
             <a:endParaRPr lang="en-US"/>
           </a:p>
@@ -6120,7 +6120,7 @@
             <a:fld id="{DCCC8732-F178-4423-B0C1-D52A699E8877}" type="slidenum">
               <a:rPr lang="en-US" smtClean="0"/>
               <a:pPr/>
-              <a:t>‹#›</a:t>
+              <a:t>‹Nº›</a:t>
             </a:fld>
             <a:endParaRPr lang="en-US"/>
           </a:p>
@@ -6235,7 +6235,7 @@
             <a:fld id="{DCCC8732-F178-4423-B0C1-D52A699E8877}" type="slidenum">
               <a:rPr lang="en-US" smtClean="0"/>
               <a:pPr/>
-              <a:t>‹#›</a:t>
+              <a:t>‹Nº›</a:t>
             </a:fld>
             <a:endParaRPr lang="en-US"/>
           </a:p>
@@ -6327,7 +6327,7 @@
             <a:fld id="{DCCC8732-F178-4423-B0C1-D52A699E8877}" type="slidenum">
               <a:rPr lang="en-US" smtClean="0"/>
               <a:pPr/>
-              <a:t>‹#›</a:t>
+              <a:t>‹Nº›</a:t>
             </a:fld>
             <a:endParaRPr lang="en-US"/>
           </a:p>
@@ -8961,7 +8961,7 @@
             <a:fld id="{DCCC8732-F178-4423-B0C1-D52A699E8877}" type="slidenum">
               <a:rPr lang="en-US" smtClean="0"/>
               <a:pPr/>
-              <a:t>‹#›</a:t>
+              <a:t>‹Nº›</a:t>
             </a:fld>
             <a:endParaRPr lang="en-US"/>
           </a:p>
@@ -12201,7 +12201,7 @@
             <a:fld id="{DCCC8732-F178-4423-B0C1-D52A699E8877}" type="slidenum">
               <a:rPr lang="en-US" smtClean="0"/>
               <a:pPr/>
-              <a:t>‹#›</a:t>
+              <a:t>‹Nº›</a:t>
             </a:fld>
             <a:endParaRPr lang="en-US"/>
           </a:p>
@@ -15050,7 +15050,7 @@
             <a:fld id="{DCCC8732-F178-4423-B0C1-D52A699E8877}" type="slidenum">
               <a:rPr lang="en-US" smtClean="0"/>
               <a:pPr/>
-              <a:t>‹#›</a:t>
+              <a:t>‹Nº›</a:t>
             </a:fld>
             <a:endParaRPr lang="en-US"/>
           </a:p>
@@ -17900,7 +17900,11 @@
             <a:pPr marL="342900" lvl="1"/>
             <a:r>
               <a:rPr lang="es-ES" sz="2800" dirty="0"/>
-              <a:t>Necesidad de avisos de vencimientos de permisos o documentos</a:t>
+              <a:t>Necesidad de avisos de vencimientos de </a:t>
+            </a:r>
+            <a:r>
+              <a:rPr lang="es-ES" sz="2800" dirty="0" smtClean="0"/>
+              <a:t>documentos</a:t>
             </a:r>
             <a:r>
               <a:rPr lang="es-ES" sz="2800" dirty="0" smtClean="0"/>
@@ -17939,15 +17943,7 @@
                   <a:srgbClr val="FF0000"/>
                 </a:solidFill>
               </a:rPr>
-              <a:t> el funcionamiento de las notificaciones de documentos de cuadrilla por vencer, mostrando los bonitos </a:t>
-            </a:r>
-            <a:r>
-              <a:rPr lang="es-ES" sz="1700" smtClean="0">
-                <a:solidFill>
-                  <a:srgbClr val="FF0000"/>
-                </a:solidFill>
-              </a:rPr>
-              <a:t>colores, </a:t>
+              <a:t> el funcionamiento de las notificaciones de documentos de cuadrilla por vencer, mostrando los bonitos colores, </a:t>
             </a:r>
             <a:r>
               <a:rPr lang="es-ES" sz="1700" dirty="0" err="1" smtClean="0">
@@ -22566,11 +22562,7 @@
           <a:p>
             <a:r>
               <a:rPr lang="es-ES" dirty="0" smtClean="0"/>
-              <a:t>Diagnóstico previo</a:t>
-            </a:r>
-            <a:r>
-              <a:rPr lang="es-ES" dirty="0" smtClean="0"/>
-              <a:t>.</a:t>
+              <a:t>Diagnóstico previo.</a:t>
             </a:r>
           </a:p>
           <a:p>
@@ -22581,7 +22573,6 @@
               <a:rPr lang="es-ES" dirty="0" smtClean="0"/>
               <a:t>Introducción a la implementación.</a:t>
             </a:r>
-            <a:endParaRPr lang="es-ES" dirty="0" smtClean="0"/>
           </a:p>
           <a:p>
             <a:endParaRPr lang="es-ES" dirty="0" smtClean="0"/>
@@ -23617,7 +23608,7 @@
         </p:spPr>
         <p:txBody>
           <a:bodyPr vert="horz" lIns="91440" tIns="45720" rIns="91440" bIns="45720" rtlCol="0">
-            <a:normAutofit fontScale="92500" lnSpcReduction="10000"/>
+            <a:normAutofit fontScale="92500"/>
           </a:bodyPr>
           <a:lstStyle>
             <a:lvl1pPr marL="342900" indent="-274320" algn="l" defTabSz="914400" rtl="0" eaLnBrk="1" latinLnBrk="0" hangingPunct="1">
@@ -23870,7 +23861,15 @@
             </a:r>
             <a:r>
               <a:rPr lang="es-ES" dirty="0"/>
-              <a:t>de vencimientos de permisos o documentos</a:t>
+              <a:t>de vencimientos </a:t>
+            </a:r>
+            <a:r>
+              <a:rPr lang="es-ES"/>
+              <a:t>de </a:t>
+            </a:r>
+            <a:r>
+              <a:rPr lang="es-ES" smtClean="0"/>
+              <a:t>documentos</a:t>
             </a:r>
             <a:r>
               <a:rPr lang="es-ES" dirty="0" smtClean="0"/>
